--- a/manuscript/mockups/mockup1.pptx
+++ b/manuscript/mockups/mockup1.pptx
@@ -6,8 +6,9 @@
   </p:sldMasterIdLst>
   <p:sldIdLst>
     <p:sldId id="258" r:id="rId2"/>
-    <p:sldId id="256" r:id="rId3"/>
-    <p:sldId id="257" r:id="rId4"/>
+    <p:sldId id="259" r:id="rId3"/>
+    <p:sldId id="256" r:id="rId4"/>
+    <p:sldId id="257" r:id="rId5"/>
   </p:sldIdLst>
   <p:sldSz cx="12192000" cy="6858000"/>
   <p:notesSz cx="6858000" cy="9144000"/>
@@ -3337,7 +3338,7 @@
         </p:nvGrpSpPr>
         <p:grpSpPr>
           <a:xfrm>
-            <a:off x="1091181" y="2701370"/>
+            <a:off x="3703265" y="584507"/>
             <a:ext cx="2476949" cy="1994525"/>
             <a:chOff x="4664149" y="3077927"/>
             <a:chExt cx="2476949" cy="1994525"/>
@@ -5844,7 +5845,7 @@
         </p:nvGrpSpPr>
         <p:grpSpPr>
           <a:xfrm>
-            <a:off x="3632988" y="577767"/>
+            <a:off x="1091181" y="2707765"/>
             <a:ext cx="2476949" cy="1994525"/>
             <a:chOff x="8008786" y="600985"/>
             <a:chExt cx="2476949" cy="1994525"/>
@@ -10308,6 +10309,6368 @@
           <a:chExt cx="0" cy="0"/>
         </a:xfrm>
       </p:grpSpPr>
+      <p:grpSp>
+        <p:nvGrpSpPr>
+          <p:cNvPr id="11" name="Group 10">
+            <a:extLst>
+              <a:ext uri="{FF2B5EF4-FFF2-40B4-BE49-F238E27FC236}">
+                <a16:creationId xmlns:a16="http://schemas.microsoft.com/office/drawing/2014/main" id="{B561A736-E3BE-5744-B989-7F59DF73BB6D}"/>
+              </a:ext>
+            </a:extLst>
+          </p:cNvPr>
+          <p:cNvGrpSpPr/>
+          <p:nvPr/>
+        </p:nvGrpSpPr>
+        <p:grpSpPr>
+          <a:xfrm>
+            <a:off x="1091181" y="1156007"/>
+            <a:ext cx="7693630" cy="1996574"/>
+            <a:chOff x="1091181" y="584507"/>
+            <a:chExt cx="7693630" cy="1996574"/>
+          </a:xfrm>
+        </p:grpSpPr>
+        <p:grpSp>
+          <p:nvGrpSpPr>
+            <p:cNvPr id="9" name="Group 8">
+              <a:extLst>
+                <a:ext uri="{FF2B5EF4-FFF2-40B4-BE49-F238E27FC236}">
+                  <a16:creationId xmlns:a16="http://schemas.microsoft.com/office/drawing/2014/main" id="{2FD48F25-4F74-6B43-A411-A6CDDD36E3AF}"/>
+                </a:ext>
+              </a:extLst>
+            </p:cNvPr>
+            <p:cNvGrpSpPr/>
+            <p:nvPr/>
+          </p:nvGrpSpPr>
+          <p:grpSpPr>
+            <a:xfrm>
+              <a:off x="1091181" y="586556"/>
+              <a:ext cx="2476949" cy="1994525"/>
+              <a:chOff x="1091181" y="586556"/>
+              <a:chExt cx="2476949" cy="1994525"/>
+            </a:xfrm>
+          </p:grpSpPr>
+          <p:grpSp>
+            <p:nvGrpSpPr>
+              <p:cNvPr id="218" name="Group 217">
+                <a:extLst>
+                  <a:ext uri="{FF2B5EF4-FFF2-40B4-BE49-F238E27FC236}">
+                    <a16:creationId xmlns:a16="http://schemas.microsoft.com/office/drawing/2014/main" id="{99F22C1C-4E23-6942-AF76-7E15FE0D43D2}"/>
+                  </a:ext>
+                </a:extLst>
+              </p:cNvPr>
+              <p:cNvGrpSpPr/>
+              <p:nvPr/>
+            </p:nvGrpSpPr>
+            <p:grpSpPr>
+              <a:xfrm>
+                <a:off x="1091181" y="586556"/>
+                <a:ext cx="2476949" cy="1994525"/>
+                <a:chOff x="2362586" y="600985"/>
+                <a:chExt cx="2476949" cy="1994525"/>
+              </a:xfrm>
+            </p:grpSpPr>
+            <p:grpSp>
+              <p:nvGrpSpPr>
+                <p:cNvPr id="166" name="Group 165">
+                  <a:extLst>
+                    <a:ext uri="{FF2B5EF4-FFF2-40B4-BE49-F238E27FC236}">
+                      <a16:creationId xmlns:a16="http://schemas.microsoft.com/office/drawing/2014/main" id="{AF3B8B38-21A6-734E-9F4F-19D6002B2508}"/>
+                    </a:ext>
+                  </a:extLst>
+                </p:cNvPr>
+                <p:cNvGrpSpPr/>
+                <p:nvPr/>
+              </p:nvGrpSpPr>
+              <p:grpSpPr>
+                <a:xfrm>
+                  <a:off x="3031458" y="1236252"/>
+                  <a:ext cx="226782" cy="300121"/>
+                  <a:chOff x="5074435" y="1010756"/>
+                  <a:chExt cx="226782" cy="300121"/>
+                </a:xfrm>
+                <a:solidFill>
+                  <a:srgbClr val="D95F02"/>
+                </a:solidFill>
+              </p:grpSpPr>
+              <p:sp>
+                <p:nvSpPr>
+                  <p:cNvPr id="197" name="Oval 196">
+                    <a:extLst>
+                      <a:ext uri="{FF2B5EF4-FFF2-40B4-BE49-F238E27FC236}">
+                        <a16:creationId xmlns:a16="http://schemas.microsoft.com/office/drawing/2014/main" id="{BF3F2101-4EFD-C749-B688-E13917B66C72}"/>
+                      </a:ext>
+                    </a:extLst>
+                  </p:cNvPr>
+                  <p:cNvSpPr/>
+                  <p:nvPr/>
+                </p:nvSpPr>
+                <p:spPr>
+                  <a:xfrm>
+                    <a:off x="5202654" y="1010756"/>
+                    <a:ext cx="45719" cy="46521"/>
+                  </a:xfrm>
+                  <a:prstGeom prst="ellipse">
+                    <a:avLst/>
+                  </a:prstGeom>
+                  <a:grpFill/>
+                  <a:ln>
+                    <a:solidFill>
+                      <a:schemeClr val="tx1"/>
+                    </a:solidFill>
+                  </a:ln>
+                </p:spPr>
+                <p:style>
+                  <a:lnRef idx="2">
+                    <a:schemeClr val="accent1">
+                      <a:shade val="50000"/>
+                    </a:schemeClr>
+                  </a:lnRef>
+                  <a:fillRef idx="1">
+                    <a:schemeClr val="accent1"/>
+                  </a:fillRef>
+                  <a:effectRef idx="0">
+                    <a:schemeClr val="accent1"/>
+                  </a:effectRef>
+                  <a:fontRef idx="minor">
+                    <a:schemeClr val="lt1"/>
+                  </a:fontRef>
+                </p:style>
+                <p:txBody>
+                  <a:bodyPr rtlCol="0" anchor="ctr"/>
+                  <a:lstStyle/>
+                  <a:p>
+                    <a:pPr algn="ctr"/>
+                    <a:endParaRPr lang="en-US"/>
+                  </a:p>
+                </p:txBody>
+              </p:sp>
+              <p:sp>
+                <p:nvSpPr>
+                  <p:cNvPr id="198" name="Oval 197">
+                    <a:extLst>
+                      <a:ext uri="{FF2B5EF4-FFF2-40B4-BE49-F238E27FC236}">
+                        <a16:creationId xmlns:a16="http://schemas.microsoft.com/office/drawing/2014/main" id="{155349F0-AECA-C842-BAD3-50FBB72F3A98}"/>
+                      </a:ext>
+                    </a:extLst>
+                  </p:cNvPr>
+                  <p:cNvSpPr/>
+                  <p:nvPr/>
+                </p:nvSpPr>
+                <p:spPr>
+                  <a:xfrm>
+                    <a:off x="5212130" y="1137260"/>
+                    <a:ext cx="45719" cy="46521"/>
+                  </a:xfrm>
+                  <a:prstGeom prst="ellipse">
+                    <a:avLst/>
+                  </a:prstGeom>
+                  <a:grpFill/>
+                  <a:ln>
+                    <a:solidFill>
+                      <a:schemeClr val="tx1"/>
+                    </a:solidFill>
+                  </a:ln>
+                </p:spPr>
+                <p:style>
+                  <a:lnRef idx="2">
+                    <a:schemeClr val="accent1">
+                      <a:shade val="50000"/>
+                    </a:schemeClr>
+                  </a:lnRef>
+                  <a:fillRef idx="1">
+                    <a:schemeClr val="accent1"/>
+                  </a:fillRef>
+                  <a:effectRef idx="0">
+                    <a:schemeClr val="accent1"/>
+                  </a:effectRef>
+                  <a:fontRef idx="minor">
+                    <a:schemeClr val="lt1"/>
+                  </a:fontRef>
+                </p:style>
+                <p:txBody>
+                  <a:bodyPr rtlCol="0" anchor="ctr"/>
+                  <a:lstStyle/>
+                  <a:p>
+                    <a:pPr algn="ctr"/>
+                    <a:endParaRPr lang="en-US"/>
+                  </a:p>
+                </p:txBody>
+              </p:sp>
+              <p:sp>
+                <p:nvSpPr>
+                  <p:cNvPr id="199" name="Oval 198">
+                    <a:extLst>
+                      <a:ext uri="{FF2B5EF4-FFF2-40B4-BE49-F238E27FC236}">
+                        <a16:creationId xmlns:a16="http://schemas.microsoft.com/office/drawing/2014/main" id="{56B5DA3A-73C0-AE42-9653-F1FAA226B7C3}"/>
+                      </a:ext>
+                    </a:extLst>
+                  </p:cNvPr>
+                  <p:cNvSpPr/>
+                  <p:nvPr/>
+                </p:nvSpPr>
+                <p:spPr>
+                  <a:xfrm>
+                    <a:off x="5145323" y="1206386"/>
+                    <a:ext cx="45719" cy="46521"/>
+                  </a:xfrm>
+                  <a:prstGeom prst="ellipse">
+                    <a:avLst/>
+                  </a:prstGeom>
+                  <a:grpFill/>
+                  <a:ln>
+                    <a:solidFill>
+                      <a:schemeClr val="tx1"/>
+                    </a:solidFill>
+                  </a:ln>
+                </p:spPr>
+                <p:style>
+                  <a:lnRef idx="2">
+                    <a:schemeClr val="accent1">
+                      <a:shade val="50000"/>
+                    </a:schemeClr>
+                  </a:lnRef>
+                  <a:fillRef idx="1">
+                    <a:schemeClr val="accent1"/>
+                  </a:fillRef>
+                  <a:effectRef idx="0">
+                    <a:schemeClr val="accent1"/>
+                  </a:effectRef>
+                  <a:fontRef idx="minor">
+                    <a:schemeClr val="lt1"/>
+                  </a:fontRef>
+                </p:style>
+                <p:txBody>
+                  <a:bodyPr rtlCol="0" anchor="ctr"/>
+                  <a:lstStyle/>
+                  <a:p>
+                    <a:pPr algn="ctr"/>
+                    <a:endParaRPr lang="en-US"/>
+                  </a:p>
+                </p:txBody>
+              </p:sp>
+              <p:sp>
+                <p:nvSpPr>
+                  <p:cNvPr id="200" name="Oval 199">
+                    <a:extLst>
+                      <a:ext uri="{FF2B5EF4-FFF2-40B4-BE49-F238E27FC236}">
+                        <a16:creationId xmlns:a16="http://schemas.microsoft.com/office/drawing/2014/main" id="{AC16C9E2-6F75-524E-864D-C61465D5EF8A}"/>
+                      </a:ext>
+                    </a:extLst>
+                  </p:cNvPr>
+                  <p:cNvSpPr/>
+                  <p:nvPr/>
+                </p:nvSpPr>
+                <p:spPr>
+                  <a:xfrm>
+                    <a:off x="5074435" y="1264356"/>
+                    <a:ext cx="45719" cy="46521"/>
+                  </a:xfrm>
+                  <a:prstGeom prst="ellipse">
+                    <a:avLst/>
+                  </a:prstGeom>
+                  <a:grpFill/>
+                  <a:ln>
+                    <a:solidFill>
+                      <a:schemeClr val="tx1"/>
+                    </a:solidFill>
+                  </a:ln>
+                </p:spPr>
+                <p:style>
+                  <a:lnRef idx="2">
+                    <a:schemeClr val="accent1">
+                      <a:shade val="50000"/>
+                    </a:schemeClr>
+                  </a:lnRef>
+                  <a:fillRef idx="1">
+                    <a:schemeClr val="accent1"/>
+                  </a:fillRef>
+                  <a:effectRef idx="0">
+                    <a:schemeClr val="accent1"/>
+                  </a:effectRef>
+                  <a:fontRef idx="minor">
+                    <a:schemeClr val="lt1"/>
+                  </a:fontRef>
+                </p:style>
+                <p:txBody>
+                  <a:bodyPr rtlCol="0" anchor="ctr"/>
+                  <a:lstStyle/>
+                  <a:p>
+                    <a:pPr algn="ctr"/>
+                    <a:endParaRPr lang="en-US"/>
+                  </a:p>
+                </p:txBody>
+              </p:sp>
+              <p:sp>
+                <p:nvSpPr>
+                  <p:cNvPr id="201" name="Oval 200">
+                    <a:extLst>
+                      <a:ext uri="{FF2B5EF4-FFF2-40B4-BE49-F238E27FC236}">
+                        <a16:creationId xmlns:a16="http://schemas.microsoft.com/office/drawing/2014/main" id="{4BAA492A-4161-9C49-9FCB-D876C234D75B}"/>
+                      </a:ext>
+                    </a:extLst>
+                  </p:cNvPr>
+                  <p:cNvSpPr/>
+                  <p:nvPr/>
+                </p:nvSpPr>
+                <p:spPr>
+                  <a:xfrm>
+                    <a:off x="5255498" y="1074008"/>
+                    <a:ext cx="45719" cy="46521"/>
+                  </a:xfrm>
+                  <a:prstGeom prst="ellipse">
+                    <a:avLst/>
+                  </a:prstGeom>
+                  <a:grpFill/>
+                  <a:ln>
+                    <a:solidFill>
+                      <a:schemeClr val="tx1"/>
+                    </a:solidFill>
+                  </a:ln>
+                </p:spPr>
+                <p:style>
+                  <a:lnRef idx="2">
+                    <a:schemeClr val="accent1">
+                      <a:shade val="50000"/>
+                    </a:schemeClr>
+                  </a:lnRef>
+                  <a:fillRef idx="1">
+                    <a:schemeClr val="accent1"/>
+                  </a:fillRef>
+                  <a:effectRef idx="0">
+                    <a:schemeClr val="accent1"/>
+                  </a:effectRef>
+                  <a:fontRef idx="minor">
+                    <a:schemeClr val="lt1"/>
+                  </a:fontRef>
+                </p:style>
+                <p:txBody>
+                  <a:bodyPr rtlCol="0" anchor="ctr"/>
+                  <a:lstStyle/>
+                  <a:p>
+                    <a:pPr algn="ctr"/>
+                    <a:endParaRPr lang="en-US"/>
+                  </a:p>
+                </p:txBody>
+              </p:sp>
+            </p:grpSp>
+            <p:grpSp>
+              <p:nvGrpSpPr>
+                <p:cNvPr id="167" name="Group 166">
+                  <a:extLst>
+                    <a:ext uri="{FF2B5EF4-FFF2-40B4-BE49-F238E27FC236}">
+                      <a16:creationId xmlns:a16="http://schemas.microsoft.com/office/drawing/2014/main" id="{45F7F657-4052-7B4A-8721-C33D3816AB0B}"/>
+                    </a:ext>
+                  </a:extLst>
+                </p:cNvPr>
+                <p:cNvGrpSpPr/>
+                <p:nvPr/>
+              </p:nvGrpSpPr>
+              <p:grpSpPr>
+                <a:xfrm>
+                  <a:off x="2937997" y="795363"/>
+                  <a:ext cx="83819" cy="276365"/>
+                  <a:chOff x="4990616" y="588004"/>
+                  <a:chExt cx="83819" cy="276365"/>
+                </a:xfrm>
+                <a:solidFill>
+                  <a:srgbClr val="1B9E77"/>
+                </a:solidFill>
+              </p:grpSpPr>
+              <p:sp>
+                <p:nvSpPr>
+                  <p:cNvPr id="192" name="Oval 191">
+                    <a:extLst>
+                      <a:ext uri="{FF2B5EF4-FFF2-40B4-BE49-F238E27FC236}">
+                        <a16:creationId xmlns:a16="http://schemas.microsoft.com/office/drawing/2014/main" id="{88BF10E1-A176-F04F-A03F-BB3FBB48329F}"/>
+                      </a:ext>
+                    </a:extLst>
+                  </p:cNvPr>
+                  <p:cNvSpPr/>
+                  <p:nvPr/>
+                </p:nvSpPr>
+                <p:spPr>
+                  <a:xfrm>
+                    <a:off x="5028716" y="588004"/>
+                    <a:ext cx="45719" cy="46521"/>
+                  </a:xfrm>
+                  <a:prstGeom prst="ellipse">
+                    <a:avLst/>
+                  </a:prstGeom>
+                  <a:grpFill/>
+                  <a:ln>
+                    <a:solidFill>
+                      <a:schemeClr val="tx1"/>
+                    </a:solidFill>
+                  </a:ln>
+                </p:spPr>
+                <p:style>
+                  <a:lnRef idx="2">
+                    <a:schemeClr val="accent1">
+                      <a:shade val="50000"/>
+                    </a:schemeClr>
+                  </a:lnRef>
+                  <a:fillRef idx="1">
+                    <a:schemeClr val="accent1"/>
+                  </a:fillRef>
+                  <a:effectRef idx="0">
+                    <a:schemeClr val="accent1"/>
+                  </a:effectRef>
+                  <a:fontRef idx="minor">
+                    <a:schemeClr val="lt1"/>
+                  </a:fontRef>
+                </p:style>
+                <p:txBody>
+                  <a:bodyPr rtlCol="0" anchor="ctr"/>
+                  <a:lstStyle/>
+                  <a:p>
+                    <a:pPr algn="ctr"/>
+                    <a:endParaRPr lang="en-US"/>
+                  </a:p>
+                </p:txBody>
+              </p:sp>
+              <p:sp>
+                <p:nvSpPr>
+                  <p:cNvPr id="193" name="Oval 192">
+                    <a:extLst>
+                      <a:ext uri="{FF2B5EF4-FFF2-40B4-BE49-F238E27FC236}">
+                        <a16:creationId xmlns:a16="http://schemas.microsoft.com/office/drawing/2014/main" id="{D6FC6AC4-29DB-3741-BA1E-540AE5A2D276}"/>
+                      </a:ext>
+                    </a:extLst>
+                  </p:cNvPr>
+                  <p:cNvSpPr/>
+                  <p:nvPr/>
+                </p:nvSpPr>
+                <p:spPr>
+                  <a:xfrm>
+                    <a:off x="4998427" y="651271"/>
+                    <a:ext cx="45719" cy="46521"/>
+                  </a:xfrm>
+                  <a:prstGeom prst="ellipse">
+                    <a:avLst/>
+                  </a:prstGeom>
+                  <a:grpFill/>
+                  <a:ln>
+                    <a:solidFill>
+                      <a:schemeClr val="tx1"/>
+                    </a:solidFill>
+                  </a:ln>
+                </p:spPr>
+                <p:style>
+                  <a:lnRef idx="2">
+                    <a:schemeClr val="accent1">
+                      <a:shade val="50000"/>
+                    </a:schemeClr>
+                  </a:lnRef>
+                  <a:fillRef idx="1">
+                    <a:schemeClr val="accent1"/>
+                  </a:fillRef>
+                  <a:effectRef idx="0">
+                    <a:schemeClr val="accent1"/>
+                  </a:effectRef>
+                  <a:fontRef idx="minor">
+                    <a:schemeClr val="lt1"/>
+                  </a:fontRef>
+                </p:style>
+                <p:txBody>
+                  <a:bodyPr rtlCol="0" anchor="ctr"/>
+                  <a:lstStyle/>
+                  <a:p>
+                    <a:pPr algn="ctr"/>
+                    <a:endParaRPr lang="en-US"/>
+                  </a:p>
+                </p:txBody>
+              </p:sp>
+              <p:sp>
+                <p:nvSpPr>
+                  <p:cNvPr id="194" name="Oval 193">
+                    <a:extLst>
+                      <a:ext uri="{FF2B5EF4-FFF2-40B4-BE49-F238E27FC236}">
+                        <a16:creationId xmlns:a16="http://schemas.microsoft.com/office/drawing/2014/main" id="{D1CF8A59-22E5-2C47-B6B7-7893E7FC20B4}"/>
+                      </a:ext>
+                    </a:extLst>
+                  </p:cNvPr>
+                  <p:cNvSpPr/>
+                  <p:nvPr/>
+                </p:nvSpPr>
+                <p:spPr>
+                  <a:xfrm>
+                    <a:off x="5028716" y="711829"/>
+                    <a:ext cx="45719" cy="46521"/>
+                  </a:xfrm>
+                  <a:prstGeom prst="ellipse">
+                    <a:avLst/>
+                  </a:prstGeom>
+                  <a:grpFill/>
+                  <a:ln>
+                    <a:solidFill>
+                      <a:schemeClr val="tx1"/>
+                    </a:solidFill>
+                  </a:ln>
+                </p:spPr>
+                <p:style>
+                  <a:lnRef idx="2">
+                    <a:schemeClr val="accent1">
+                      <a:shade val="50000"/>
+                    </a:schemeClr>
+                  </a:lnRef>
+                  <a:fillRef idx="1">
+                    <a:schemeClr val="accent1"/>
+                  </a:fillRef>
+                  <a:effectRef idx="0">
+                    <a:schemeClr val="accent1"/>
+                  </a:effectRef>
+                  <a:fontRef idx="minor">
+                    <a:schemeClr val="lt1"/>
+                  </a:fontRef>
+                </p:style>
+                <p:txBody>
+                  <a:bodyPr rtlCol="0" anchor="ctr"/>
+                  <a:lstStyle/>
+                  <a:p>
+                    <a:pPr algn="ctr"/>
+                    <a:endParaRPr lang="en-US" dirty="0"/>
+                  </a:p>
+                </p:txBody>
+              </p:sp>
+              <p:sp>
+                <p:nvSpPr>
+                  <p:cNvPr id="195" name="Oval 194">
+                    <a:extLst>
+                      <a:ext uri="{FF2B5EF4-FFF2-40B4-BE49-F238E27FC236}">
+                        <a16:creationId xmlns:a16="http://schemas.microsoft.com/office/drawing/2014/main" id="{41FD4D20-141E-E346-9891-2232A16EEFC7}"/>
+                      </a:ext>
+                    </a:extLst>
+                  </p:cNvPr>
+                  <p:cNvSpPr/>
+                  <p:nvPr/>
+                </p:nvSpPr>
+                <p:spPr>
+                  <a:xfrm>
+                    <a:off x="4990616" y="762629"/>
+                    <a:ext cx="45719" cy="46521"/>
+                  </a:xfrm>
+                  <a:prstGeom prst="ellipse">
+                    <a:avLst/>
+                  </a:prstGeom>
+                  <a:grpFill/>
+                  <a:ln>
+                    <a:solidFill>
+                      <a:schemeClr val="tx1"/>
+                    </a:solidFill>
+                  </a:ln>
+                </p:spPr>
+                <p:style>
+                  <a:lnRef idx="2">
+                    <a:schemeClr val="accent1">
+                      <a:shade val="50000"/>
+                    </a:schemeClr>
+                  </a:lnRef>
+                  <a:fillRef idx="1">
+                    <a:schemeClr val="accent1"/>
+                  </a:fillRef>
+                  <a:effectRef idx="0">
+                    <a:schemeClr val="accent1"/>
+                  </a:effectRef>
+                  <a:fontRef idx="minor">
+                    <a:schemeClr val="lt1"/>
+                  </a:fontRef>
+                </p:style>
+                <p:txBody>
+                  <a:bodyPr rtlCol="0" anchor="ctr"/>
+                  <a:lstStyle/>
+                  <a:p>
+                    <a:pPr algn="ctr"/>
+                    <a:endParaRPr lang="en-US" dirty="0"/>
+                  </a:p>
+                </p:txBody>
+              </p:sp>
+              <p:sp>
+                <p:nvSpPr>
+                  <p:cNvPr id="196" name="Oval 195">
+                    <a:extLst>
+                      <a:ext uri="{FF2B5EF4-FFF2-40B4-BE49-F238E27FC236}">
+                        <a16:creationId xmlns:a16="http://schemas.microsoft.com/office/drawing/2014/main" id="{FC4FACF5-4BF4-254E-BF81-3D9EAE60C470}"/>
+                      </a:ext>
+                    </a:extLst>
+                  </p:cNvPr>
+                  <p:cNvSpPr/>
+                  <p:nvPr/>
+                </p:nvSpPr>
+                <p:spPr>
+                  <a:xfrm>
+                    <a:off x="5022706" y="817848"/>
+                    <a:ext cx="45719" cy="46521"/>
+                  </a:xfrm>
+                  <a:prstGeom prst="ellipse">
+                    <a:avLst/>
+                  </a:prstGeom>
+                  <a:grpFill/>
+                  <a:ln>
+                    <a:solidFill>
+                      <a:schemeClr val="tx1"/>
+                    </a:solidFill>
+                  </a:ln>
+                </p:spPr>
+                <p:style>
+                  <a:lnRef idx="2">
+                    <a:schemeClr val="accent1">
+                      <a:shade val="50000"/>
+                    </a:schemeClr>
+                  </a:lnRef>
+                  <a:fillRef idx="1">
+                    <a:schemeClr val="accent1"/>
+                  </a:fillRef>
+                  <a:effectRef idx="0">
+                    <a:schemeClr val="accent1"/>
+                  </a:effectRef>
+                  <a:fontRef idx="minor">
+                    <a:schemeClr val="lt1"/>
+                  </a:fontRef>
+                </p:style>
+                <p:txBody>
+                  <a:bodyPr rtlCol="0" anchor="ctr"/>
+                  <a:lstStyle/>
+                  <a:p>
+                    <a:pPr algn="ctr"/>
+                    <a:endParaRPr lang="en-US" dirty="0"/>
+                  </a:p>
+                </p:txBody>
+              </p:sp>
+            </p:grpSp>
+            <p:grpSp>
+              <p:nvGrpSpPr>
+                <p:cNvPr id="168" name="Group 167">
+                  <a:extLst>
+                    <a:ext uri="{FF2B5EF4-FFF2-40B4-BE49-F238E27FC236}">
+                      <a16:creationId xmlns:a16="http://schemas.microsoft.com/office/drawing/2014/main" id="{CB137986-7DF0-C94E-80D6-7F75E2BDD12D}"/>
+                    </a:ext>
+                  </a:extLst>
+                </p:cNvPr>
+                <p:cNvGrpSpPr/>
+                <p:nvPr/>
+              </p:nvGrpSpPr>
+              <p:grpSpPr>
+                <a:xfrm>
+                  <a:off x="2362586" y="600985"/>
+                  <a:ext cx="2476949" cy="1994525"/>
+                  <a:chOff x="1050780" y="1385514"/>
+                  <a:chExt cx="610000" cy="491193"/>
+                </a:xfrm>
+              </p:grpSpPr>
+              <p:grpSp>
+                <p:nvGrpSpPr>
+                  <p:cNvPr id="187" name="Group 186">
+                    <a:extLst>
+                      <a:ext uri="{FF2B5EF4-FFF2-40B4-BE49-F238E27FC236}">
+                        <a16:creationId xmlns:a16="http://schemas.microsoft.com/office/drawing/2014/main" id="{6A33B846-FBD7-7C49-A50C-B17DF899BF6F}"/>
+                      </a:ext>
+                    </a:extLst>
+                  </p:cNvPr>
+                  <p:cNvGrpSpPr/>
+                  <p:nvPr/>
+                </p:nvGrpSpPr>
+                <p:grpSpPr>
+                  <a:xfrm>
+                    <a:off x="1099395" y="1450021"/>
+                    <a:ext cx="479165" cy="398194"/>
+                    <a:chOff x="1931509" y="1341807"/>
+                    <a:chExt cx="479165" cy="398194"/>
+                  </a:xfrm>
+                </p:grpSpPr>
+                <p:cxnSp>
+                  <p:nvCxnSpPr>
+                    <p:cNvPr id="190" name="Straight Connector 189">
+                      <a:extLst>
+                        <a:ext uri="{FF2B5EF4-FFF2-40B4-BE49-F238E27FC236}">
+                          <a16:creationId xmlns:a16="http://schemas.microsoft.com/office/drawing/2014/main" id="{1D6727F6-B889-274E-98B3-8B794EC25EB8}"/>
+                        </a:ext>
+                      </a:extLst>
+                    </p:cNvPr>
+                    <p:cNvCxnSpPr>
+                      <a:cxnSpLocks/>
+                    </p:cNvCxnSpPr>
+                    <p:nvPr/>
+                  </p:nvCxnSpPr>
+                  <p:spPr>
+                    <a:xfrm flipV="1">
+                      <a:off x="1931509" y="1341807"/>
+                      <a:ext cx="0" cy="398193"/>
+                    </a:xfrm>
+                    <a:prstGeom prst="line">
+                      <a:avLst/>
+                    </a:prstGeom>
+                    <a:ln w="9525">
+                      <a:solidFill>
+                        <a:schemeClr val="tx1"/>
+                      </a:solidFill>
+                    </a:ln>
+                  </p:spPr>
+                  <p:style>
+                    <a:lnRef idx="1">
+                      <a:schemeClr val="accent1"/>
+                    </a:lnRef>
+                    <a:fillRef idx="0">
+                      <a:schemeClr val="accent1"/>
+                    </a:fillRef>
+                    <a:effectRef idx="0">
+                      <a:schemeClr val="accent1"/>
+                    </a:effectRef>
+                    <a:fontRef idx="minor">
+                      <a:schemeClr val="tx1"/>
+                    </a:fontRef>
+                  </p:style>
+                </p:cxnSp>
+                <p:cxnSp>
+                  <p:nvCxnSpPr>
+                    <p:cNvPr id="191" name="Straight Connector 190">
+                      <a:extLst>
+                        <a:ext uri="{FF2B5EF4-FFF2-40B4-BE49-F238E27FC236}">
+                          <a16:creationId xmlns:a16="http://schemas.microsoft.com/office/drawing/2014/main" id="{8584D4DB-41DA-C545-9717-96C74181D616}"/>
+                        </a:ext>
+                      </a:extLst>
+                    </p:cNvPr>
+                    <p:cNvCxnSpPr>
+                      <a:cxnSpLocks/>
+                    </p:cNvCxnSpPr>
+                    <p:nvPr/>
+                  </p:nvCxnSpPr>
+                  <p:spPr>
+                    <a:xfrm flipH="1">
+                      <a:off x="1931587" y="1740000"/>
+                      <a:ext cx="479087" cy="1"/>
+                    </a:xfrm>
+                    <a:prstGeom prst="line">
+                      <a:avLst/>
+                    </a:prstGeom>
+                    <a:ln w="9525">
+                      <a:solidFill>
+                        <a:schemeClr val="tx1"/>
+                      </a:solidFill>
+                    </a:ln>
+                  </p:spPr>
+                  <p:style>
+                    <a:lnRef idx="1">
+                      <a:schemeClr val="accent1"/>
+                    </a:lnRef>
+                    <a:fillRef idx="0">
+                      <a:schemeClr val="accent1"/>
+                    </a:fillRef>
+                    <a:effectRef idx="0">
+                      <a:schemeClr val="accent1"/>
+                    </a:effectRef>
+                    <a:fontRef idx="minor">
+                      <a:schemeClr val="tx1"/>
+                    </a:fontRef>
+                  </p:style>
+                </p:cxnSp>
+              </p:grpSp>
+              <p:sp>
+                <p:nvSpPr>
+                  <p:cNvPr id="188" name="TextBox 187">
+                    <a:extLst>
+                      <a:ext uri="{FF2B5EF4-FFF2-40B4-BE49-F238E27FC236}">
+                        <a16:creationId xmlns:a16="http://schemas.microsoft.com/office/drawing/2014/main" id="{F35605CC-A158-8241-8427-1B1656F957CB}"/>
+                      </a:ext>
+                    </a:extLst>
+                  </p:cNvPr>
+                  <p:cNvSpPr txBox="1"/>
+                  <p:nvPr/>
+                </p:nvSpPr>
+                <p:spPr>
+                  <a:xfrm>
+                    <a:off x="1578560" y="1816070"/>
+                    <a:ext cx="82220" cy="60637"/>
+                  </a:xfrm>
+                  <a:prstGeom prst="rect">
+                    <a:avLst/>
+                  </a:prstGeom>
+                  <a:noFill/>
+                </p:spPr>
+                <p:txBody>
+                  <a:bodyPr wrap="square" rtlCol="0" anchor="ctr">
+                    <a:spAutoFit/>
+                  </a:bodyPr>
+                  <a:lstStyle/>
+                  <a:p>
+                    <a:pPr algn="ctr"/>
+                    <a:r>
+                      <a:rPr lang="en-US" sz="1200" b="1" dirty="0"/>
+                      <a:t>W</a:t>
+                    </a:r>
+                  </a:p>
+                </p:txBody>
+              </p:sp>
+              <p:sp>
+                <p:nvSpPr>
+                  <p:cNvPr id="189" name="TextBox 188">
+                    <a:extLst>
+                      <a:ext uri="{FF2B5EF4-FFF2-40B4-BE49-F238E27FC236}">
+                        <a16:creationId xmlns:a16="http://schemas.microsoft.com/office/drawing/2014/main" id="{0716C5F0-5EA5-A449-8FD3-ED57ACFB2143}"/>
+                      </a:ext>
+                    </a:extLst>
+                  </p:cNvPr>
+                  <p:cNvSpPr txBox="1"/>
+                  <p:nvPr/>
+                </p:nvSpPr>
+                <p:spPr>
+                  <a:xfrm>
+                    <a:off x="1050780" y="1385514"/>
+                    <a:ext cx="97221" cy="60637"/>
+                  </a:xfrm>
+                  <a:prstGeom prst="rect">
+                    <a:avLst/>
+                  </a:prstGeom>
+                  <a:noFill/>
+                </p:spPr>
+                <p:txBody>
+                  <a:bodyPr wrap="square" rtlCol="0" anchor="ctr">
+                    <a:spAutoFit/>
+                  </a:bodyPr>
+                  <a:lstStyle/>
+                  <a:p>
+                    <a:pPr algn="ctr"/>
+                    <a:r>
+                      <a:rPr lang="en-US" sz="1200" b="1" dirty="0"/>
+                      <a:t>%N</a:t>
+                    </a:r>
+                  </a:p>
+                </p:txBody>
+              </p:sp>
+            </p:grpSp>
+            <p:grpSp>
+              <p:nvGrpSpPr>
+                <p:cNvPr id="169" name="Group 168">
+                  <a:extLst>
+                    <a:ext uri="{FF2B5EF4-FFF2-40B4-BE49-F238E27FC236}">
+                      <a16:creationId xmlns:a16="http://schemas.microsoft.com/office/drawing/2014/main" id="{CFB843D6-9A43-3240-91CF-F6DBCA1883FD}"/>
+                    </a:ext>
+                  </a:extLst>
+                </p:cNvPr>
+                <p:cNvGrpSpPr/>
+                <p:nvPr/>
+              </p:nvGrpSpPr>
+              <p:grpSpPr>
+                <a:xfrm>
+                  <a:off x="3351766" y="1408621"/>
+                  <a:ext cx="263556" cy="499094"/>
+                  <a:chOff x="5394743" y="1183125"/>
+                  <a:chExt cx="263556" cy="499094"/>
+                </a:xfrm>
+                <a:solidFill>
+                  <a:srgbClr val="7570B3"/>
+                </a:solidFill>
+              </p:grpSpPr>
+              <p:sp>
+                <p:nvSpPr>
+                  <p:cNvPr id="182" name="Oval 181">
+                    <a:extLst>
+                      <a:ext uri="{FF2B5EF4-FFF2-40B4-BE49-F238E27FC236}">
+                        <a16:creationId xmlns:a16="http://schemas.microsoft.com/office/drawing/2014/main" id="{06000781-C59A-4842-B3FB-DE3064E8082D}"/>
+                      </a:ext>
+                    </a:extLst>
+                  </p:cNvPr>
+                  <p:cNvSpPr/>
+                  <p:nvPr/>
+                </p:nvSpPr>
+                <p:spPr>
+                  <a:xfrm>
+                    <a:off x="5600837" y="1183125"/>
+                    <a:ext cx="45719" cy="46521"/>
+                  </a:xfrm>
+                  <a:prstGeom prst="ellipse">
+                    <a:avLst/>
+                  </a:prstGeom>
+                  <a:grpFill/>
+                  <a:ln>
+                    <a:solidFill>
+                      <a:schemeClr val="tx1"/>
+                    </a:solidFill>
+                  </a:ln>
+                </p:spPr>
+                <p:style>
+                  <a:lnRef idx="2">
+                    <a:schemeClr val="accent1">
+                      <a:shade val="50000"/>
+                    </a:schemeClr>
+                  </a:lnRef>
+                  <a:fillRef idx="1">
+                    <a:schemeClr val="accent1"/>
+                  </a:fillRef>
+                  <a:effectRef idx="0">
+                    <a:schemeClr val="accent1"/>
+                  </a:effectRef>
+                  <a:fontRef idx="minor">
+                    <a:schemeClr val="lt1"/>
+                  </a:fontRef>
+                </p:style>
+                <p:txBody>
+                  <a:bodyPr rtlCol="0" anchor="ctr"/>
+                  <a:lstStyle/>
+                  <a:p>
+                    <a:pPr algn="ctr"/>
+                    <a:endParaRPr lang="en-US"/>
+                  </a:p>
+                </p:txBody>
+              </p:sp>
+              <p:sp>
+                <p:nvSpPr>
+                  <p:cNvPr id="183" name="Oval 182">
+                    <a:extLst>
+                      <a:ext uri="{FF2B5EF4-FFF2-40B4-BE49-F238E27FC236}">
+                        <a16:creationId xmlns:a16="http://schemas.microsoft.com/office/drawing/2014/main" id="{B76319F3-A53B-4148-ADDA-1A525446496D}"/>
+                      </a:ext>
+                    </a:extLst>
+                  </p:cNvPr>
+                  <p:cNvSpPr/>
+                  <p:nvPr/>
+                </p:nvSpPr>
+                <p:spPr>
+                  <a:xfrm>
+                    <a:off x="5583920" y="1335063"/>
+                    <a:ext cx="45719" cy="46521"/>
+                  </a:xfrm>
+                  <a:prstGeom prst="ellipse">
+                    <a:avLst/>
+                  </a:prstGeom>
+                  <a:grpFill/>
+                  <a:ln>
+                    <a:solidFill>
+                      <a:schemeClr val="tx1"/>
+                    </a:solidFill>
+                  </a:ln>
+                </p:spPr>
+                <p:style>
+                  <a:lnRef idx="2">
+                    <a:schemeClr val="accent1">
+                      <a:shade val="50000"/>
+                    </a:schemeClr>
+                  </a:lnRef>
+                  <a:fillRef idx="1">
+                    <a:schemeClr val="accent1"/>
+                  </a:fillRef>
+                  <a:effectRef idx="0">
+                    <a:schemeClr val="accent1"/>
+                  </a:effectRef>
+                  <a:fontRef idx="minor">
+                    <a:schemeClr val="lt1"/>
+                  </a:fontRef>
+                </p:style>
+                <p:txBody>
+                  <a:bodyPr rtlCol="0" anchor="ctr"/>
+                  <a:lstStyle/>
+                  <a:p>
+                    <a:pPr algn="ctr"/>
+                    <a:endParaRPr lang="en-US"/>
+                  </a:p>
+                </p:txBody>
+              </p:sp>
+              <p:sp>
+                <p:nvSpPr>
+                  <p:cNvPr id="184" name="Oval 183">
+                    <a:extLst>
+                      <a:ext uri="{FF2B5EF4-FFF2-40B4-BE49-F238E27FC236}">
+                        <a16:creationId xmlns:a16="http://schemas.microsoft.com/office/drawing/2014/main" id="{52AD2009-C2A9-8340-9724-0AC72BDE1D7F}"/>
+                      </a:ext>
+                    </a:extLst>
+                  </p:cNvPr>
+                  <p:cNvSpPr/>
+                  <p:nvPr/>
+                </p:nvSpPr>
+                <p:spPr>
+                  <a:xfrm>
+                    <a:off x="5612580" y="1473750"/>
+                    <a:ext cx="45719" cy="46521"/>
+                  </a:xfrm>
+                  <a:prstGeom prst="ellipse">
+                    <a:avLst/>
+                  </a:prstGeom>
+                  <a:grpFill/>
+                  <a:ln>
+                    <a:solidFill>
+                      <a:schemeClr val="tx1"/>
+                    </a:solidFill>
+                  </a:ln>
+                </p:spPr>
+                <p:style>
+                  <a:lnRef idx="2">
+                    <a:schemeClr val="accent1">
+                      <a:shade val="50000"/>
+                    </a:schemeClr>
+                  </a:lnRef>
+                  <a:fillRef idx="1">
+                    <a:schemeClr val="accent1"/>
+                  </a:fillRef>
+                  <a:effectRef idx="0">
+                    <a:schemeClr val="accent1"/>
+                  </a:effectRef>
+                  <a:fontRef idx="minor">
+                    <a:schemeClr val="lt1"/>
+                  </a:fontRef>
+                </p:style>
+                <p:txBody>
+                  <a:bodyPr rtlCol="0" anchor="ctr"/>
+                  <a:lstStyle/>
+                  <a:p>
+                    <a:pPr algn="ctr"/>
+                    <a:endParaRPr lang="en-US"/>
+                  </a:p>
+                </p:txBody>
+              </p:sp>
+              <p:sp>
+                <p:nvSpPr>
+                  <p:cNvPr id="185" name="Oval 184">
+                    <a:extLst>
+                      <a:ext uri="{FF2B5EF4-FFF2-40B4-BE49-F238E27FC236}">
+                        <a16:creationId xmlns:a16="http://schemas.microsoft.com/office/drawing/2014/main" id="{6CDBCF8B-0394-F04F-823C-6A2666E8C152}"/>
+                      </a:ext>
+                    </a:extLst>
+                  </p:cNvPr>
+                  <p:cNvSpPr/>
+                  <p:nvPr/>
+                </p:nvSpPr>
+                <p:spPr>
+                  <a:xfrm>
+                    <a:off x="5516055" y="1552327"/>
+                    <a:ext cx="45719" cy="46521"/>
+                  </a:xfrm>
+                  <a:prstGeom prst="ellipse">
+                    <a:avLst/>
+                  </a:prstGeom>
+                  <a:grpFill/>
+                  <a:ln>
+                    <a:solidFill>
+                      <a:schemeClr val="tx1"/>
+                    </a:solidFill>
+                  </a:ln>
+                </p:spPr>
+                <p:style>
+                  <a:lnRef idx="2">
+                    <a:schemeClr val="accent1">
+                      <a:shade val="50000"/>
+                    </a:schemeClr>
+                  </a:lnRef>
+                  <a:fillRef idx="1">
+                    <a:schemeClr val="accent1"/>
+                  </a:fillRef>
+                  <a:effectRef idx="0">
+                    <a:schemeClr val="accent1"/>
+                  </a:effectRef>
+                  <a:fontRef idx="minor">
+                    <a:schemeClr val="lt1"/>
+                  </a:fontRef>
+                </p:style>
+                <p:txBody>
+                  <a:bodyPr rtlCol="0" anchor="ctr"/>
+                  <a:lstStyle/>
+                  <a:p>
+                    <a:pPr algn="ctr"/>
+                    <a:endParaRPr lang="en-US"/>
+                  </a:p>
+                </p:txBody>
+              </p:sp>
+              <p:sp>
+                <p:nvSpPr>
+                  <p:cNvPr id="186" name="Oval 185">
+                    <a:extLst>
+                      <a:ext uri="{FF2B5EF4-FFF2-40B4-BE49-F238E27FC236}">
+                        <a16:creationId xmlns:a16="http://schemas.microsoft.com/office/drawing/2014/main" id="{DD2A16F5-509B-EB47-89A4-7F01DD6C4AA4}"/>
+                      </a:ext>
+                    </a:extLst>
+                  </p:cNvPr>
+                  <p:cNvSpPr/>
+                  <p:nvPr/>
+                </p:nvSpPr>
+                <p:spPr>
+                  <a:xfrm>
+                    <a:off x="5394743" y="1635698"/>
+                    <a:ext cx="45719" cy="46521"/>
+                  </a:xfrm>
+                  <a:prstGeom prst="ellipse">
+                    <a:avLst/>
+                  </a:prstGeom>
+                  <a:grpFill/>
+                  <a:ln>
+                    <a:solidFill>
+                      <a:schemeClr val="tx1"/>
+                    </a:solidFill>
+                  </a:ln>
+                </p:spPr>
+                <p:style>
+                  <a:lnRef idx="2">
+                    <a:schemeClr val="accent1">
+                      <a:shade val="50000"/>
+                    </a:schemeClr>
+                  </a:lnRef>
+                  <a:fillRef idx="1">
+                    <a:schemeClr val="accent1"/>
+                  </a:fillRef>
+                  <a:effectRef idx="0">
+                    <a:schemeClr val="accent1"/>
+                  </a:effectRef>
+                  <a:fontRef idx="minor">
+                    <a:schemeClr val="lt1"/>
+                  </a:fontRef>
+                </p:style>
+                <p:txBody>
+                  <a:bodyPr rtlCol="0" anchor="ctr"/>
+                  <a:lstStyle/>
+                  <a:p>
+                    <a:pPr algn="ctr"/>
+                    <a:endParaRPr lang="en-US"/>
+                  </a:p>
+                </p:txBody>
+              </p:sp>
+            </p:grpSp>
+            <p:grpSp>
+              <p:nvGrpSpPr>
+                <p:cNvPr id="170" name="Group 169">
+                  <a:extLst>
+                    <a:ext uri="{FF2B5EF4-FFF2-40B4-BE49-F238E27FC236}">
+                      <a16:creationId xmlns:a16="http://schemas.microsoft.com/office/drawing/2014/main" id="{26C8F95B-07CC-6A49-B5EF-76E4E343CE3E}"/>
+                    </a:ext>
+                  </a:extLst>
+                </p:cNvPr>
+                <p:cNvGrpSpPr/>
+                <p:nvPr/>
+              </p:nvGrpSpPr>
+              <p:grpSpPr>
+                <a:xfrm>
+                  <a:off x="3981358" y="1386528"/>
+                  <a:ext cx="80449" cy="437816"/>
+                  <a:chOff x="6024335" y="1161032"/>
+                  <a:chExt cx="80449" cy="437816"/>
+                </a:xfrm>
+                <a:solidFill>
+                  <a:srgbClr val="E7298A"/>
+                </a:solidFill>
+              </p:grpSpPr>
+              <p:sp>
+                <p:nvSpPr>
+                  <p:cNvPr id="177" name="Oval 176">
+                    <a:extLst>
+                      <a:ext uri="{FF2B5EF4-FFF2-40B4-BE49-F238E27FC236}">
+                        <a16:creationId xmlns:a16="http://schemas.microsoft.com/office/drawing/2014/main" id="{59C40B4B-4067-1148-B29F-415250F7B3AC}"/>
+                      </a:ext>
+                    </a:extLst>
+                  </p:cNvPr>
+                  <p:cNvSpPr/>
+                  <p:nvPr/>
+                </p:nvSpPr>
+                <p:spPr>
+                  <a:xfrm>
+                    <a:off x="6026590" y="1161032"/>
+                    <a:ext cx="45719" cy="46521"/>
+                  </a:xfrm>
+                  <a:prstGeom prst="ellipse">
+                    <a:avLst/>
+                  </a:prstGeom>
+                  <a:grpFill/>
+                  <a:ln>
+                    <a:solidFill>
+                      <a:schemeClr val="tx1"/>
+                    </a:solidFill>
+                  </a:ln>
+                </p:spPr>
+                <p:style>
+                  <a:lnRef idx="2">
+                    <a:schemeClr val="accent1">
+                      <a:shade val="50000"/>
+                    </a:schemeClr>
+                  </a:lnRef>
+                  <a:fillRef idx="1">
+                    <a:schemeClr val="accent1"/>
+                  </a:fillRef>
+                  <a:effectRef idx="0">
+                    <a:schemeClr val="accent1"/>
+                  </a:effectRef>
+                  <a:fontRef idx="minor">
+                    <a:schemeClr val="lt1"/>
+                  </a:fontRef>
+                </p:style>
+                <p:txBody>
+                  <a:bodyPr rtlCol="0" anchor="ctr"/>
+                  <a:lstStyle/>
+                  <a:p>
+                    <a:pPr algn="ctr"/>
+                    <a:endParaRPr lang="en-US"/>
+                  </a:p>
+                </p:txBody>
+              </p:sp>
+              <p:sp>
+                <p:nvSpPr>
+                  <p:cNvPr id="178" name="Oval 177">
+                    <a:extLst>
+                      <a:ext uri="{FF2B5EF4-FFF2-40B4-BE49-F238E27FC236}">
+                        <a16:creationId xmlns:a16="http://schemas.microsoft.com/office/drawing/2014/main" id="{C7070CD4-CC3D-2E43-8C14-E63414C232C0}"/>
+                      </a:ext>
+                    </a:extLst>
+                  </p:cNvPr>
+                  <p:cNvSpPr/>
+                  <p:nvPr/>
+                </p:nvSpPr>
+                <p:spPr>
+                  <a:xfrm>
+                    <a:off x="6059065" y="1284654"/>
+                    <a:ext cx="45719" cy="46521"/>
+                  </a:xfrm>
+                  <a:prstGeom prst="ellipse">
+                    <a:avLst/>
+                  </a:prstGeom>
+                  <a:grpFill/>
+                  <a:ln>
+                    <a:solidFill>
+                      <a:schemeClr val="tx1"/>
+                    </a:solidFill>
+                  </a:ln>
+                </p:spPr>
+                <p:style>
+                  <a:lnRef idx="2">
+                    <a:schemeClr val="accent1">
+                      <a:shade val="50000"/>
+                    </a:schemeClr>
+                  </a:lnRef>
+                  <a:fillRef idx="1">
+                    <a:schemeClr val="accent1"/>
+                  </a:fillRef>
+                  <a:effectRef idx="0">
+                    <a:schemeClr val="accent1"/>
+                  </a:effectRef>
+                  <a:fontRef idx="minor">
+                    <a:schemeClr val="lt1"/>
+                  </a:fontRef>
+                </p:style>
+                <p:txBody>
+                  <a:bodyPr rtlCol="0" anchor="ctr"/>
+                  <a:lstStyle/>
+                  <a:p>
+                    <a:pPr algn="ctr"/>
+                    <a:endParaRPr lang="en-US"/>
+                  </a:p>
+                </p:txBody>
+              </p:sp>
+              <p:sp>
+                <p:nvSpPr>
+                  <p:cNvPr id="179" name="Oval 178">
+                    <a:extLst>
+                      <a:ext uri="{FF2B5EF4-FFF2-40B4-BE49-F238E27FC236}">
+                        <a16:creationId xmlns:a16="http://schemas.microsoft.com/office/drawing/2014/main" id="{E4003165-2FDC-4C4E-AD02-4462FFCACA33}"/>
+                      </a:ext>
+                    </a:extLst>
+                  </p:cNvPr>
+                  <p:cNvSpPr/>
+                  <p:nvPr/>
+                </p:nvSpPr>
+                <p:spPr>
+                  <a:xfrm>
+                    <a:off x="6024335" y="1375003"/>
+                    <a:ext cx="45719" cy="46521"/>
+                  </a:xfrm>
+                  <a:prstGeom prst="ellipse">
+                    <a:avLst/>
+                  </a:prstGeom>
+                  <a:grpFill/>
+                  <a:ln>
+                    <a:solidFill>
+                      <a:schemeClr val="tx1"/>
+                    </a:solidFill>
+                  </a:ln>
+                </p:spPr>
+                <p:style>
+                  <a:lnRef idx="2">
+                    <a:schemeClr val="accent1">
+                      <a:shade val="50000"/>
+                    </a:schemeClr>
+                  </a:lnRef>
+                  <a:fillRef idx="1">
+                    <a:schemeClr val="accent1"/>
+                  </a:fillRef>
+                  <a:effectRef idx="0">
+                    <a:schemeClr val="accent1"/>
+                  </a:effectRef>
+                  <a:fontRef idx="minor">
+                    <a:schemeClr val="lt1"/>
+                  </a:fontRef>
+                </p:style>
+                <p:txBody>
+                  <a:bodyPr rtlCol="0" anchor="ctr"/>
+                  <a:lstStyle/>
+                  <a:p>
+                    <a:pPr algn="ctr"/>
+                    <a:endParaRPr lang="en-US"/>
+                  </a:p>
+                </p:txBody>
+              </p:sp>
+              <p:sp>
+                <p:nvSpPr>
+                  <p:cNvPr id="180" name="Oval 179">
+                    <a:extLst>
+                      <a:ext uri="{FF2B5EF4-FFF2-40B4-BE49-F238E27FC236}">
+                        <a16:creationId xmlns:a16="http://schemas.microsoft.com/office/drawing/2014/main" id="{D373F6CB-FF1A-B445-B15D-D7D90E36672C}"/>
+                      </a:ext>
+                    </a:extLst>
+                  </p:cNvPr>
+                  <p:cNvSpPr/>
+                  <p:nvPr/>
+                </p:nvSpPr>
+                <p:spPr>
+                  <a:xfrm>
+                    <a:off x="6059065" y="1468995"/>
+                    <a:ext cx="45719" cy="46521"/>
+                  </a:xfrm>
+                  <a:prstGeom prst="ellipse">
+                    <a:avLst/>
+                  </a:prstGeom>
+                  <a:grpFill/>
+                  <a:ln>
+                    <a:solidFill>
+                      <a:schemeClr val="tx1"/>
+                    </a:solidFill>
+                  </a:ln>
+                </p:spPr>
+                <p:style>
+                  <a:lnRef idx="2">
+                    <a:schemeClr val="accent1">
+                      <a:shade val="50000"/>
+                    </a:schemeClr>
+                  </a:lnRef>
+                  <a:fillRef idx="1">
+                    <a:schemeClr val="accent1"/>
+                  </a:fillRef>
+                  <a:effectRef idx="0">
+                    <a:schemeClr val="accent1"/>
+                  </a:effectRef>
+                  <a:fontRef idx="minor">
+                    <a:schemeClr val="lt1"/>
+                  </a:fontRef>
+                </p:style>
+                <p:txBody>
+                  <a:bodyPr rtlCol="0" anchor="ctr"/>
+                  <a:lstStyle/>
+                  <a:p>
+                    <a:pPr algn="ctr"/>
+                    <a:endParaRPr lang="en-US"/>
+                  </a:p>
+                </p:txBody>
+              </p:sp>
+              <p:sp>
+                <p:nvSpPr>
+                  <p:cNvPr id="181" name="Oval 180">
+                    <a:extLst>
+                      <a:ext uri="{FF2B5EF4-FFF2-40B4-BE49-F238E27FC236}">
+                        <a16:creationId xmlns:a16="http://schemas.microsoft.com/office/drawing/2014/main" id="{AC042362-96D7-AE4A-8406-74866385DB10}"/>
+                      </a:ext>
+                    </a:extLst>
+                  </p:cNvPr>
+                  <p:cNvSpPr/>
+                  <p:nvPr/>
+                </p:nvSpPr>
+                <p:spPr>
+                  <a:xfrm>
+                    <a:off x="6027334" y="1552327"/>
+                    <a:ext cx="45719" cy="46521"/>
+                  </a:xfrm>
+                  <a:prstGeom prst="ellipse">
+                    <a:avLst/>
+                  </a:prstGeom>
+                  <a:grpFill/>
+                  <a:ln>
+                    <a:solidFill>
+                      <a:schemeClr val="tx1"/>
+                    </a:solidFill>
+                  </a:ln>
+                </p:spPr>
+                <p:style>
+                  <a:lnRef idx="2">
+                    <a:schemeClr val="accent1">
+                      <a:shade val="50000"/>
+                    </a:schemeClr>
+                  </a:lnRef>
+                  <a:fillRef idx="1">
+                    <a:schemeClr val="accent1"/>
+                  </a:fillRef>
+                  <a:effectRef idx="0">
+                    <a:schemeClr val="accent1"/>
+                  </a:effectRef>
+                  <a:fontRef idx="minor">
+                    <a:schemeClr val="lt1"/>
+                  </a:fontRef>
+                </p:style>
+                <p:txBody>
+                  <a:bodyPr rtlCol="0" anchor="ctr"/>
+                  <a:lstStyle/>
+                  <a:p>
+                    <a:pPr algn="ctr"/>
+                    <a:endParaRPr lang="en-US"/>
+                  </a:p>
+                </p:txBody>
+              </p:sp>
+            </p:grpSp>
+            <p:grpSp>
+              <p:nvGrpSpPr>
+                <p:cNvPr id="171" name="Group 170">
+                  <a:extLst>
+                    <a:ext uri="{FF2B5EF4-FFF2-40B4-BE49-F238E27FC236}">
+                      <a16:creationId xmlns:a16="http://schemas.microsoft.com/office/drawing/2014/main" id="{0FD6CD6F-EE45-7A4C-8023-E3A8F45F1202}"/>
+                    </a:ext>
+                  </a:extLst>
+                </p:cNvPr>
+                <p:cNvGrpSpPr/>
+                <p:nvPr/>
+              </p:nvGrpSpPr>
+              <p:grpSpPr>
+                <a:xfrm>
+                  <a:off x="4034344" y="2022263"/>
+                  <a:ext cx="389146" cy="197877"/>
+                  <a:chOff x="6077321" y="1796767"/>
+                  <a:chExt cx="389146" cy="197877"/>
+                </a:xfrm>
+                <a:solidFill>
+                  <a:srgbClr val="66A61E"/>
+                </a:solidFill>
+              </p:grpSpPr>
+              <p:sp>
+                <p:nvSpPr>
+                  <p:cNvPr id="172" name="Oval 171">
+                    <a:extLst>
+                      <a:ext uri="{FF2B5EF4-FFF2-40B4-BE49-F238E27FC236}">
+                        <a16:creationId xmlns:a16="http://schemas.microsoft.com/office/drawing/2014/main" id="{310A2716-4051-BD48-B631-EBF148F10CE2}"/>
+                      </a:ext>
+                    </a:extLst>
+                  </p:cNvPr>
+                  <p:cNvSpPr/>
+                  <p:nvPr/>
+                </p:nvSpPr>
+                <p:spPr>
+                  <a:xfrm>
+                    <a:off x="6420748" y="1796767"/>
+                    <a:ext cx="45719" cy="46521"/>
+                  </a:xfrm>
+                  <a:prstGeom prst="ellipse">
+                    <a:avLst/>
+                  </a:prstGeom>
+                  <a:grpFill/>
+                  <a:ln>
+                    <a:solidFill>
+                      <a:schemeClr val="tx1"/>
+                    </a:solidFill>
+                  </a:ln>
+                </p:spPr>
+                <p:style>
+                  <a:lnRef idx="2">
+                    <a:schemeClr val="accent1">
+                      <a:shade val="50000"/>
+                    </a:schemeClr>
+                  </a:lnRef>
+                  <a:fillRef idx="1">
+                    <a:schemeClr val="accent1"/>
+                  </a:fillRef>
+                  <a:effectRef idx="0">
+                    <a:schemeClr val="accent1"/>
+                  </a:effectRef>
+                  <a:fontRef idx="minor">
+                    <a:schemeClr val="lt1"/>
+                  </a:fontRef>
+                </p:style>
+                <p:txBody>
+                  <a:bodyPr rtlCol="0" anchor="ctr"/>
+                  <a:lstStyle/>
+                  <a:p>
+                    <a:pPr algn="ctr"/>
+                    <a:endParaRPr lang="en-US"/>
+                  </a:p>
+                </p:txBody>
+              </p:sp>
+              <p:sp>
+                <p:nvSpPr>
+                  <p:cNvPr id="173" name="Oval 172">
+                    <a:extLst>
+                      <a:ext uri="{FF2B5EF4-FFF2-40B4-BE49-F238E27FC236}">
+                        <a16:creationId xmlns:a16="http://schemas.microsoft.com/office/drawing/2014/main" id="{7037026A-1B39-6E44-8D41-517658367B93}"/>
+                      </a:ext>
+                    </a:extLst>
+                  </p:cNvPr>
+                  <p:cNvSpPr/>
+                  <p:nvPr/>
+                </p:nvSpPr>
+                <p:spPr>
+                  <a:xfrm>
+                    <a:off x="6304422" y="1835677"/>
+                    <a:ext cx="45719" cy="46521"/>
+                  </a:xfrm>
+                  <a:prstGeom prst="ellipse">
+                    <a:avLst/>
+                  </a:prstGeom>
+                  <a:grpFill/>
+                  <a:ln>
+                    <a:solidFill>
+                      <a:schemeClr val="tx1"/>
+                    </a:solidFill>
+                  </a:ln>
+                </p:spPr>
+                <p:style>
+                  <a:lnRef idx="2">
+                    <a:schemeClr val="accent1">
+                      <a:shade val="50000"/>
+                    </a:schemeClr>
+                  </a:lnRef>
+                  <a:fillRef idx="1">
+                    <a:schemeClr val="accent1"/>
+                  </a:fillRef>
+                  <a:effectRef idx="0">
+                    <a:schemeClr val="accent1"/>
+                  </a:effectRef>
+                  <a:fontRef idx="minor">
+                    <a:schemeClr val="lt1"/>
+                  </a:fontRef>
+                </p:style>
+                <p:txBody>
+                  <a:bodyPr rtlCol="0" anchor="ctr"/>
+                  <a:lstStyle/>
+                  <a:p>
+                    <a:pPr algn="ctr"/>
+                    <a:endParaRPr lang="en-US"/>
+                  </a:p>
+                </p:txBody>
+              </p:sp>
+              <p:sp>
+                <p:nvSpPr>
+                  <p:cNvPr id="174" name="Oval 173">
+                    <a:extLst>
+                      <a:ext uri="{FF2B5EF4-FFF2-40B4-BE49-F238E27FC236}">
+                        <a16:creationId xmlns:a16="http://schemas.microsoft.com/office/drawing/2014/main" id="{B0683F56-D4D0-304F-8C56-ECE2280480FB}"/>
+                      </a:ext>
+                    </a:extLst>
+                  </p:cNvPr>
+                  <p:cNvSpPr/>
+                  <p:nvPr/>
+                </p:nvSpPr>
+                <p:spPr>
+                  <a:xfrm>
+                    <a:off x="6202637" y="1906023"/>
+                    <a:ext cx="45719" cy="46521"/>
+                  </a:xfrm>
+                  <a:prstGeom prst="ellipse">
+                    <a:avLst/>
+                  </a:prstGeom>
+                  <a:grpFill/>
+                  <a:ln>
+                    <a:solidFill>
+                      <a:schemeClr val="tx1"/>
+                    </a:solidFill>
+                  </a:ln>
+                </p:spPr>
+                <p:style>
+                  <a:lnRef idx="2">
+                    <a:schemeClr val="accent1">
+                      <a:shade val="50000"/>
+                    </a:schemeClr>
+                  </a:lnRef>
+                  <a:fillRef idx="1">
+                    <a:schemeClr val="accent1"/>
+                  </a:fillRef>
+                  <a:effectRef idx="0">
+                    <a:schemeClr val="accent1"/>
+                  </a:effectRef>
+                  <a:fontRef idx="minor">
+                    <a:schemeClr val="lt1"/>
+                  </a:fontRef>
+                </p:style>
+                <p:txBody>
+                  <a:bodyPr rtlCol="0" anchor="ctr"/>
+                  <a:lstStyle/>
+                  <a:p>
+                    <a:pPr algn="ctr"/>
+                    <a:endParaRPr lang="en-US"/>
+                  </a:p>
+                </p:txBody>
+              </p:sp>
+              <p:sp>
+                <p:nvSpPr>
+                  <p:cNvPr id="175" name="Oval 174">
+                    <a:extLst>
+                      <a:ext uri="{FF2B5EF4-FFF2-40B4-BE49-F238E27FC236}">
+                        <a16:creationId xmlns:a16="http://schemas.microsoft.com/office/drawing/2014/main" id="{ECA236C6-5F0C-144B-9FD0-6FEC9C5F6879}"/>
+                      </a:ext>
+                    </a:extLst>
+                  </p:cNvPr>
+                  <p:cNvSpPr/>
+                  <p:nvPr/>
+                </p:nvSpPr>
+                <p:spPr>
+                  <a:xfrm>
+                    <a:off x="6077321" y="1948123"/>
+                    <a:ext cx="45719" cy="46521"/>
+                  </a:xfrm>
+                  <a:prstGeom prst="ellipse">
+                    <a:avLst/>
+                  </a:prstGeom>
+                  <a:grpFill/>
+                  <a:ln>
+                    <a:solidFill>
+                      <a:schemeClr val="tx1"/>
+                    </a:solidFill>
+                  </a:ln>
+                </p:spPr>
+                <p:style>
+                  <a:lnRef idx="2">
+                    <a:schemeClr val="accent1">
+                      <a:shade val="50000"/>
+                    </a:schemeClr>
+                  </a:lnRef>
+                  <a:fillRef idx="1">
+                    <a:schemeClr val="accent1"/>
+                  </a:fillRef>
+                  <a:effectRef idx="0">
+                    <a:schemeClr val="accent1"/>
+                  </a:effectRef>
+                  <a:fontRef idx="minor">
+                    <a:schemeClr val="lt1"/>
+                  </a:fontRef>
+                </p:style>
+                <p:txBody>
+                  <a:bodyPr rtlCol="0" anchor="ctr"/>
+                  <a:lstStyle/>
+                  <a:p>
+                    <a:pPr algn="ctr"/>
+                    <a:endParaRPr lang="en-US"/>
+                  </a:p>
+                </p:txBody>
+              </p:sp>
+              <p:sp>
+                <p:nvSpPr>
+                  <p:cNvPr id="176" name="Oval 175">
+                    <a:extLst>
+                      <a:ext uri="{FF2B5EF4-FFF2-40B4-BE49-F238E27FC236}">
+                        <a16:creationId xmlns:a16="http://schemas.microsoft.com/office/drawing/2014/main" id="{BCCA4C47-064C-714F-8137-24BDD5F90F06}"/>
+                      </a:ext>
+                    </a:extLst>
+                  </p:cNvPr>
+                  <p:cNvSpPr/>
+                  <p:nvPr/>
+                </p:nvSpPr>
+                <p:spPr>
+                  <a:xfrm>
+                    <a:off x="6237940" y="1853606"/>
+                    <a:ext cx="45719" cy="46521"/>
+                  </a:xfrm>
+                  <a:prstGeom prst="ellipse">
+                    <a:avLst/>
+                  </a:prstGeom>
+                  <a:grpFill/>
+                  <a:ln>
+                    <a:solidFill>
+                      <a:schemeClr val="tx1"/>
+                    </a:solidFill>
+                  </a:ln>
+                </p:spPr>
+                <p:style>
+                  <a:lnRef idx="2">
+                    <a:schemeClr val="accent1">
+                      <a:shade val="50000"/>
+                    </a:schemeClr>
+                  </a:lnRef>
+                  <a:fillRef idx="1">
+                    <a:schemeClr val="accent1"/>
+                  </a:fillRef>
+                  <a:effectRef idx="0">
+                    <a:schemeClr val="accent1"/>
+                  </a:effectRef>
+                  <a:fontRef idx="minor">
+                    <a:schemeClr val="lt1"/>
+                  </a:fontRef>
+                </p:style>
+                <p:txBody>
+                  <a:bodyPr rtlCol="0" anchor="ctr"/>
+                  <a:lstStyle/>
+                  <a:p>
+                    <a:pPr algn="ctr"/>
+                    <a:endParaRPr lang="en-US"/>
+                  </a:p>
+                </p:txBody>
+              </p:sp>
+            </p:grpSp>
+          </p:grpSp>
+          <p:sp>
+            <p:nvSpPr>
+              <p:cNvPr id="294" name="TextBox 293">
+                <a:extLst>
+                  <a:ext uri="{FF2B5EF4-FFF2-40B4-BE49-F238E27FC236}">
+                    <a16:creationId xmlns:a16="http://schemas.microsoft.com/office/drawing/2014/main" id="{79D44BB5-B0EF-C441-A515-BC39FF8964FA}"/>
+                  </a:ext>
+                </a:extLst>
+              </p:cNvPr>
+              <p:cNvSpPr txBox="1"/>
+              <p:nvPr/>
+            </p:nvSpPr>
+            <p:spPr>
+              <a:xfrm>
+                <a:off x="3048385" y="693031"/>
+                <a:ext cx="351378" cy="276999"/>
+              </a:xfrm>
+              <a:prstGeom prst="rect">
+                <a:avLst/>
+              </a:prstGeom>
+              <a:noFill/>
+            </p:spPr>
+            <p:txBody>
+              <a:bodyPr wrap="none" rtlCol="0">
+                <a:spAutoFit/>
+              </a:bodyPr>
+              <a:lstStyle/>
+              <a:p>
+                <a:r>
+                  <a:rPr lang="en-US" sz="1200" dirty="0"/>
+                  <a:t>(a)</a:t>
+                </a:r>
+              </a:p>
+            </p:txBody>
+          </p:sp>
+        </p:grpSp>
+        <p:grpSp>
+          <p:nvGrpSpPr>
+            <p:cNvPr id="10" name="Group 9">
+              <a:extLst>
+                <a:ext uri="{FF2B5EF4-FFF2-40B4-BE49-F238E27FC236}">
+                  <a16:creationId xmlns:a16="http://schemas.microsoft.com/office/drawing/2014/main" id="{1CCDF564-C4E5-0745-BF1C-9BBDA35E0158}"/>
+                </a:ext>
+              </a:extLst>
+            </p:cNvPr>
+            <p:cNvGrpSpPr/>
+            <p:nvPr/>
+          </p:nvGrpSpPr>
+          <p:grpSpPr>
+            <a:xfrm>
+              <a:off x="3703265" y="584507"/>
+              <a:ext cx="2476949" cy="1994525"/>
+              <a:chOff x="3703265" y="584507"/>
+              <a:chExt cx="2476949" cy="1994525"/>
+            </a:xfrm>
+          </p:grpSpPr>
+          <p:grpSp>
+            <p:nvGrpSpPr>
+              <p:cNvPr id="292" name="Group 291">
+                <a:extLst>
+                  <a:ext uri="{FF2B5EF4-FFF2-40B4-BE49-F238E27FC236}">
+                    <a16:creationId xmlns:a16="http://schemas.microsoft.com/office/drawing/2014/main" id="{A82835BF-A805-614E-9E7F-11CFBAC80033}"/>
+                  </a:ext>
+                </a:extLst>
+              </p:cNvPr>
+              <p:cNvGrpSpPr/>
+              <p:nvPr/>
+            </p:nvGrpSpPr>
+            <p:grpSpPr>
+              <a:xfrm>
+                <a:off x="3703265" y="584507"/>
+                <a:ext cx="2476949" cy="1994525"/>
+                <a:chOff x="4664149" y="3077927"/>
+                <a:chExt cx="2476949" cy="1994525"/>
+              </a:xfrm>
+            </p:grpSpPr>
+            <p:grpSp>
+              <p:nvGrpSpPr>
+                <p:cNvPr id="94" name="Group 93">
+                  <a:extLst>
+                    <a:ext uri="{FF2B5EF4-FFF2-40B4-BE49-F238E27FC236}">
+                      <a16:creationId xmlns:a16="http://schemas.microsoft.com/office/drawing/2014/main" id="{B161F4D4-74A3-A545-B1BE-0927B868EF38}"/>
+                    </a:ext>
+                  </a:extLst>
+                </p:cNvPr>
+                <p:cNvGrpSpPr/>
+                <p:nvPr/>
+              </p:nvGrpSpPr>
+              <p:grpSpPr>
+                <a:xfrm>
+                  <a:off x="5020562" y="3226319"/>
+                  <a:ext cx="1910339" cy="1526493"/>
+                  <a:chOff x="4761976" y="523881"/>
+                  <a:chExt cx="1910339" cy="1526493"/>
+                </a:xfrm>
+              </p:grpSpPr>
+              <p:grpSp>
+                <p:nvGrpSpPr>
+                  <p:cNvPr id="17" name="Group 16">
+                    <a:extLst>
+                      <a:ext uri="{FF2B5EF4-FFF2-40B4-BE49-F238E27FC236}">
+                        <a16:creationId xmlns:a16="http://schemas.microsoft.com/office/drawing/2014/main" id="{F0655611-5581-9F40-A36E-6BF6AADDD66D}"/>
+                      </a:ext>
+                    </a:extLst>
+                  </p:cNvPr>
+                  <p:cNvGrpSpPr/>
+                  <p:nvPr/>
+                </p:nvGrpSpPr>
+                <p:grpSpPr>
+                  <a:xfrm>
+                    <a:off x="4761976" y="523881"/>
+                    <a:ext cx="267636" cy="399349"/>
+                    <a:chOff x="3381872" y="1718752"/>
+                    <a:chExt cx="65911" cy="98348"/>
+                  </a:xfrm>
+                </p:grpSpPr>
+                <p:cxnSp>
+                  <p:nvCxnSpPr>
+                    <p:cNvPr id="18" name="Straight Connector 17">
+                      <a:extLst>
+                        <a:ext uri="{FF2B5EF4-FFF2-40B4-BE49-F238E27FC236}">
+                          <a16:creationId xmlns:a16="http://schemas.microsoft.com/office/drawing/2014/main" id="{39A58DF1-2778-1A4C-A5EC-1170F9F4FF5E}"/>
+                        </a:ext>
+                      </a:extLst>
+                    </p:cNvPr>
+                    <p:cNvCxnSpPr>
+                      <a:cxnSpLocks/>
+                    </p:cNvCxnSpPr>
+                    <p:nvPr/>
+                  </p:nvCxnSpPr>
+                  <p:spPr>
+                    <a:xfrm flipV="1">
+                      <a:off x="3381872" y="1785431"/>
+                      <a:ext cx="65911" cy="31669"/>
+                    </a:xfrm>
+                    <a:prstGeom prst="line">
+                      <a:avLst/>
+                    </a:prstGeom>
+                    <a:ln w="19050" cap="rnd">
+                      <a:solidFill>
+                        <a:srgbClr val="1B9E77"/>
+                      </a:solidFill>
+                      <a:prstDash val="solid"/>
+                    </a:ln>
+                  </p:spPr>
+                  <p:style>
+                    <a:lnRef idx="1">
+                      <a:schemeClr val="accent1"/>
+                    </a:lnRef>
+                    <a:fillRef idx="0">
+                      <a:schemeClr val="accent1"/>
+                    </a:fillRef>
+                    <a:effectRef idx="0">
+                      <a:schemeClr val="accent1"/>
+                    </a:effectRef>
+                    <a:fontRef idx="minor">
+                      <a:schemeClr val="tx1"/>
+                    </a:fontRef>
+                  </p:style>
+                </p:cxnSp>
+                <p:cxnSp>
+                  <p:nvCxnSpPr>
+                    <p:cNvPr id="19" name="Straight Connector 18">
+                      <a:extLst>
+                        <a:ext uri="{FF2B5EF4-FFF2-40B4-BE49-F238E27FC236}">
+                          <a16:creationId xmlns:a16="http://schemas.microsoft.com/office/drawing/2014/main" id="{4EAF04FB-7E38-2242-9E22-7861532A1D87}"/>
+                        </a:ext>
+                      </a:extLst>
+                    </p:cNvPr>
+                    <p:cNvCxnSpPr>
+                      <a:cxnSpLocks/>
+                    </p:cNvCxnSpPr>
+                    <p:nvPr/>
+                  </p:nvCxnSpPr>
+                  <p:spPr>
+                    <a:xfrm flipV="1">
+                      <a:off x="3447556" y="1718752"/>
+                      <a:ext cx="0" cy="66945"/>
+                    </a:xfrm>
+                    <a:prstGeom prst="line">
+                      <a:avLst/>
+                    </a:prstGeom>
+                    <a:ln w="19050" cap="rnd">
+                      <a:solidFill>
+                        <a:srgbClr val="1B9E77"/>
+                      </a:solidFill>
+                      <a:prstDash val="solid"/>
+                    </a:ln>
+                  </p:spPr>
+                  <p:style>
+                    <a:lnRef idx="1">
+                      <a:schemeClr val="accent1"/>
+                    </a:lnRef>
+                    <a:fillRef idx="0">
+                      <a:schemeClr val="accent1"/>
+                    </a:fillRef>
+                    <a:effectRef idx="0">
+                      <a:schemeClr val="accent1"/>
+                    </a:effectRef>
+                    <a:fontRef idx="minor">
+                      <a:schemeClr val="tx1"/>
+                    </a:fontRef>
+                  </p:style>
+                </p:cxnSp>
+              </p:grpSp>
+              <p:grpSp>
+                <p:nvGrpSpPr>
+                  <p:cNvPr id="24" name="Group 23">
+                    <a:extLst>
+                      <a:ext uri="{FF2B5EF4-FFF2-40B4-BE49-F238E27FC236}">
+                        <a16:creationId xmlns:a16="http://schemas.microsoft.com/office/drawing/2014/main" id="{9481149C-BE05-194C-98DC-78E44C27ABFA}"/>
+                      </a:ext>
+                    </a:extLst>
+                  </p:cNvPr>
+                  <p:cNvGrpSpPr/>
+                  <p:nvPr/>
+                </p:nvGrpSpPr>
+                <p:grpSpPr>
+                  <a:xfrm>
+                    <a:off x="4841757" y="735086"/>
+                    <a:ext cx="399207" cy="667667"/>
+                    <a:chOff x="3349470" y="1670815"/>
+                    <a:chExt cx="98313" cy="164427"/>
+                  </a:xfrm>
+                </p:grpSpPr>
+                <p:cxnSp>
+                  <p:nvCxnSpPr>
+                    <p:cNvPr id="25" name="Straight Connector 24">
+                      <a:extLst>
+                        <a:ext uri="{FF2B5EF4-FFF2-40B4-BE49-F238E27FC236}">
+                          <a16:creationId xmlns:a16="http://schemas.microsoft.com/office/drawing/2014/main" id="{2E2E81C3-B9F0-2347-8CEA-DB7DE03696E4}"/>
+                        </a:ext>
+                      </a:extLst>
+                    </p:cNvPr>
+                    <p:cNvCxnSpPr>
+                      <a:cxnSpLocks/>
+                    </p:cNvCxnSpPr>
+                    <p:nvPr/>
+                  </p:nvCxnSpPr>
+                  <p:spPr>
+                    <a:xfrm flipV="1">
+                      <a:off x="3349470" y="1785431"/>
+                      <a:ext cx="98313" cy="49811"/>
+                    </a:xfrm>
+                    <a:prstGeom prst="line">
+                      <a:avLst/>
+                    </a:prstGeom>
+                    <a:ln w="19050" cap="rnd">
+                      <a:solidFill>
+                        <a:srgbClr val="D95F02"/>
+                      </a:solidFill>
+                      <a:prstDash val="solid"/>
+                    </a:ln>
+                  </p:spPr>
+                  <p:style>
+                    <a:lnRef idx="1">
+                      <a:schemeClr val="accent1"/>
+                    </a:lnRef>
+                    <a:fillRef idx="0">
+                      <a:schemeClr val="accent1"/>
+                    </a:fillRef>
+                    <a:effectRef idx="0">
+                      <a:schemeClr val="accent1"/>
+                    </a:effectRef>
+                    <a:fontRef idx="minor">
+                      <a:schemeClr val="tx1"/>
+                    </a:fontRef>
+                  </p:style>
+                </p:cxnSp>
+                <p:cxnSp>
+                  <p:nvCxnSpPr>
+                    <p:cNvPr id="26" name="Straight Connector 25">
+                      <a:extLst>
+                        <a:ext uri="{FF2B5EF4-FFF2-40B4-BE49-F238E27FC236}">
+                          <a16:creationId xmlns:a16="http://schemas.microsoft.com/office/drawing/2014/main" id="{0E56E4CA-3A6F-574A-8DD9-95039C7C3B42}"/>
+                        </a:ext>
+                      </a:extLst>
+                    </p:cNvPr>
+                    <p:cNvCxnSpPr>
+                      <a:cxnSpLocks/>
+                    </p:cNvCxnSpPr>
+                    <p:nvPr/>
+                  </p:nvCxnSpPr>
+                  <p:spPr>
+                    <a:xfrm flipV="1">
+                      <a:off x="3447556" y="1670815"/>
+                      <a:ext cx="0" cy="114882"/>
+                    </a:xfrm>
+                    <a:prstGeom prst="line">
+                      <a:avLst/>
+                    </a:prstGeom>
+                    <a:ln w="19050" cap="rnd">
+                      <a:solidFill>
+                        <a:srgbClr val="D95F02"/>
+                      </a:solidFill>
+                      <a:prstDash val="solid"/>
+                    </a:ln>
+                  </p:spPr>
+                  <p:style>
+                    <a:lnRef idx="1">
+                      <a:schemeClr val="accent1"/>
+                    </a:lnRef>
+                    <a:fillRef idx="0">
+                      <a:schemeClr val="accent1"/>
+                    </a:fillRef>
+                    <a:effectRef idx="0">
+                      <a:schemeClr val="accent1"/>
+                    </a:effectRef>
+                    <a:fontRef idx="minor">
+                      <a:schemeClr val="tx1"/>
+                    </a:fontRef>
+                  </p:style>
+                </p:cxnSp>
+              </p:grpSp>
+              <p:grpSp>
+                <p:nvGrpSpPr>
+                  <p:cNvPr id="27" name="Group 26">
+                    <a:extLst>
+                      <a:ext uri="{FF2B5EF4-FFF2-40B4-BE49-F238E27FC236}">
+                        <a16:creationId xmlns:a16="http://schemas.microsoft.com/office/drawing/2014/main" id="{3EC01042-0A88-E348-81F7-F78211EC7358}"/>
+                      </a:ext>
+                    </a:extLst>
+                  </p:cNvPr>
+                  <p:cNvGrpSpPr/>
+                  <p:nvPr/>
+                </p:nvGrpSpPr>
+                <p:grpSpPr>
+                  <a:xfrm>
+                    <a:off x="5024442" y="843798"/>
+                    <a:ext cx="602463" cy="989610"/>
+                    <a:chOff x="3299977" y="1614345"/>
+                    <a:chExt cx="148369" cy="243712"/>
+                  </a:xfrm>
+                </p:grpSpPr>
+                <p:cxnSp>
+                  <p:nvCxnSpPr>
+                    <p:cNvPr id="28" name="Straight Connector 27">
+                      <a:extLst>
+                        <a:ext uri="{FF2B5EF4-FFF2-40B4-BE49-F238E27FC236}">
+                          <a16:creationId xmlns:a16="http://schemas.microsoft.com/office/drawing/2014/main" id="{3436AF28-9D85-3F4A-B036-BDF6C0BCCFC9}"/>
+                        </a:ext>
+                      </a:extLst>
+                    </p:cNvPr>
+                    <p:cNvCxnSpPr>
+                      <a:cxnSpLocks/>
+                    </p:cNvCxnSpPr>
+                    <p:nvPr/>
+                  </p:nvCxnSpPr>
+                  <p:spPr>
+                    <a:xfrm flipV="1">
+                      <a:off x="3299977" y="1785431"/>
+                      <a:ext cx="147806" cy="72626"/>
+                    </a:xfrm>
+                    <a:prstGeom prst="line">
+                      <a:avLst/>
+                    </a:prstGeom>
+                    <a:ln w="19050" cap="rnd">
+                      <a:solidFill>
+                        <a:srgbClr val="7570B3"/>
+                      </a:solidFill>
+                      <a:prstDash val="solid"/>
+                    </a:ln>
+                  </p:spPr>
+                  <p:style>
+                    <a:lnRef idx="1">
+                      <a:schemeClr val="accent1"/>
+                    </a:lnRef>
+                    <a:fillRef idx="0">
+                      <a:schemeClr val="accent1"/>
+                    </a:fillRef>
+                    <a:effectRef idx="0">
+                      <a:schemeClr val="accent1"/>
+                    </a:effectRef>
+                    <a:fontRef idx="minor">
+                      <a:schemeClr val="tx1"/>
+                    </a:fontRef>
+                  </p:style>
+                </p:cxnSp>
+                <p:cxnSp>
+                  <p:nvCxnSpPr>
+                    <p:cNvPr id="29" name="Straight Connector 28">
+                      <a:extLst>
+                        <a:ext uri="{FF2B5EF4-FFF2-40B4-BE49-F238E27FC236}">
+                          <a16:creationId xmlns:a16="http://schemas.microsoft.com/office/drawing/2014/main" id="{10E7D991-8743-C441-9E14-FA8ADECCA36D}"/>
+                        </a:ext>
+                      </a:extLst>
+                    </p:cNvPr>
+                    <p:cNvCxnSpPr>
+                      <a:cxnSpLocks/>
+                    </p:cNvCxnSpPr>
+                    <p:nvPr/>
+                  </p:nvCxnSpPr>
+                  <p:spPr>
+                    <a:xfrm flipV="1">
+                      <a:off x="3447556" y="1614345"/>
+                      <a:ext cx="790" cy="171351"/>
+                    </a:xfrm>
+                    <a:prstGeom prst="line">
+                      <a:avLst/>
+                    </a:prstGeom>
+                    <a:ln w="19050" cap="rnd">
+                      <a:solidFill>
+                        <a:srgbClr val="7570B3"/>
+                      </a:solidFill>
+                      <a:prstDash val="solid"/>
+                    </a:ln>
+                  </p:spPr>
+                  <p:style>
+                    <a:lnRef idx="1">
+                      <a:schemeClr val="accent1"/>
+                    </a:lnRef>
+                    <a:fillRef idx="0">
+                      <a:schemeClr val="accent1"/>
+                    </a:fillRef>
+                    <a:effectRef idx="0">
+                      <a:schemeClr val="accent1"/>
+                    </a:effectRef>
+                    <a:fontRef idx="minor">
+                      <a:schemeClr val="tx1"/>
+                    </a:fontRef>
+                  </p:style>
+                </p:cxnSp>
+              </p:grpSp>
+              <p:grpSp>
+                <p:nvGrpSpPr>
+                  <p:cNvPr id="30" name="Group 29">
+                    <a:extLst>
+                      <a:ext uri="{FF2B5EF4-FFF2-40B4-BE49-F238E27FC236}">
+                        <a16:creationId xmlns:a16="http://schemas.microsoft.com/office/drawing/2014/main" id="{42C7EB44-6874-7548-B790-020496192AC2}"/>
+                      </a:ext>
+                    </a:extLst>
+                  </p:cNvPr>
+                  <p:cNvGrpSpPr/>
+                  <p:nvPr/>
+                </p:nvGrpSpPr>
+                <p:grpSpPr>
+                  <a:xfrm>
+                    <a:off x="5558094" y="1057279"/>
+                    <a:ext cx="519217" cy="867582"/>
+                    <a:chOff x="3320250" y="1637255"/>
+                    <a:chExt cx="127868" cy="213660"/>
+                  </a:xfrm>
+                </p:grpSpPr>
+                <p:cxnSp>
+                  <p:nvCxnSpPr>
+                    <p:cNvPr id="31" name="Straight Connector 30">
+                      <a:extLst>
+                        <a:ext uri="{FF2B5EF4-FFF2-40B4-BE49-F238E27FC236}">
+                          <a16:creationId xmlns:a16="http://schemas.microsoft.com/office/drawing/2014/main" id="{D45237CE-1A97-9A4C-96F4-6608D1186FAD}"/>
+                        </a:ext>
+                      </a:extLst>
+                    </p:cNvPr>
+                    <p:cNvCxnSpPr>
+                      <a:cxnSpLocks/>
+                    </p:cNvCxnSpPr>
+                    <p:nvPr/>
+                  </p:nvCxnSpPr>
+                  <p:spPr>
+                    <a:xfrm flipV="1">
+                      <a:off x="3320250" y="1785431"/>
+                      <a:ext cx="127533" cy="65484"/>
+                    </a:xfrm>
+                    <a:prstGeom prst="line">
+                      <a:avLst/>
+                    </a:prstGeom>
+                    <a:ln w="19050" cap="rnd">
+                      <a:solidFill>
+                        <a:srgbClr val="E7298A"/>
+                      </a:solidFill>
+                      <a:prstDash val="solid"/>
+                    </a:ln>
+                  </p:spPr>
+                  <p:style>
+                    <a:lnRef idx="1">
+                      <a:schemeClr val="accent1"/>
+                    </a:lnRef>
+                    <a:fillRef idx="0">
+                      <a:schemeClr val="accent1"/>
+                    </a:fillRef>
+                    <a:effectRef idx="0">
+                      <a:schemeClr val="accent1"/>
+                    </a:effectRef>
+                    <a:fontRef idx="minor">
+                      <a:schemeClr val="tx1"/>
+                    </a:fontRef>
+                  </p:style>
+                </p:cxnSp>
+                <p:cxnSp>
+                  <p:nvCxnSpPr>
+                    <p:cNvPr id="32" name="Straight Connector 31">
+                      <a:extLst>
+                        <a:ext uri="{FF2B5EF4-FFF2-40B4-BE49-F238E27FC236}">
+                          <a16:creationId xmlns:a16="http://schemas.microsoft.com/office/drawing/2014/main" id="{5AA6D59B-4FA7-AF42-8021-D9BB3A771983}"/>
+                        </a:ext>
+                      </a:extLst>
+                    </p:cNvPr>
+                    <p:cNvCxnSpPr>
+                      <a:cxnSpLocks/>
+                    </p:cNvCxnSpPr>
+                    <p:nvPr/>
+                  </p:nvCxnSpPr>
+                  <p:spPr>
+                    <a:xfrm flipV="1">
+                      <a:off x="3447556" y="1637255"/>
+                      <a:ext cx="562" cy="148442"/>
+                    </a:xfrm>
+                    <a:prstGeom prst="line">
+                      <a:avLst/>
+                    </a:prstGeom>
+                    <a:ln w="19050" cap="rnd">
+                      <a:solidFill>
+                        <a:srgbClr val="E7298A"/>
+                      </a:solidFill>
+                      <a:prstDash val="solid"/>
+                    </a:ln>
+                  </p:spPr>
+                  <p:style>
+                    <a:lnRef idx="1">
+                      <a:schemeClr val="accent1"/>
+                    </a:lnRef>
+                    <a:fillRef idx="0">
+                      <a:schemeClr val="accent1"/>
+                    </a:fillRef>
+                    <a:effectRef idx="0">
+                      <a:schemeClr val="accent1"/>
+                    </a:effectRef>
+                    <a:fontRef idx="minor">
+                      <a:schemeClr val="tx1"/>
+                    </a:fontRef>
+                  </p:style>
+                </p:cxnSp>
+              </p:grpSp>
+              <p:grpSp>
+                <p:nvGrpSpPr>
+                  <p:cNvPr id="40" name="Group 39">
+                    <a:extLst>
+                      <a:ext uri="{FF2B5EF4-FFF2-40B4-BE49-F238E27FC236}">
+                        <a16:creationId xmlns:a16="http://schemas.microsoft.com/office/drawing/2014/main" id="{2C9A8727-78A1-C444-A2D5-069BA9E1BC91}"/>
+                      </a:ext>
+                    </a:extLst>
+                  </p:cNvPr>
+                  <p:cNvGrpSpPr/>
+                  <p:nvPr/>
+                </p:nvGrpSpPr>
+                <p:grpSpPr>
+                  <a:xfrm>
+                    <a:off x="5959209" y="1284659"/>
+                    <a:ext cx="711750" cy="765715"/>
+                    <a:chOff x="3272500" y="1681294"/>
+                    <a:chExt cx="175283" cy="188573"/>
+                  </a:xfrm>
+                </p:grpSpPr>
+                <p:cxnSp>
+                  <p:nvCxnSpPr>
+                    <p:cNvPr id="41" name="Straight Connector 40">
+                      <a:extLst>
+                        <a:ext uri="{FF2B5EF4-FFF2-40B4-BE49-F238E27FC236}">
+                          <a16:creationId xmlns:a16="http://schemas.microsoft.com/office/drawing/2014/main" id="{70E910C4-AA30-4040-9E03-06066E58D76B}"/>
+                        </a:ext>
+                      </a:extLst>
+                    </p:cNvPr>
+                    <p:cNvCxnSpPr>
+                      <a:cxnSpLocks/>
+                    </p:cNvCxnSpPr>
+                    <p:nvPr/>
+                  </p:nvCxnSpPr>
+                  <p:spPr>
+                    <a:xfrm flipV="1">
+                      <a:off x="3272500" y="1785431"/>
+                      <a:ext cx="175283" cy="84436"/>
+                    </a:xfrm>
+                    <a:prstGeom prst="line">
+                      <a:avLst/>
+                    </a:prstGeom>
+                    <a:ln w="19050" cap="rnd">
+                      <a:solidFill>
+                        <a:srgbClr val="66A61E"/>
+                      </a:solidFill>
+                      <a:prstDash val="solid"/>
+                    </a:ln>
+                  </p:spPr>
+                  <p:style>
+                    <a:lnRef idx="1">
+                      <a:schemeClr val="accent1"/>
+                    </a:lnRef>
+                    <a:fillRef idx="0">
+                      <a:schemeClr val="accent1"/>
+                    </a:fillRef>
+                    <a:effectRef idx="0">
+                      <a:schemeClr val="accent1"/>
+                    </a:effectRef>
+                    <a:fontRef idx="minor">
+                      <a:schemeClr val="tx1"/>
+                    </a:fontRef>
+                  </p:style>
+                </p:cxnSp>
+                <p:cxnSp>
+                  <p:nvCxnSpPr>
+                    <p:cNvPr id="42" name="Straight Connector 41">
+                      <a:extLst>
+                        <a:ext uri="{FF2B5EF4-FFF2-40B4-BE49-F238E27FC236}">
+                          <a16:creationId xmlns:a16="http://schemas.microsoft.com/office/drawing/2014/main" id="{8A12876E-2201-6B49-BA59-A83A848B26F2}"/>
+                        </a:ext>
+                      </a:extLst>
+                    </p:cNvPr>
+                    <p:cNvCxnSpPr>
+                      <a:cxnSpLocks/>
+                    </p:cNvCxnSpPr>
+                    <p:nvPr/>
+                  </p:nvCxnSpPr>
+                  <p:spPr>
+                    <a:xfrm flipV="1">
+                      <a:off x="3447556" y="1681294"/>
+                      <a:ext cx="227" cy="104404"/>
+                    </a:xfrm>
+                    <a:prstGeom prst="line">
+                      <a:avLst/>
+                    </a:prstGeom>
+                    <a:ln w="19050" cap="rnd">
+                      <a:solidFill>
+                        <a:srgbClr val="66A61E"/>
+                      </a:solidFill>
+                      <a:prstDash val="solid"/>
+                    </a:ln>
+                  </p:spPr>
+                  <p:style>
+                    <a:lnRef idx="1">
+                      <a:schemeClr val="accent1"/>
+                    </a:lnRef>
+                    <a:fillRef idx="0">
+                      <a:schemeClr val="accent1"/>
+                    </a:fillRef>
+                    <a:effectRef idx="0">
+                      <a:schemeClr val="accent1"/>
+                    </a:effectRef>
+                    <a:fontRef idx="minor">
+                      <a:schemeClr val="tx1"/>
+                    </a:fontRef>
+                  </p:style>
+                </p:cxnSp>
+              </p:grpSp>
+              <p:sp>
+                <p:nvSpPr>
+                  <p:cNvPr id="39" name="Freeform 38">
+                    <a:extLst>
+                      <a:ext uri="{FF2B5EF4-FFF2-40B4-BE49-F238E27FC236}">
+                        <a16:creationId xmlns:a16="http://schemas.microsoft.com/office/drawing/2014/main" id="{B4789FDE-E694-AB4F-A2CC-998EABF77B68}"/>
+                      </a:ext>
+                    </a:extLst>
+                  </p:cNvPr>
+                  <p:cNvSpPr/>
+                  <p:nvPr/>
+                </p:nvSpPr>
+                <p:spPr>
+                  <a:xfrm>
+                    <a:off x="5024452" y="791786"/>
+                    <a:ext cx="1647863" cy="922243"/>
+                  </a:xfrm>
+                  <a:custGeom>
+                    <a:avLst/>
+                    <a:gdLst>
+                      <a:gd name="connsiteX0" fmla="*/ 0 w 1624988"/>
+                      <a:gd name="connsiteY0" fmla="*/ 0 h 930926"/>
+                      <a:gd name="connsiteX1" fmla="*/ 198303 w 1624988"/>
+                      <a:gd name="connsiteY1" fmla="*/ 418641 h 930926"/>
+                      <a:gd name="connsiteX2" fmla="*/ 594911 w 1624988"/>
+                      <a:gd name="connsiteY2" fmla="*/ 754656 h 930926"/>
+                      <a:gd name="connsiteX3" fmla="*/ 1178805 w 1624988"/>
+                      <a:gd name="connsiteY3" fmla="*/ 886858 h 930926"/>
+                      <a:gd name="connsiteX4" fmla="*/ 1624988 w 1624988"/>
+                      <a:gd name="connsiteY4" fmla="*/ 930926 h 930926"/>
+                      <a:gd name="connsiteX0" fmla="*/ 0 w 1624988"/>
+                      <a:gd name="connsiteY0" fmla="*/ 0 h 930926"/>
+                      <a:gd name="connsiteX1" fmla="*/ 198303 w 1624988"/>
+                      <a:gd name="connsiteY1" fmla="*/ 418641 h 930926"/>
+                      <a:gd name="connsiteX2" fmla="*/ 594911 w 1624988"/>
+                      <a:gd name="connsiteY2" fmla="*/ 754656 h 930926"/>
+                      <a:gd name="connsiteX3" fmla="*/ 1013552 w 1624988"/>
+                      <a:gd name="connsiteY3" fmla="*/ 870333 h 930926"/>
+                      <a:gd name="connsiteX4" fmla="*/ 1624988 w 1624988"/>
+                      <a:gd name="connsiteY4" fmla="*/ 930926 h 930926"/>
+                      <a:gd name="connsiteX0" fmla="*/ 0 w 1624988"/>
+                      <a:gd name="connsiteY0" fmla="*/ 0 h 930926"/>
+                      <a:gd name="connsiteX1" fmla="*/ 198303 w 1624988"/>
+                      <a:gd name="connsiteY1" fmla="*/ 418641 h 930926"/>
+                      <a:gd name="connsiteX2" fmla="*/ 594911 w 1624988"/>
+                      <a:gd name="connsiteY2" fmla="*/ 754656 h 930926"/>
+                      <a:gd name="connsiteX3" fmla="*/ 1030077 w 1624988"/>
+                      <a:gd name="connsiteY3" fmla="*/ 870333 h 930926"/>
+                      <a:gd name="connsiteX4" fmla="*/ 1624988 w 1624988"/>
+                      <a:gd name="connsiteY4" fmla="*/ 930926 h 930926"/>
+                      <a:gd name="connsiteX0" fmla="*/ 0 w 1641513"/>
+                      <a:gd name="connsiteY0" fmla="*/ 0 h 925418"/>
+                      <a:gd name="connsiteX1" fmla="*/ 214828 w 1641513"/>
+                      <a:gd name="connsiteY1" fmla="*/ 413133 h 925418"/>
+                      <a:gd name="connsiteX2" fmla="*/ 611436 w 1641513"/>
+                      <a:gd name="connsiteY2" fmla="*/ 749148 h 925418"/>
+                      <a:gd name="connsiteX3" fmla="*/ 1046602 w 1641513"/>
+                      <a:gd name="connsiteY3" fmla="*/ 864825 h 925418"/>
+                      <a:gd name="connsiteX4" fmla="*/ 1641513 w 1641513"/>
+                      <a:gd name="connsiteY4" fmla="*/ 925418 h 925418"/>
+                      <a:gd name="connsiteX0" fmla="*/ 0 w 1638338"/>
+                      <a:gd name="connsiteY0" fmla="*/ 0 h 922243"/>
+                      <a:gd name="connsiteX1" fmla="*/ 211653 w 1638338"/>
+                      <a:gd name="connsiteY1" fmla="*/ 409958 h 922243"/>
+                      <a:gd name="connsiteX2" fmla="*/ 608261 w 1638338"/>
+                      <a:gd name="connsiteY2" fmla="*/ 745973 h 922243"/>
+                      <a:gd name="connsiteX3" fmla="*/ 1043427 w 1638338"/>
+                      <a:gd name="connsiteY3" fmla="*/ 861650 h 922243"/>
+                      <a:gd name="connsiteX4" fmla="*/ 1638338 w 1638338"/>
+                      <a:gd name="connsiteY4" fmla="*/ 922243 h 922243"/>
+                      <a:gd name="connsiteX0" fmla="*/ 0 w 1638338"/>
+                      <a:gd name="connsiteY0" fmla="*/ 0 h 922243"/>
+                      <a:gd name="connsiteX1" fmla="*/ 211653 w 1638338"/>
+                      <a:gd name="connsiteY1" fmla="*/ 409958 h 922243"/>
+                      <a:gd name="connsiteX2" fmla="*/ 608261 w 1638338"/>
+                      <a:gd name="connsiteY2" fmla="*/ 745973 h 922243"/>
+                      <a:gd name="connsiteX3" fmla="*/ 1043427 w 1638338"/>
+                      <a:gd name="connsiteY3" fmla="*/ 864825 h 922243"/>
+                      <a:gd name="connsiteX4" fmla="*/ 1638338 w 1638338"/>
+                      <a:gd name="connsiteY4" fmla="*/ 922243 h 922243"/>
+                      <a:gd name="connsiteX0" fmla="*/ 0 w 1638338"/>
+                      <a:gd name="connsiteY0" fmla="*/ 0 h 922243"/>
+                      <a:gd name="connsiteX1" fmla="*/ 211653 w 1638338"/>
+                      <a:gd name="connsiteY1" fmla="*/ 409958 h 922243"/>
+                      <a:gd name="connsiteX2" fmla="*/ 608261 w 1638338"/>
+                      <a:gd name="connsiteY2" fmla="*/ 745973 h 922243"/>
+                      <a:gd name="connsiteX3" fmla="*/ 1049777 w 1638338"/>
+                      <a:gd name="connsiteY3" fmla="*/ 868000 h 922243"/>
+                      <a:gd name="connsiteX4" fmla="*/ 1638338 w 1638338"/>
+                      <a:gd name="connsiteY4" fmla="*/ 922243 h 922243"/>
+                      <a:gd name="connsiteX0" fmla="*/ 0 w 1638338"/>
+                      <a:gd name="connsiteY0" fmla="*/ 0 h 922243"/>
+                      <a:gd name="connsiteX1" fmla="*/ 211653 w 1638338"/>
+                      <a:gd name="connsiteY1" fmla="*/ 409958 h 922243"/>
+                      <a:gd name="connsiteX2" fmla="*/ 595561 w 1638338"/>
+                      <a:gd name="connsiteY2" fmla="*/ 742798 h 922243"/>
+                      <a:gd name="connsiteX3" fmla="*/ 1049777 w 1638338"/>
+                      <a:gd name="connsiteY3" fmla="*/ 868000 h 922243"/>
+                      <a:gd name="connsiteX4" fmla="*/ 1638338 w 1638338"/>
+                      <a:gd name="connsiteY4" fmla="*/ 922243 h 922243"/>
+                      <a:gd name="connsiteX0" fmla="*/ 0 w 1647863"/>
+                      <a:gd name="connsiteY0" fmla="*/ 0 h 922243"/>
+                      <a:gd name="connsiteX1" fmla="*/ 211653 w 1647863"/>
+                      <a:gd name="connsiteY1" fmla="*/ 409958 h 922243"/>
+                      <a:gd name="connsiteX2" fmla="*/ 595561 w 1647863"/>
+                      <a:gd name="connsiteY2" fmla="*/ 742798 h 922243"/>
+                      <a:gd name="connsiteX3" fmla="*/ 1049777 w 1647863"/>
+                      <a:gd name="connsiteY3" fmla="*/ 868000 h 922243"/>
+                      <a:gd name="connsiteX4" fmla="*/ 1647863 w 1647863"/>
+                      <a:gd name="connsiteY4" fmla="*/ 922243 h 922243"/>
+                    </a:gdLst>
+                    <a:ahLst/>
+                    <a:cxnLst>
+                      <a:cxn ang="0">
+                        <a:pos x="connsiteX0" y="connsiteY0"/>
+                      </a:cxn>
+                      <a:cxn ang="0">
+                        <a:pos x="connsiteX1" y="connsiteY1"/>
+                      </a:cxn>
+                      <a:cxn ang="0">
+                        <a:pos x="connsiteX2" y="connsiteY2"/>
+                      </a:cxn>
+                      <a:cxn ang="0">
+                        <a:pos x="connsiteX3" y="connsiteY3"/>
+                      </a:cxn>
+                      <a:cxn ang="0">
+                        <a:pos x="connsiteX4" y="connsiteY4"/>
+                      </a:cxn>
+                    </a:cxnLst>
+                    <a:rect l="l" t="t" r="r" b="b"/>
+                    <a:pathLst>
+                      <a:path w="1647863" h="922243">
+                        <a:moveTo>
+                          <a:pt x="0" y="0"/>
+                        </a:moveTo>
+                        <a:cubicBezTo>
+                          <a:pt x="49575" y="146432"/>
+                          <a:pt x="112393" y="286158"/>
+                          <a:pt x="211653" y="409958"/>
+                        </a:cubicBezTo>
+                        <a:cubicBezTo>
+                          <a:pt x="310913" y="533758"/>
+                          <a:pt x="455874" y="666458"/>
+                          <a:pt x="595561" y="742798"/>
+                        </a:cubicBezTo>
+                        <a:cubicBezTo>
+                          <a:pt x="735248" y="819138"/>
+                          <a:pt x="878097" y="838622"/>
+                          <a:pt x="1049777" y="868000"/>
+                        </a:cubicBezTo>
+                        <a:cubicBezTo>
+                          <a:pt x="1221457" y="897378"/>
+                          <a:pt x="1510611" y="914898"/>
+                          <a:pt x="1647863" y="922243"/>
+                        </a:cubicBezTo>
+                      </a:path>
+                    </a:pathLst>
+                  </a:custGeom>
+                  <a:noFill/>
+                  <a:ln w="19050" cap="rnd">
+                    <a:solidFill>
+                      <a:schemeClr val="tx1"/>
+                    </a:solidFill>
+                  </a:ln>
+                </p:spPr>
+                <p:style>
+                  <a:lnRef idx="2">
+                    <a:schemeClr val="accent1">
+                      <a:shade val="50000"/>
+                    </a:schemeClr>
+                  </a:lnRef>
+                  <a:fillRef idx="1">
+                    <a:schemeClr val="accent1"/>
+                  </a:fillRef>
+                  <a:effectRef idx="0">
+                    <a:schemeClr val="accent1"/>
+                  </a:effectRef>
+                  <a:fontRef idx="minor">
+                    <a:schemeClr val="lt1"/>
+                  </a:fontRef>
+                </p:style>
+                <p:txBody>
+                  <a:bodyPr rtlCol="0" anchor="ctr"/>
+                  <a:lstStyle/>
+                  <a:p>
+                    <a:pPr algn="ctr"/>
+                    <a:endParaRPr lang="en-US"/>
+                  </a:p>
+                </p:txBody>
+              </p:sp>
+            </p:grpSp>
+            <p:grpSp>
+              <p:nvGrpSpPr>
+                <p:cNvPr id="98" name="Group 97">
+                  <a:extLst>
+                    <a:ext uri="{FF2B5EF4-FFF2-40B4-BE49-F238E27FC236}">
+                      <a16:creationId xmlns:a16="http://schemas.microsoft.com/office/drawing/2014/main" id="{4B09421F-EBAC-2C45-9316-BAF19AE4AF0A}"/>
+                    </a:ext>
+                  </a:extLst>
+                </p:cNvPr>
+                <p:cNvGrpSpPr/>
+                <p:nvPr/>
+              </p:nvGrpSpPr>
+              <p:grpSpPr>
+                <a:xfrm>
+                  <a:off x="5333021" y="3713194"/>
+                  <a:ext cx="226782" cy="300121"/>
+                  <a:chOff x="5074435" y="1010756"/>
+                  <a:chExt cx="226782" cy="300121"/>
+                </a:xfrm>
+              </p:grpSpPr>
+              <p:sp>
+                <p:nvSpPr>
+                  <p:cNvPr id="71" name="Oval 70">
+                    <a:extLst>
+                      <a:ext uri="{FF2B5EF4-FFF2-40B4-BE49-F238E27FC236}">
+                        <a16:creationId xmlns:a16="http://schemas.microsoft.com/office/drawing/2014/main" id="{C4C613A0-85A9-1C41-A548-A88F33DD260F}"/>
+                      </a:ext>
+                    </a:extLst>
+                  </p:cNvPr>
+                  <p:cNvSpPr/>
+                  <p:nvPr/>
+                </p:nvSpPr>
+                <p:spPr>
+                  <a:xfrm>
+                    <a:off x="5202654" y="1010756"/>
+                    <a:ext cx="45719" cy="46521"/>
+                  </a:xfrm>
+                  <a:prstGeom prst="ellipse">
+                    <a:avLst/>
+                  </a:prstGeom>
+                  <a:solidFill>
+                    <a:srgbClr val="FDCDAC"/>
+                  </a:solidFill>
+                  <a:ln>
+                    <a:solidFill>
+                      <a:schemeClr val="tx1">
+                        <a:lumMod val="75000"/>
+                        <a:lumOff val="25000"/>
+                      </a:schemeClr>
+                    </a:solidFill>
+                  </a:ln>
+                </p:spPr>
+                <p:style>
+                  <a:lnRef idx="2">
+                    <a:schemeClr val="accent1">
+                      <a:shade val="50000"/>
+                    </a:schemeClr>
+                  </a:lnRef>
+                  <a:fillRef idx="1">
+                    <a:schemeClr val="accent1"/>
+                  </a:fillRef>
+                  <a:effectRef idx="0">
+                    <a:schemeClr val="accent1"/>
+                  </a:effectRef>
+                  <a:fontRef idx="minor">
+                    <a:schemeClr val="lt1"/>
+                  </a:fontRef>
+                </p:style>
+                <p:txBody>
+                  <a:bodyPr rtlCol="0" anchor="ctr"/>
+                  <a:lstStyle/>
+                  <a:p>
+                    <a:pPr algn="ctr"/>
+                    <a:endParaRPr lang="en-US"/>
+                  </a:p>
+                </p:txBody>
+              </p:sp>
+              <p:sp>
+                <p:nvSpPr>
+                  <p:cNvPr id="72" name="Oval 71">
+                    <a:extLst>
+                      <a:ext uri="{FF2B5EF4-FFF2-40B4-BE49-F238E27FC236}">
+                        <a16:creationId xmlns:a16="http://schemas.microsoft.com/office/drawing/2014/main" id="{4877E10D-2BF6-7C4A-93D2-FA18AA30290E}"/>
+                      </a:ext>
+                    </a:extLst>
+                  </p:cNvPr>
+                  <p:cNvSpPr/>
+                  <p:nvPr/>
+                </p:nvSpPr>
+                <p:spPr>
+                  <a:xfrm>
+                    <a:off x="5212130" y="1137260"/>
+                    <a:ext cx="45719" cy="46521"/>
+                  </a:xfrm>
+                  <a:prstGeom prst="ellipse">
+                    <a:avLst/>
+                  </a:prstGeom>
+                  <a:solidFill>
+                    <a:srgbClr val="FDCDAC"/>
+                  </a:solidFill>
+                  <a:ln>
+                    <a:solidFill>
+                      <a:schemeClr val="tx1">
+                        <a:lumMod val="75000"/>
+                        <a:lumOff val="25000"/>
+                      </a:schemeClr>
+                    </a:solidFill>
+                  </a:ln>
+                </p:spPr>
+                <p:style>
+                  <a:lnRef idx="2">
+                    <a:schemeClr val="accent1">
+                      <a:shade val="50000"/>
+                    </a:schemeClr>
+                  </a:lnRef>
+                  <a:fillRef idx="1">
+                    <a:schemeClr val="accent1"/>
+                  </a:fillRef>
+                  <a:effectRef idx="0">
+                    <a:schemeClr val="accent1"/>
+                  </a:effectRef>
+                  <a:fontRef idx="minor">
+                    <a:schemeClr val="lt1"/>
+                  </a:fontRef>
+                </p:style>
+                <p:txBody>
+                  <a:bodyPr rtlCol="0" anchor="ctr"/>
+                  <a:lstStyle/>
+                  <a:p>
+                    <a:pPr algn="ctr"/>
+                    <a:endParaRPr lang="en-US"/>
+                  </a:p>
+                </p:txBody>
+              </p:sp>
+              <p:sp>
+                <p:nvSpPr>
+                  <p:cNvPr id="73" name="Oval 72">
+                    <a:extLst>
+                      <a:ext uri="{FF2B5EF4-FFF2-40B4-BE49-F238E27FC236}">
+                        <a16:creationId xmlns:a16="http://schemas.microsoft.com/office/drawing/2014/main" id="{00D8EFC9-DA10-D742-A655-2C6495E70265}"/>
+                      </a:ext>
+                    </a:extLst>
+                  </p:cNvPr>
+                  <p:cNvSpPr/>
+                  <p:nvPr/>
+                </p:nvSpPr>
+                <p:spPr>
+                  <a:xfrm>
+                    <a:off x="5145323" y="1206386"/>
+                    <a:ext cx="45719" cy="46521"/>
+                  </a:xfrm>
+                  <a:prstGeom prst="ellipse">
+                    <a:avLst/>
+                  </a:prstGeom>
+                  <a:solidFill>
+                    <a:srgbClr val="FDCDAC"/>
+                  </a:solidFill>
+                  <a:ln>
+                    <a:solidFill>
+                      <a:schemeClr val="tx1">
+                        <a:lumMod val="75000"/>
+                        <a:lumOff val="25000"/>
+                      </a:schemeClr>
+                    </a:solidFill>
+                  </a:ln>
+                </p:spPr>
+                <p:style>
+                  <a:lnRef idx="2">
+                    <a:schemeClr val="accent1">
+                      <a:shade val="50000"/>
+                    </a:schemeClr>
+                  </a:lnRef>
+                  <a:fillRef idx="1">
+                    <a:schemeClr val="accent1"/>
+                  </a:fillRef>
+                  <a:effectRef idx="0">
+                    <a:schemeClr val="accent1"/>
+                  </a:effectRef>
+                  <a:fontRef idx="minor">
+                    <a:schemeClr val="lt1"/>
+                  </a:fontRef>
+                </p:style>
+                <p:txBody>
+                  <a:bodyPr rtlCol="0" anchor="ctr"/>
+                  <a:lstStyle/>
+                  <a:p>
+                    <a:pPr algn="ctr"/>
+                    <a:endParaRPr lang="en-US"/>
+                  </a:p>
+                </p:txBody>
+              </p:sp>
+              <p:sp>
+                <p:nvSpPr>
+                  <p:cNvPr id="74" name="Oval 73">
+                    <a:extLst>
+                      <a:ext uri="{FF2B5EF4-FFF2-40B4-BE49-F238E27FC236}">
+                        <a16:creationId xmlns:a16="http://schemas.microsoft.com/office/drawing/2014/main" id="{AB402413-1DEB-1F49-ABE9-6BD06CBFF20E}"/>
+                      </a:ext>
+                    </a:extLst>
+                  </p:cNvPr>
+                  <p:cNvSpPr/>
+                  <p:nvPr/>
+                </p:nvSpPr>
+                <p:spPr>
+                  <a:xfrm>
+                    <a:off x="5074435" y="1264356"/>
+                    <a:ext cx="45719" cy="46521"/>
+                  </a:xfrm>
+                  <a:prstGeom prst="ellipse">
+                    <a:avLst/>
+                  </a:prstGeom>
+                  <a:solidFill>
+                    <a:srgbClr val="FDCDAC"/>
+                  </a:solidFill>
+                  <a:ln>
+                    <a:solidFill>
+                      <a:schemeClr val="tx1">
+                        <a:lumMod val="75000"/>
+                        <a:lumOff val="25000"/>
+                      </a:schemeClr>
+                    </a:solidFill>
+                  </a:ln>
+                </p:spPr>
+                <p:style>
+                  <a:lnRef idx="2">
+                    <a:schemeClr val="accent1">
+                      <a:shade val="50000"/>
+                    </a:schemeClr>
+                  </a:lnRef>
+                  <a:fillRef idx="1">
+                    <a:schemeClr val="accent1"/>
+                  </a:fillRef>
+                  <a:effectRef idx="0">
+                    <a:schemeClr val="accent1"/>
+                  </a:effectRef>
+                  <a:fontRef idx="minor">
+                    <a:schemeClr val="lt1"/>
+                  </a:fontRef>
+                </p:style>
+                <p:txBody>
+                  <a:bodyPr rtlCol="0" anchor="ctr"/>
+                  <a:lstStyle/>
+                  <a:p>
+                    <a:pPr algn="ctr"/>
+                    <a:endParaRPr lang="en-US"/>
+                  </a:p>
+                </p:txBody>
+              </p:sp>
+              <p:sp>
+                <p:nvSpPr>
+                  <p:cNvPr id="75" name="Oval 74">
+                    <a:extLst>
+                      <a:ext uri="{FF2B5EF4-FFF2-40B4-BE49-F238E27FC236}">
+                        <a16:creationId xmlns:a16="http://schemas.microsoft.com/office/drawing/2014/main" id="{56DEEF39-B470-BB41-BD98-2AA4232F4665}"/>
+                      </a:ext>
+                    </a:extLst>
+                  </p:cNvPr>
+                  <p:cNvSpPr/>
+                  <p:nvPr/>
+                </p:nvSpPr>
+                <p:spPr>
+                  <a:xfrm>
+                    <a:off x="5255498" y="1074008"/>
+                    <a:ext cx="45719" cy="46521"/>
+                  </a:xfrm>
+                  <a:prstGeom prst="ellipse">
+                    <a:avLst/>
+                  </a:prstGeom>
+                  <a:solidFill>
+                    <a:srgbClr val="FDCDAC"/>
+                  </a:solidFill>
+                  <a:ln>
+                    <a:solidFill>
+                      <a:schemeClr val="tx1">
+                        <a:lumMod val="75000"/>
+                        <a:lumOff val="25000"/>
+                      </a:schemeClr>
+                    </a:solidFill>
+                  </a:ln>
+                </p:spPr>
+                <p:style>
+                  <a:lnRef idx="2">
+                    <a:schemeClr val="accent1">
+                      <a:shade val="50000"/>
+                    </a:schemeClr>
+                  </a:lnRef>
+                  <a:fillRef idx="1">
+                    <a:schemeClr val="accent1"/>
+                  </a:fillRef>
+                  <a:effectRef idx="0">
+                    <a:schemeClr val="accent1"/>
+                  </a:effectRef>
+                  <a:fontRef idx="minor">
+                    <a:schemeClr val="lt1"/>
+                  </a:fontRef>
+                </p:style>
+                <p:txBody>
+                  <a:bodyPr rtlCol="0" anchor="ctr"/>
+                  <a:lstStyle/>
+                  <a:p>
+                    <a:pPr algn="ctr"/>
+                    <a:endParaRPr lang="en-US"/>
+                  </a:p>
+                </p:txBody>
+              </p:sp>
+            </p:grpSp>
+            <p:grpSp>
+              <p:nvGrpSpPr>
+                <p:cNvPr id="70" name="Group 69">
+                  <a:extLst>
+                    <a:ext uri="{FF2B5EF4-FFF2-40B4-BE49-F238E27FC236}">
+                      <a16:creationId xmlns:a16="http://schemas.microsoft.com/office/drawing/2014/main" id="{7478FDC2-784F-8D4C-A7F4-862E33DFF186}"/>
+                    </a:ext>
+                  </a:extLst>
+                </p:cNvPr>
+                <p:cNvGrpSpPr/>
+                <p:nvPr/>
+              </p:nvGrpSpPr>
+              <p:grpSpPr>
+                <a:xfrm>
+                  <a:off x="5239560" y="3272305"/>
+                  <a:ext cx="83819" cy="276365"/>
+                  <a:chOff x="4990616" y="588004"/>
+                  <a:chExt cx="83819" cy="276365"/>
+                </a:xfrm>
+              </p:grpSpPr>
+              <p:sp>
+                <p:nvSpPr>
+                  <p:cNvPr id="65" name="Oval 64">
+                    <a:extLst>
+                      <a:ext uri="{FF2B5EF4-FFF2-40B4-BE49-F238E27FC236}">
+                        <a16:creationId xmlns:a16="http://schemas.microsoft.com/office/drawing/2014/main" id="{1195100B-F66E-AA40-826B-B8A5F71CCBED}"/>
+                      </a:ext>
+                    </a:extLst>
+                  </p:cNvPr>
+                  <p:cNvSpPr/>
+                  <p:nvPr/>
+                </p:nvSpPr>
+                <p:spPr>
+                  <a:xfrm>
+                    <a:off x="5028716" y="588004"/>
+                    <a:ext cx="45719" cy="46521"/>
+                  </a:xfrm>
+                  <a:prstGeom prst="ellipse">
+                    <a:avLst/>
+                  </a:prstGeom>
+                  <a:solidFill>
+                    <a:srgbClr val="B3E2CD"/>
+                  </a:solidFill>
+                  <a:ln>
+                    <a:solidFill>
+                      <a:schemeClr val="tx1">
+                        <a:lumMod val="75000"/>
+                        <a:lumOff val="25000"/>
+                      </a:schemeClr>
+                    </a:solidFill>
+                  </a:ln>
+                </p:spPr>
+                <p:style>
+                  <a:lnRef idx="2">
+                    <a:schemeClr val="accent1">
+                      <a:shade val="50000"/>
+                    </a:schemeClr>
+                  </a:lnRef>
+                  <a:fillRef idx="1">
+                    <a:schemeClr val="accent1"/>
+                  </a:fillRef>
+                  <a:effectRef idx="0">
+                    <a:schemeClr val="accent1"/>
+                  </a:effectRef>
+                  <a:fontRef idx="minor">
+                    <a:schemeClr val="lt1"/>
+                  </a:fontRef>
+                </p:style>
+                <p:txBody>
+                  <a:bodyPr rtlCol="0" anchor="ctr"/>
+                  <a:lstStyle/>
+                  <a:p>
+                    <a:pPr algn="ctr"/>
+                    <a:endParaRPr lang="en-US"/>
+                  </a:p>
+                </p:txBody>
+              </p:sp>
+              <p:sp>
+                <p:nvSpPr>
+                  <p:cNvPr id="66" name="Oval 65">
+                    <a:extLst>
+                      <a:ext uri="{FF2B5EF4-FFF2-40B4-BE49-F238E27FC236}">
+                        <a16:creationId xmlns:a16="http://schemas.microsoft.com/office/drawing/2014/main" id="{5D00C1E0-3F13-6A4B-96C8-E465670A1434}"/>
+                      </a:ext>
+                    </a:extLst>
+                  </p:cNvPr>
+                  <p:cNvSpPr/>
+                  <p:nvPr/>
+                </p:nvSpPr>
+                <p:spPr>
+                  <a:xfrm>
+                    <a:off x="4998427" y="651271"/>
+                    <a:ext cx="45719" cy="46521"/>
+                  </a:xfrm>
+                  <a:prstGeom prst="ellipse">
+                    <a:avLst/>
+                  </a:prstGeom>
+                  <a:solidFill>
+                    <a:srgbClr val="B3E2CD"/>
+                  </a:solidFill>
+                  <a:ln>
+                    <a:solidFill>
+                      <a:schemeClr val="tx1">
+                        <a:lumMod val="75000"/>
+                        <a:lumOff val="25000"/>
+                      </a:schemeClr>
+                    </a:solidFill>
+                  </a:ln>
+                </p:spPr>
+                <p:style>
+                  <a:lnRef idx="2">
+                    <a:schemeClr val="accent1">
+                      <a:shade val="50000"/>
+                    </a:schemeClr>
+                  </a:lnRef>
+                  <a:fillRef idx="1">
+                    <a:schemeClr val="accent1"/>
+                  </a:fillRef>
+                  <a:effectRef idx="0">
+                    <a:schemeClr val="accent1"/>
+                  </a:effectRef>
+                  <a:fontRef idx="minor">
+                    <a:schemeClr val="lt1"/>
+                  </a:fontRef>
+                </p:style>
+                <p:txBody>
+                  <a:bodyPr rtlCol="0" anchor="ctr"/>
+                  <a:lstStyle/>
+                  <a:p>
+                    <a:pPr algn="ctr"/>
+                    <a:endParaRPr lang="en-US"/>
+                  </a:p>
+                </p:txBody>
+              </p:sp>
+              <p:sp>
+                <p:nvSpPr>
+                  <p:cNvPr id="67" name="Oval 66">
+                    <a:extLst>
+                      <a:ext uri="{FF2B5EF4-FFF2-40B4-BE49-F238E27FC236}">
+                        <a16:creationId xmlns:a16="http://schemas.microsoft.com/office/drawing/2014/main" id="{A54508AB-78F7-4741-A685-B538E639708A}"/>
+                      </a:ext>
+                    </a:extLst>
+                  </p:cNvPr>
+                  <p:cNvSpPr/>
+                  <p:nvPr/>
+                </p:nvSpPr>
+                <p:spPr>
+                  <a:xfrm>
+                    <a:off x="5028716" y="711829"/>
+                    <a:ext cx="45719" cy="46521"/>
+                  </a:xfrm>
+                  <a:prstGeom prst="ellipse">
+                    <a:avLst/>
+                  </a:prstGeom>
+                  <a:solidFill>
+                    <a:srgbClr val="B3E2CD"/>
+                  </a:solidFill>
+                  <a:ln>
+                    <a:solidFill>
+                      <a:schemeClr val="tx1">
+                        <a:lumMod val="75000"/>
+                        <a:lumOff val="25000"/>
+                      </a:schemeClr>
+                    </a:solidFill>
+                  </a:ln>
+                </p:spPr>
+                <p:style>
+                  <a:lnRef idx="2">
+                    <a:schemeClr val="accent1">
+                      <a:shade val="50000"/>
+                    </a:schemeClr>
+                  </a:lnRef>
+                  <a:fillRef idx="1">
+                    <a:schemeClr val="accent1"/>
+                  </a:fillRef>
+                  <a:effectRef idx="0">
+                    <a:schemeClr val="accent1"/>
+                  </a:effectRef>
+                  <a:fontRef idx="minor">
+                    <a:schemeClr val="lt1"/>
+                  </a:fontRef>
+                </p:style>
+                <p:txBody>
+                  <a:bodyPr rtlCol="0" anchor="ctr"/>
+                  <a:lstStyle/>
+                  <a:p>
+                    <a:pPr algn="ctr"/>
+                    <a:endParaRPr lang="en-US" dirty="0"/>
+                  </a:p>
+                </p:txBody>
+              </p:sp>
+              <p:sp>
+                <p:nvSpPr>
+                  <p:cNvPr id="68" name="Oval 67">
+                    <a:extLst>
+                      <a:ext uri="{FF2B5EF4-FFF2-40B4-BE49-F238E27FC236}">
+                        <a16:creationId xmlns:a16="http://schemas.microsoft.com/office/drawing/2014/main" id="{D216A0EB-8FAA-3B4B-B826-9CDF9B60E213}"/>
+                      </a:ext>
+                    </a:extLst>
+                  </p:cNvPr>
+                  <p:cNvSpPr/>
+                  <p:nvPr/>
+                </p:nvSpPr>
+                <p:spPr>
+                  <a:xfrm>
+                    <a:off x="4990616" y="762629"/>
+                    <a:ext cx="45719" cy="46521"/>
+                  </a:xfrm>
+                  <a:prstGeom prst="ellipse">
+                    <a:avLst/>
+                  </a:prstGeom>
+                  <a:solidFill>
+                    <a:srgbClr val="B3E2CD"/>
+                  </a:solidFill>
+                  <a:ln>
+                    <a:solidFill>
+                      <a:schemeClr val="tx1">
+                        <a:lumMod val="75000"/>
+                        <a:lumOff val="25000"/>
+                      </a:schemeClr>
+                    </a:solidFill>
+                  </a:ln>
+                </p:spPr>
+                <p:style>
+                  <a:lnRef idx="2">
+                    <a:schemeClr val="accent1">
+                      <a:shade val="50000"/>
+                    </a:schemeClr>
+                  </a:lnRef>
+                  <a:fillRef idx="1">
+                    <a:schemeClr val="accent1"/>
+                  </a:fillRef>
+                  <a:effectRef idx="0">
+                    <a:schemeClr val="accent1"/>
+                  </a:effectRef>
+                  <a:fontRef idx="minor">
+                    <a:schemeClr val="lt1"/>
+                  </a:fontRef>
+                </p:style>
+                <p:txBody>
+                  <a:bodyPr rtlCol="0" anchor="ctr"/>
+                  <a:lstStyle/>
+                  <a:p>
+                    <a:pPr algn="ctr"/>
+                    <a:endParaRPr lang="en-US" dirty="0"/>
+                  </a:p>
+                </p:txBody>
+              </p:sp>
+              <p:sp>
+                <p:nvSpPr>
+                  <p:cNvPr id="69" name="Oval 68">
+                    <a:extLst>
+                      <a:ext uri="{FF2B5EF4-FFF2-40B4-BE49-F238E27FC236}">
+                        <a16:creationId xmlns:a16="http://schemas.microsoft.com/office/drawing/2014/main" id="{D73E3621-244C-7748-A648-2EA400605E58}"/>
+                      </a:ext>
+                    </a:extLst>
+                  </p:cNvPr>
+                  <p:cNvSpPr/>
+                  <p:nvPr/>
+                </p:nvSpPr>
+                <p:spPr>
+                  <a:xfrm>
+                    <a:off x="5022706" y="817848"/>
+                    <a:ext cx="45719" cy="46521"/>
+                  </a:xfrm>
+                  <a:prstGeom prst="ellipse">
+                    <a:avLst/>
+                  </a:prstGeom>
+                  <a:solidFill>
+                    <a:srgbClr val="B3E2CD"/>
+                  </a:solidFill>
+                  <a:ln>
+                    <a:solidFill>
+                      <a:schemeClr val="tx1">
+                        <a:lumMod val="75000"/>
+                        <a:lumOff val="25000"/>
+                      </a:schemeClr>
+                    </a:solidFill>
+                  </a:ln>
+                </p:spPr>
+                <p:style>
+                  <a:lnRef idx="2">
+                    <a:schemeClr val="accent1">
+                      <a:shade val="50000"/>
+                    </a:schemeClr>
+                  </a:lnRef>
+                  <a:fillRef idx="1">
+                    <a:schemeClr val="accent1"/>
+                  </a:fillRef>
+                  <a:effectRef idx="0">
+                    <a:schemeClr val="accent1"/>
+                  </a:effectRef>
+                  <a:fontRef idx="minor">
+                    <a:schemeClr val="lt1"/>
+                  </a:fontRef>
+                </p:style>
+                <p:txBody>
+                  <a:bodyPr rtlCol="0" anchor="ctr"/>
+                  <a:lstStyle/>
+                  <a:p>
+                    <a:pPr algn="ctr"/>
+                    <a:endParaRPr lang="en-US" dirty="0"/>
+                  </a:p>
+                </p:txBody>
+              </p:sp>
+            </p:grpSp>
+            <p:grpSp>
+              <p:nvGrpSpPr>
+                <p:cNvPr id="2" name="Group 1">
+                  <a:extLst>
+                    <a:ext uri="{FF2B5EF4-FFF2-40B4-BE49-F238E27FC236}">
+                      <a16:creationId xmlns:a16="http://schemas.microsoft.com/office/drawing/2014/main" id="{114F18EE-4E4C-4342-B4F2-C8A19161AB74}"/>
+                    </a:ext>
+                  </a:extLst>
+                </p:cNvPr>
+                <p:cNvGrpSpPr/>
+                <p:nvPr/>
+              </p:nvGrpSpPr>
+              <p:grpSpPr>
+                <a:xfrm>
+                  <a:off x="4664149" y="3077927"/>
+                  <a:ext cx="2476949" cy="1994525"/>
+                  <a:chOff x="1050780" y="1385514"/>
+                  <a:chExt cx="610000" cy="491193"/>
+                </a:xfrm>
+              </p:grpSpPr>
+              <p:grpSp>
+                <p:nvGrpSpPr>
+                  <p:cNvPr id="3" name="Group 2">
+                    <a:extLst>
+                      <a:ext uri="{FF2B5EF4-FFF2-40B4-BE49-F238E27FC236}">
+                        <a16:creationId xmlns:a16="http://schemas.microsoft.com/office/drawing/2014/main" id="{6B390499-DC44-AA41-926A-2429629D466B}"/>
+                      </a:ext>
+                    </a:extLst>
+                  </p:cNvPr>
+                  <p:cNvGrpSpPr/>
+                  <p:nvPr/>
+                </p:nvGrpSpPr>
+                <p:grpSpPr>
+                  <a:xfrm>
+                    <a:off x="1099395" y="1450021"/>
+                    <a:ext cx="479165" cy="398194"/>
+                    <a:chOff x="1931509" y="1341807"/>
+                    <a:chExt cx="479165" cy="398194"/>
+                  </a:xfrm>
+                </p:grpSpPr>
+                <p:cxnSp>
+                  <p:nvCxnSpPr>
+                    <p:cNvPr id="6" name="Straight Connector 5">
+                      <a:extLst>
+                        <a:ext uri="{FF2B5EF4-FFF2-40B4-BE49-F238E27FC236}">
+                          <a16:creationId xmlns:a16="http://schemas.microsoft.com/office/drawing/2014/main" id="{B6957A9C-808B-FF4D-A74E-05D5231B9B43}"/>
+                        </a:ext>
+                      </a:extLst>
+                    </p:cNvPr>
+                    <p:cNvCxnSpPr>
+                      <a:cxnSpLocks/>
+                    </p:cNvCxnSpPr>
+                    <p:nvPr/>
+                  </p:nvCxnSpPr>
+                  <p:spPr>
+                    <a:xfrm flipV="1">
+                      <a:off x="1931509" y="1341807"/>
+                      <a:ext cx="0" cy="398193"/>
+                    </a:xfrm>
+                    <a:prstGeom prst="line">
+                      <a:avLst/>
+                    </a:prstGeom>
+                    <a:ln w="9525">
+                      <a:solidFill>
+                        <a:schemeClr val="tx1"/>
+                      </a:solidFill>
+                    </a:ln>
+                  </p:spPr>
+                  <p:style>
+                    <a:lnRef idx="1">
+                      <a:schemeClr val="accent1"/>
+                    </a:lnRef>
+                    <a:fillRef idx="0">
+                      <a:schemeClr val="accent1"/>
+                    </a:fillRef>
+                    <a:effectRef idx="0">
+                      <a:schemeClr val="accent1"/>
+                    </a:effectRef>
+                    <a:fontRef idx="minor">
+                      <a:schemeClr val="tx1"/>
+                    </a:fontRef>
+                  </p:style>
+                </p:cxnSp>
+                <p:cxnSp>
+                  <p:nvCxnSpPr>
+                    <p:cNvPr id="7" name="Straight Connector 6">
+                      <a:extLst>
+                        <a:ext uri="{FF2B5EF4-FFF2-40B4-BE49-F238E27FC236}">
+                          <a16:creationId xmlns:a16="http://schemas.microsoft.com/office/drawing/2014/main" id="{C12A9714-C61D-4042-A41E-98490EFC3936}"/>
+                        </a:ext>
+                      </a:extLst>
+                    </p:cNvPr>
+                    <p:cNvCxnSpPr>
+                      <a:cxnSpLocks/>
+                    </p:cNvCxnSpPr>
+                    <p:nvPr/>
+                  </p:nvCxnSpPr>
+                  <p:spPr>
+                    <a:xfrm flipH="1">
+                      <a:off x="1931587" y="1740000"/>
+                      <a:ext cx="479087" cy="1"/>
+                    </a:xfrm>
+                    <a:prstGeom prst="line">
+                      <a:avLst/>
+                    </a:prstGeom>
+                    <a:ln w="9525">
+                      <a:solidFill>
+                        <a:schemeClr val="tx1"/>
+                      </a:solidFill>
+                    </a:ln>
+                  </p:spPr>
+                  <p:style>
+                    <a:lnRef idx="1">
+                      <a:schemeClr val="accent1"/>
+                    </a:lnRef>
+                    <a:fillRef idx="0">
+                      <a:schemeClr val="accent1"/>
+                    </a:fillRef>
+                    <a:effectRef idx="0">
+                      <a:schemeClr val="accent1"/>
+                    </a:effectRef>
+                    <a:fontRef idx="minor">
+                      <a:schemeClr val="tx1"/>
+                    </a:fontRef>
+                  </p:style>
+                </p:cxnSp>
+              </p:grpSp>
+              <p:sp>
+                <p:nvSpPr>
+                  <p:cNvPr id="4" name="TextBox 3">
+                    <a:extLst>
+                      <a:ext uri="{FF2B5EF4-FFF2-40B4-BE49-F238E27FC236}">
+                        <a16:creationId xmlns:a16="http://schemas.microsoft.com/office/drawing/2014/main" id="{B6ADD75F-9A9C-D441-B695-E12D38228964}"/>
+                      </a:ext>
+                    </a:extLst>
+                  </p:cNvPr>
+                  <p:cNvSpPr txBox="1"/>
+                  <p:nvPr/>
+                </p:nvSpPr>
+                <p:spPr>
+                  <a:xfrm>
+                    <a:off x="1578560" y="1816070"/>
+                    <a:ext cx="82220" cy="60637"/>
+                  </a:xfrm>
+                  <a:prstGeom prst="rect">
+                    <a:avLst/>
+                  </a:prstGeom>
+                  <a:noFill/>
+                </p:spPr>
+                <p:txBody>
+                  <a:bodyPr wrap="square" rtlCol="0" anchor="ctr">
+                    <a:spAutoFit/>
+                  </a:bodyPr>
+                  <a:lstStyle/>
+                  <a:p>
+                    <a:pPr algn="ctr"/>
+                    <a:r>
+                      <a:rPr lang="en-US" sz="1200" b="1" dirty="0"/>
+                      <a:t>W</a:t>
+                    </a:r>
+                  </a:p>
+                </p:txBody>
+              </p:sp>
+              <p:sp>
+                <p:nvSpPr>
+                  <p:cNvPr id="5" name="TextBox 4">
+                    <a:extLst>
+                      <a:ext uri="{FF2B5EF4-FFF2-40B4-BE49-F238E27FC236}">
+                        <a16:creationId xmlns:a16="http://schemas.microsoft.com/office/drawing/2014/main" id="{4B7240B5-1022-0F45-BE6F-969E19F4BB2F}"/>
+                      </a:ext>
+                    </a:extLst>
+                  </p:cNvPr>
+                  <p:cNvSpPr txBox="1"/>
+                  <p:nvPr/>
+                </p:nvSpPr>
+                <p:spPr>
+                  <a:xfrm>
+                    <a:off x="1050780" y="1385514"/>
+                    <a:ext cx="97221" cy="60637"/>
+                  </a:xfrm>
+                  <a:prstGeom prst="rect">
+                    <a:avLst/>
+                  </a:prstGeom>
+                  <a:noFill/>
+                </p:spPr>
+                <p:txBody>
+                  <a:bodyPr wrap="square" rtlCol="0" anchor="ctr">
+                    <a:spAutoFit/>
+                  </a:bodyPr>
+                  <a:lstStyle/>
+                  <a:p>
+                    <a:pPr algn="ctr"/>
+                    <a:r>
+                      <a:rPr lang="en-US" sz="1200" b="1" dirty="0"/>
+                      <a:t>%N</a:t>
+                    </a:r>
+                  </a:p>
+                </p:txBody>
+              </p:sp>
+            </p:grpSp>
+            <p:grpSp>
+              <p:nvGrpSpPr>
+                <p:cNvPr id="99" name="Group 98">
+                  <a:extLst>
+                    <a:ext uri="{FF2B5EF4-FFF2-40B4-BE49-F238E27FC236}">
+                      <a16:creationId xmlns:a16="http://schemas.microsoft.com/office/drawing/2014/main" id="{02CDB4F4-DCBB-D34B-A19B-14E5083FA6C1}"/>
+                    </a:ext>
+                  </a:extLst>
+                </p:cNvPr>
+                <p:cNvGrpSpPr/>
+                <p:nvPr/>
+              </p:nvGrpSpPr>
+              <p:grpSpPr>
+                <a:xfrm>
+                  <a:off x="5653329" y="3885563"/>
+                  <a:ext cx="263556" cy="499094"/>
+                  <a:chOff x="5394743" y="1183125"/>
+                  <a:chExt cx="263556" cy="499094"/>
+                </a:xfrm>
+              </p:grpSpPr>
+              <p:sp>
+                <p:nvSpPr>
+                  <p:cNvPr id="79" name="Oval 78">
+                    <a:extLst>
+                      <a:ext uri="{FF2B5EF4-FFF2-40B4-BE49-F238E27FC236}">
+                        <a16:creationId xmlns:a16="http://schemas.microsoft.com/office/drawing/2014/main" id="{AFE0ACCA-CD53-994E-A12E-86C55BF1D7D4}"/>
+                      </a:ext>
+                    </a:extLst>
+                  </p:cNvPr>
+                  <p:cNvSpPr/>
+                  <p:nvPr/>
+                </p:nvSpPr>
+                <p:spPr>
+                  <a:xfrm>
+                    <a:off x="5600837" y="1183125"/>
+                    <a:ext cx="45719" cy="46521"/>
+                  </a:xfrm>
+                  <a:prstGeom prst="ellipse">
+                    <a:avLst/>
+                  </a:prstGeom>
+                  <a:solidFill>
+                    <a:srgbClr val="CBD5E8"/>
+                  </a:solidFill>
+                  <a:ln>
+                    <a:solidFill>
+                      <a:schemeClr val="tx1">
+                        <a:lumMod val="75000"/>
+                        <a:lumOff val="25000"/>
+                      </a:schemeClr>
+                    </a:solidFill>
+                  </a:ln>
+                </p:spPr>
+                <p:style>
+                  <a:lnRef idx="2">
+                    <a:schemeClr val="accent1">
+                      <a:shade val="50000"/>
+                    </a:schemeClr>
+                  </a:lnRef>
+                  <a:fillRef idx="1">
+                    <a:schemeClr val="accent1"/>
+                  </a:fillRef>
+                  <a:effectRef idx="0">
+                    <a:schemeClr val="accent1"/>
+                  </a:effectRef>
+                  <a:fontRef idx="minor">
+                    <a:schemeClr val="lt1"/>
+                  </a:fontRef>
+                </p:style>
+                <p:txBody>
+                  <a:bodyPr rtlCol="0" anchor="ctr"/>
+                  <a:lstStyle/>
+                  <a:p>
+                    <a:pPr algn="ctr"/>
+                    <a:endParaRPr lang="en-US"/>
+                  </a:p>
+                </p:txBody>
+              </p:sp>
+              <p:sp>
+                <p:nvSpPr>
+                  <p:cNvPr id="80" name="Oval 79">
+                    <a:extLst>
+                      <a:ext uri="{FF2B5EF4-FFF2-40B4-BE49-F238E27FC236}">
+                        <a16:creationId xmlns:a16="http://schemas.microsoft.com/office/drawing/2014/main" id="{F342952F-FD16-2646-8917-2ADE49E5D4FE}"/>
+                      </a:ext>
+                    </a:extLst>
+                  </p:cNvPr>
+                  <p:cNvSpPr/>
+                  <p:nvPr/>
+                </p:nvSpPr>
+                <p:spPr>
+                  <a:xfrm>
+                    <a:off x="5583920" y="1335063"/>
+                    <a:ext cx="45719" cy="46521"/>
+                  </a:xfrm>
+                  <a:prstGeom prst="ellipse">
+                    <a:avLst/>
+                  </a:prstGeom>
+                  <a:solidFill>
+                    <a:srgbClr val="CBD5E8"/>
+                  </a:solidFill>
+                  <a:ln>
+                    <a:solidFill>
+                      <a:schemeClr val="tx1">
+                        <a:lumMod val="75000"/>
+                        <a:lumOff val="25000"/>
+                      </a:schemeClr>
+                    </a:solidFill>
+                  </a:ln>
+                </p:spPr>
+                <p:style>
+                  <a:lnRef idx="2">
+                    <a:schemeClr val="accent1">
+                      <a:shade val="50000"/>
+                    </a:schemeClr>
+                  </a:lnRef>
+                  <a:fillRef idx="1">
+                    <a:schemeClr val="accent1"/>
+                  </a:fillRef>
+                  <a:effectRef idx="0">
+                    <a:schemeClr val="accent1"/>
+                  </a:effectRef>
+                  <a:fontRef idx="minor">
+                    <a:schemeClr val="lt1"/>
+                  </a:fontRef>
+                </p:style>
+                <p:txBody>
+                  <a:bodyPr rtlCol="0" anchor="ctr"/>
+                  <a:lstStyle/>
+                  <a:p>
+                    <a:pPr algn="ctr"/>
+                    <a:endParaRPr lang="en-US"/>
+                  </a:p>
+                </p:txBody>
+              </p:sp>
+              <p:sp>
+                <p:nvSpPr>
+                  <p:cNvPr id="81" name="Oval 80">
+                    <a:extLst>
+                      <a:ext uri="{FF2B5EF4-FFF2-40B4-BE49-F238E27FC236}">
+                        <a16:creationId xmlns:a16="http://schemas.microsoft.com/office/drawing/2014/main" id="{A36390BD-FE60-1443-962E-4421A6CF87DC}"/>
+                      </a:ext>
+                    </a:extLst>
+                  </p:cNvPr>
+                  <p:cNvSpPr/>
+                  <p:nvPr/>
+                </p:nvSpPr>
+                <p:spPr>
+                  <a:xfrm>
+                    <a:off x="5612580" y="1473750"/>
+                    <a:ext cx="45719" cy="46521"/>
+                  </a:xfrm>
+                  <a:prstGeom prst="ellipse">
+                    <a:avLst/>
+                  </a:prstGeom>
+                  <a:solidFill>
+                    <a:srgbClr val="CBD5E8"/>
+                  </a:solidFill>
+                  <a:ln>
+                    <a:solidFill>
+                      <a:schemeClr val="tx1">
+                        <a:lumMod val="75000"/>
+                        <a:lumOff val="25000"/>
+                      </a:schemeClr>
+                    </a:solidFill>
+                  </a:ln>
+                </p:spPr>
+                <p:style>
+                  <a:lnRef idx="2">
+                    <a:schemeClr val="accent1">
+                      <a:shade val="50000"/>
+                    </a:schemeClr>
+                  </a:lnRef>
+                  <a:fillRef idx="1">
+                    <a:schemeClr val="accent1"/>
+                  </a:fillRef>
+                  <a:effectRef idx="0">
+                    <a:schemeClr val="accent1"/>
+                  </a:effectRef>
+                  <a:fontRef idx="minor">
+                    <a:schemeClr val="lt1"/>
+                  </a:fontRef>
+                </p:style>
+                <p:txBody>
+                  <a:bodyPr rtlCol="0" anchor="ctr"/>
+                  <a:lstStyle/>
+                  <a:p>
+                    <a:pPr algn="ctr"/>
+                    <a:endParaRPr lang="en-US"/>
+                  </a:p>
+                </p:txBody>
+              </p:sp>
+              <p:sp>
+                <p:nvSpPr>
+                  <p:cNvPr id="82" name="Oval 81">
+                    <a:extLst>
+                      <a:ext uri="{FF2B5EF4-FFF2-40B4-BE49-F238E27FC236}">
+                        <a16:creationId xmlns:a16="http://schemas.microsoft.com/office/drawing/2014/main" id="{AC0F46DF-F52F-DF48-8989-00570A06B2C1}"/>
+                      </a:ext>
+                    </a:extLst>
+                  </p:cNvPr>
+                  <p:cNvSpPr/>
+                  <p:nvPr/>
+                </p:nvSpPr>
+                <p:spPr>
+                  <a:xfrm>
+                    <a:off x="5516055" y="1552327"/>
+                    <a:ext cx="45719" cy="46521"/>
+                  </a:xfrm>
+                  <a:prstGeom prst="ellipse">
+                    <a:avLst/>
+                  </a:prstGeom>
+                  <a:solidFill>
+                    <a:srgbClr val="CBD5E8"/>
+                  </a:solidFill>
+                  <a:ln>
+                    <a:solidFill>
+                      <a:schemeClr val="tx1">
+                        <a:lumMod val="75000"/>
+                        <a:lumOff val="25000"/>
+                      </a:schemeClr>
+                    </a:solidFill>
+                  </a:ln>
+                </p:spPr>
+                <p:style>
+                  <a:lnRef idx="2">
+                    <a:schemeClr val="accent1">
+                      <a:shade val="50000"/>
+                    </a:schemeClr>
+                  </a:lnRef>
+                  <a:fillRef idx="1">
+                    <a:schemeClr val="accent1"/>
+                  </a:fillRef>
+                  <a:effectRef idx="0">
+                    <a:schemeClr val="accent1"/>
+                  </a:effectRef>
+                  <a:fontRef idx="minor">
+                    <a:schemeClr val="lt1"/>
+                  </a:fontRef>
+                </p:style>
+                <p:txBody>
+                  <a:bodyPr rtlCol="0" anchor="ctr"/>
+                  <a:lstStyle/>
+                  <a:p>
+                    <a:pPr algn="ctr"/>
+                    <a:endParaRPr lang="en-US"/>
+                  </a:p>
+                </p:txBody>
+              </p:sp>
+              <p:sp>
+                <p:nvSpPr>
+                  <p:cNvPr id="83" name="Oval 82">
+                    <a:extLst>
+                      <a:ext uri="{FF2B5EF4-FFF2-40B4-BE49-F238E27FC236}">
+                        <a16:creationId xmlns:a16="http://schemas.microsoft.com/office/drawing/2014/main" id="{1F052B35-6A20-E346-99D1-68B8CC38FC11}"/>
+                      </a:ext>
+                    </a:extLst>
+                  </p:cNvPr>
+                  <p:cNvSpPr/>
+                  <p:nvPr/>
+                </p:nvSpPr>
+                <p:spPr>
+                  <a:xfrm>
+                    <a:off x="5394743" y="1635698"/>
+                    <a:ext cx="45719" cy="46521"/>
+                  </a:xfrm>
+                  <a:prstGeom prst="ellipse">
+                    <a:avLst/>
+                  </a:prstGeom>
+                  <a:solidFill>
+                    <a:srgbClr val="CBD5E8"/>
+                  </a:solidFill>
+                  <a:ln>
+                    <a:solidFill>
+                      <a:schemeClr val="tx1">
+                        <a:lumMod val="75000"/>
+                        <a:lumOff val="25000"/>
+                      </a:schemeClr>
+                    </a:solidFill>
+                  </a:ln>
+                </p:spPr>
+                <p:style>
+                  <a:lnRef idx="2">
+                    <a:schemeClr val="accent1">
+                      <a:shade val="50000"/>
+                    </a:schemeClr>
+                  </a:lnRef>
+                  <a:fillRef idx="1">
+                    <a:schemeClr val="accent1"/>
+                  </a:fillRef>
+                  <a:effectRef idx="0">
+                    <a:schemeClr val="accent1"/>
+                  </a:effectRef>
+                  <a:fontRef idx="minor">
+                    <a:schemeClr val="lt1"/>
+                  </a:fontRef>
+                </p:style>
+                <p:txBody>
+                  <a:bodyPr rtlCol="0" anchor="ctr"/>
+                  <a:lstStyle/>
+                  <a:p>
+                    <a:pPr algn="ctr"/>
+                    <a:endParaRPr lang="en-US"/>
+                  </a:p>
+                </p:txBody>
+              </p:sp>
+            </p:grpSp>
+            <p:grpSp>
+              <p:nvGrpSpPr>
+                <p:cNvPr id="100" name="Group 99">
+                  <a:extLst>
+                    <a:ext uri="{FF2B5EF4-FFF2-40B4-BE49-F238E27FC236}">
+                      <a16:creationId xmlns:a16="http://schemas.microsoft.com/office/drawing/2014/main" id="{F4A3C1E5-ED19-1D48-9776-089989333BA6}"/>
+                    </a:ext>
+                  </a:extLst>
+                </p:cNvPr>
+                <p:cNvGrpSpPr/>
+                <p:nvPr/>
+              </p:nvGrpSpPr>
+              <p:grpSpPr>
+                <a:xfrm>
+                  <a:off x="6282921" y="3863470"/>
+                  <a:ext cx="80449" cy="437816"/>
+                  <a:chOff x="6024335" y="1161032"/>
+                  <a:chExt cx="80449" cy="437816"/>
+                </a:xfrm>
+              </p:grpSpPr>
+              <p:sp>
+                <p:nvSpPr>
+                  <p:cNvPr id="84" name="Oval 83">
+                    <a:extLst>
+                      <a:ext uri="{FF2B5EF4-FFF2-40B4-BE49-F238E27FC236}">
+                        <a16:creationId xmlns:a16="http://schemas.microsoft.com/office/drawing/2014/main" id="{745E3350-7F50-E44D-A1CF-25D386DA3028}"/>
+                      </a:ext>
+                    </a:extLst>
+                  </p:cNvPr>
+                  <p:cNvSpPr/>
+                  <p:nvPr/>
+                </p:nvSpPr>
+                <p:spPr>
+                  <a:xfrm>
+                    <a:off x="6026590" y="1161032"/>
+                    <a:ext cx="45719" cy="46521"/>
+                  </a:xfrm>
+                  <a:prstGeom prst="ellipse">
+                    <a:avLst/>
+                  </a:prstGeom>
+                  <a:solidFill>
+                    <a:srgbClr val="F4CAE4"/>
+                  </a:solidFill>
+                  <a:ln>
+                    <a:solidFill>
+                      <a:schemeClr val="tx1">
+                        <a:lumMod val="75000"/>
+                        <a:lumOff val="25000"/>
+                      </a:schemeClr>
+                    </a:solidFill>
+                  </a:ln>
+                </p:spPr>
+                <p:style>
+                  <a:lnRef idx="2">
+                    <a:schemeClr val="accent1">
+                      <a:shade val="50000"/>
+                    </a:schemeClr>
+                  </a:lnRef>
+                  <a:fillRef idx="1">
+                    <a:schemeClr val="accent1"/>
+                  </a:fillRef>
+                  <a:effectRef idx="0">
+                    <a:schemeClr val="accent1"/>
+                  </a:effectRef>
+                  <a:fontRef idx="minor">
+                    <a:schemeClr val="lt1"/>
+                  </a:fontRef>
+                </p:style>
+                <p:txBody>
+                  <a:bodyPr rtlCol="0" anchor="ctr"/>
+                  <a:lstStyle/>
+                  <a:p>
+                    <a:pPr algn="ctr"/>
+                    <a:endParaRPr lang="en-US"/>
+                  </a:p>
+                </p:txBody>
+              </p:sp>
+              <p:sp>
+                <p:nvSpPr>
+                  <p:cNvPr id="85" name="Oval 84">
+                    <a:extLst>
+                      <a:ext uri="{FF2B5EF4-FFF2-40B4-BE49-F238E27FC236}">
+                        <a16:creationId xmlns:a16="http://schemas.microsoft.com/office/drawing/2014/main" id="{71F42AEF-EC98-3B4E-9E3A-0CC6665CE44B}"/>
+                      </a:ext>
+                    </a:extLst>
+                  </p:cNvPr>
+                  <p:cNvSpPr/>
+                  <p:nvPr/>
+                </p:nvSpPr>
+                <p:spPr>
+                  <a:xfrm>
+                    <a:off x="6059065" y="1284654"/>
+                    <a:ext cx="45719" cy="46521"/>
+                  </a:xfrm>
+                  <a:prstGeom prst="ellipse">
+                    <a:avLst/>
+                  </a:prstGeom>
+                  <a:solidFill>
+                    <a:srgbClr val="F4CAE4"/>
+                  </a:solidFill>
+                  <a:ln>
+                    <a:solidFill>
+                      <a:schemeClr val="tx1">
+                        <a:lumMod val="75000"/>
+                        <a:lumOff val="25000"/>
+                      </a:schemeClr>
+                    </a:solidFill>
+                  </a:ln>
+                </p:spPr>
+                <p:style>
+                  <a:lnRef idx="2">
+                    <a:schemeClr val="accent1">
+                      <a:shade val="50000"/>
+                    </a:schemeClr>
+                  </a:lnRef>
+                  <a:fillRef idx="1">
+                    <a:schemeClr val="accent1"/>
+                  </a:fillRef>
+                  <a:effectRef idx="0">
+                    <a:schemeClr val="accent1"/>
+                  </a:effectRef>
+                  <a:fontRef idx="minor">
+                    <a:schemeClr val="lt1"/>
+                  </a:fontRef>
+                </p:style>
+                <p:txBody>
+                  <a:bodyPr rtlCol="0" anchor="ctr"/>
+                  <a:lstStyle/>
+                  <a:p>
+                    <a:pPr algn="ctr"/>
+                    <a:endParaRPr lang="en-US"/>
+                  </a:p>
+                </p:txBody>
+              </p:sp>
+              <p:sp>
+                <p:nvSpPr>
+                  <p:cNvPr id="86" name="Oval 85">
+                    <a:extLst>
+                      <a:ext uri="{FF2B5EF4-FFF2-40B4-BE49-F238E27FC236}">
+                        <a16:creationId xmlns:a16="http://schemas.microsoft.com/office/drawing/2014/main" id="{2560A9F7-9DBA-A345-B936-3895B2A5452D}"/>
+                      </a:ext>
+                    </a:extLst>
+                  </p:cNvPr>
+                  <p:cNvSpPr/>
+                  <p:nvPr/>
+                </p:nvSpPr>
+                <p:spPr>
+                  <a:xfrm>
+                    <a:off x="6024335" y="1375003"/>
+                    <a:ext cx="45719" cy="46521"/>
+                  </a:xfrm>
+                  <a:prstGeom prst="ellipse">
+                    <a:avLst/>
+                  </a:prstGeom>
+                  <a:solidFill>
+                    <a:srgbClr val="F4CAE4"/>
+                  </a:solidFill>
+                  <a:ln>
+                    <a:solidFill>
+                      <a:schemeClr val="tx1">
+                        <a:lumMod val="75000"/>
+                        <a:lumOff val="25000"/>
+                      </a:schemeClr>
+                    </a:solidFill>
+                  </a:ln>
+                </p:spPr>
+                <p:style>
+                  <a:lnRef idx="2">
+                    <a:schemeClr val="accent1">
+                      <a:shade val="50000"/>
+                    </a:schemeClr>
+                  </a:lnRef>
+                  <a:fillRef idx="1">
+                    <a:schemeClr val="accent1"/>
+                  </a:fillRef>
+                  <a:effectRef idx="0">
+                    <a:schemeClr val="accent1"/>
+                  </a:effectRef>
+                  <a:fontRef idx="minor">
+                    <a:schemeClr val="lt1"/>
+                  </a:fontRef>
+                </p:style>
+                <p:txBody>
+                  <a:bodyPr rtlCol="0" anchor="ctr"/>
+                  <a:lstStyle/>
+                  <a:p>
+                    <a:pPr algn="ctr"/>
+                    <a:endParaRPr lang="en-US"/>
+                  </a:p>
+                </p:txBody>
+              </p:sp>
+              <p:sp>
+                <p:nvSpPr>
+                  <p:cNvPr id="87" name="Oval 86">
+                    <a:extLst>
+                      <a:ext uri="{FF2B5EF4-FFF2-40B4-BE49-F238E27FC236}">
+                        <a16:creationId xmlns:a16="http://schemas.microsoft.com/office/drawing/2014/main" id="{EF378F58-4FED-BE49-B350-E183B4B42091}"/>
+                      </a:ext>
+                    </a:extLst>
+                  </p:cNvPr>
+                  <p:cNvSpPr/>
+                  <p:nvPr/>
+                </p:nvSpPr>
+                <p:spPr>
+                  <a:xfrm>
+                    <a:off x="6059065" y="1468995"/>
+                    <a:ext cx="45719" cy="46521"/>
+                  </a:xfrm>
+                  <a:prstGeom prst="ellipse">
+                    <a:avLst/>
+                  </a:prstGeom>
+                  <a:solidFill>
+                    <a:srgbClr val="F4CAE4"/>
+                  </a:solidFill>
+                  <a:ln>
+                    <a:solidFill>
+                      <a:schemeClr val="tx1">
+                        <a:lumMod val="75000"/>
+                        <a:lumOff val="25000"/>
+                      </a:schemeClr>
+                    </a:solidFill>
+                  </a:ln>
+                </p:spPr>
+                <p:style>
+                  <a:lnRef idx="2">
+                    <a:schemeClr val="accent1">
+                      <a:shade val="50000"/>
+                    </a:schemeClr>
+                  </a:lnRef>
+                  <a:fillRef idx="1">
+                    <a:schemeClr val="accent1"/>
+                  </a:fillRef>
+                  <a:effectRef idx="0">
+                    <a:schemeClr val="accent1"/>
+                  </a:effectRef>
+                  <a:fontRef idx="minor">
+                    <a:schemeClr val="lt1"/>
+                  </a:fontRef>
+                </p:style>
+                <p:txBody>
+                  <a:bodyPr rtlCol="0" anchor="ctr"/>
+                  <a:lstStyle/>
+                  <a:p>
+                    <a:pPr algn="ctr"/>
+                    <a:endParaRPr lang="en-US"/>
+                  </a:p>
+                </p:txBody>
+              </p:sp>
+              <p:sp>
+                <p:nvSpPr>
+                  <p:cNvPr id="88" name="Oval 87">
+                    <a:extLst>
+                      <a:ext uri="{FF2B5EF4-FFF2-40B4-BE49-F238E27FC236}">
+                        <a16:creationId xmlns:a16="http://schemas.microsoft.com/office/drawing/2014/main" id="{3A5DC60F-3CD0-4943-A204-3A544383531D}"/>
+                      </a:ext>
+                    </a:extLst>
+                  </p:cNvPr>
+                  <p:cNvSpPr/>
+                  <p:nvPr/>
+                </p:nvSpPr>
+                <p:spPr>
+                  <a:xfrm>
+                    <a:off x="6027334" y="1552327"/>
+                    <a:ext cx="45719" cy="46521"/>
+                  </a:xfrm>
+                  <a:prstGeom prst="ellipse">
+                    <a:avLst/>
+                  </a:prstGeom>
+                  <a:solidFill>
+                    <a:srgbClr val="F4CAE4"/>
+                  </a:solidFill>
+                  <a:ln>
+                    <a:solidFill>
+                      <a:schemeClr val="tx1">
+                        <a:lumMod val="75000"/>
+                        <a:lumOff val="25000"/>
+                      </a:schemeClr>
+                    </a:solidFill>
+                  </a:ln>
+                </p:spPr>
+                <p:style>
+                  <a:lnRef idx="2">
+                    <a:schemeClr val="accent1">
+                      <a:shade val="50000"/>
+                    </a:schemeClr>
+                  </a:lnRef>
+                  <a:fillRef idx="1">
+                    <a:schemeClr val="accent1"/>
+                  </a:fillRef>
+                  <a:effectRef idx="0">
+                    <a:schemeClr val="accent1"/>
+                  </a:effectRef>
+                  <a:fontRef idx="minor">
+                    <a:schemeClr val="lt1"/>
+                  </a:fontRef>
+                </p:style>
+                <p:txBody>
+                  <a:bodyPr rtlCol="0" anchor="ctr"/>
+                  <a:lstStyle/>
+                  <a:p>
+                    <a:pPr algn="ctr"/>
+                    <a:endParaRPr lang="en-US"/>
+                  </a:p>
+                </p:txBody>
+              </p:sp>
+            </p:grpSp>
+            <p:grpSp>
+              <p:nvGrpSpPr>
+                <p:cNvPr id="101" name="Group 100">
+                  <a:extLst>
+                    <a:ext uri="{FF2B5EF4-FFF2-40B4-BE49-F238E27FC236}">
+                      <a16:creationId xmlns:a16="http://schemas.microsoft.com/office/drawing/2014/main" id="{1BF44D7F-AD5C-A640-9106-5C34E77D462A}"/>
+                    </a:ext>
+                  </a:extLst>
+                </p:cNvPr>
+                <p:cNvGrpSpPr/>
+                <p:nvPr/>
+              </p:nvGrpSpPr>
+              <p:grpSpPr>
+                <a:xfrm>
+                  <a:off x="6335907" y="4499205"/>
+                  <a:ext cx="389146" cy="197877"/>
+                  <a:chOff x="6077321" y="1796767"/>
+                  <a:chExt cx="389146" cy="197877"/>
+                </a:xfrm>
+              </p:grpSpPr>
+              <p:sp>
+                <p:nvSpPr>
+                  <p:cNvPr id="89" name="Oval 88">
+                    <a:extLst>
+                      <a:ext uri="{FF2B5EF4-FFF2-40B4-BE49-F238E27FC236}">
+                        <a16:creationId xmlns:a16="http://schemas.microsoft.com/office/drawing/2014/main" id="{5CFD809C-160F-6440-AFB0-5D5781782AFA}"/>
+                      </a:ext>
+                    </a:extLst>
+                  </p:cNvPr>
+                  <p:cNvSpPr/>
+                  <p:nvPr/>
+                </p:nvSpPr>
+                <p:spPr>
+                  <a:xfrm>
+                    <a:off x="6420748" y="1796767"/>
+                    <a:ext cx="45719" cy="46521"/>
+                  </a:xfrm>
+                  <a:prstGeom prst="ellipse">
+                    <a:avLst/>
+                  </a:prstGeom>
+                  <a:solidFill>
+                    <a:srgbClr val="E6F5C9"/>
+                  </a:solidFill>
+                  <a:ln>
+                    <a:solidFill>
+                      <a:schemeClr val="tx1">
+                        <a:lumMod val="75000"/>
+                        <a:lumOff val="25000"/>
+                      </a:schemeClr>
+                    </a:solidFill>
+                  </a:ln>
+                </p:spPr>
+                <p:style>
+                  <a:lnRef idx="2">
+                    <a:schemeClr val="accent1">
+                      <a:shade val="50000"/>
+                    </a:schemeClr>
+                  </a:lnRef>
+                  <a:fillRef idx="1">
+                    <a:schemeClr val="accent1"/>
+                  </a:fillRef>
+                  <a:effectRef idx="0">
+                    <a:schemeClr val="accent1"/>
+                  </a:effectRef>
+                  <a:fontRef idx="minor">
+                    <a:schemeClr val="lt1"/>
+                  </a:fontRef>
+                </p:style>
+                <p:txBody>
+                  <a:bodyPr rtlCol="0" anchor="ctr"/>
+                  <a:lstStyle/>
+                  <a:p>
+                    <a:pPr algn="ctr"/>
+                    <a:endParaRPr lang="en-US"/>
+                  </a:p>
+                </p:txBody>
+              </p:sp>
+              <p:sp>
+                <p:nvSpPr>
+                  <p:cNvPr id="90" name="Oval 89">
+                    <a:extLst>
+                      <a:ext uri="{FF2B5EF4-FFF2-40B4-BE49-F238E27FC236}">
+                        <a16:creationId xmlns:a16="http://schemas.microsoft.com/office/drawing/2014/main" id="{DACB03E5-9B20-1548-B69C-ECBFA7291AC3}"/>
+                      </a:ext>
+                    </a:extLst>
+                  </p:cNvPr>
+                  <p:cNvSpPr/>
+                  <p:nvPr/>
+                </p:nvSpPr>
+                <p:spPr>
+                  <a:xfrm>
+                    <a:off x="6304422" y="1835677"/>
+                    <a:ext cx="45719" cy="46521"/>
+                  </a:xfrm>
+                  <a:prstGeom prst="ellipse">
+                    <a:avLst/>
+                  </a:prstGeom>
+                  <a:solidFill>
+                    <a:srgbClr val="E6F5C9"/>
+                  </a:solidFill>
+                  <a:ln>
+                    <a:solidFill>
+                      <a:schemeClr val="tx1">
+                        <a:lumMod val="75000"/>
+                        <a:lumOff val="25000"/>
+                      </a:schemeClr>
+                    </a:solidFill>
+                  </a:ln>
+                </p:spPr>
+                <p:style>
+                  <a:lnRef idx="2">
+                    <a:schemeClr val="accent1">
+                      <a:shade val="50000"/>
+                    </a:schemeClr>
+                  </a:lnRef>
+                  <a:fillRef idx="1">
+                    <a:schemeClr val="accent1"/>
+                  </a:fillRef>
+                  <a:effectRef idx="0">
+                    <a:schemeClr val="accent1"/>
+                  </a:effectRef>
+                  <a:fontRef idx="minor">
+                    <a:schemeClr val="lt1"/>
+                  </a:fontRef>
+                </p:style>
+                <p:txBody>
+                  <a:bodyPr rtlCol="0" anchor="ctr"/>
+                  <a:lstStyle/>
+                  <a:p>
+                    <a:pPr algn="ctr"/>
+                    <a:endParaRPr lang="en-US"/>
+                  </a:p>
+                </p:txBody>
+              </p:sp>
+              <p:sp>
+                <p:nvSpPr>
+                  <p:cNvPr id="91" name="Oval 90">
+                    <a:extLst>
+                      <a:ext uri="{FF2B5EF4-FFF2-40B4-BE49-F238E27FC236}">
+                        <a16:creationId xmlns:a16="http://schemas.microsoft.com/office/drawing/2014/main" id="{EA32DEF8-7D0E-914F-9773-DF153AE64C46}"/>
+                      </a:ext>
+                    </a:extLst>
+                  </p:cNvPr>
+                  <p:cNvSpPr/>
+                  <p:nvPr/>
+                </p:nvSpPr>
+                <p:spPr>
+                  <a:xfrm>
+                    <a:off x="6202637" y="1906023"/>
+                    <a:ext cx="45719" cy="46521"/>
+                  </a:xfrm>
+                  <a:prstGeom prst="ellipse">
+                    <a:avLst/>
+                  </a:prstGeom>
+                  <a:solidFill>
+                    <a:srgbClr val="E6F5C9"/>
+                  </a:solidFill>
+                  <a:ln>
+                    <a:solidFill>
+                      <a:schemeClr val="tx1">
+                        <a:lumMod val="75000"/>
+                        <a:lumOff val="25000"/>
+                      </a:schemeClr>
+                    </a:solidFill>
+                  </a:ln>
+                </p:spPr>
+                <p:style>
+                  <a:lnRef idx="2">
+                    <a:schemeClr val="accent1">
+                      <a:shade val="50000"/>
+                    </a:schemeClr>
+                  </a:lnRef>
+                  <a:fillRef idx="1">
+                    <a:schemeClr val="accent1"/>
+                  </a:fillRef>
+                  <a:effectRef idx="0">
+                    <a:schemeClr val="accent1"/>
+                  </a:effectRef>
+                  <a:fontRef idx="minor">
+                    <a:schemeClr val="lt1"/>
+                  </a:fontRef>
+                </p:style>
+                <p:txBody>
+                  <a:bodyPr rtlCol="0" anchor="ctr"/>
+                  <a:lstStyle/>
+                  <a:p>
+                    <a:pPr algn="ctr"/>
+                    <a:endParaRPr lang="en-US"/>
+                  </a:p>
+                </p:txBody>
+              </p:sp>
+              <p:sp>
+                <p:nvSpPr>
+                  <p:cNvPr id="92" name="Oval 91">
+                    <a:extLst>
+                      <a:ext uri="{FF2B5EF4-FFF2-40B4-BE49-F238E27FC236}">
+                        <a16:creationId xmlns:a16="http://schemas.microsoft.com/office/drawing/2014/main" id="{44B35739-C229-F842-A504-AF99F8253B71}"/>
+                      </a:ext>
+                    </a:extLst>
+                  </p:cNvPr>
+                  <p:cNvSpPr/>
+                  <p:nvPr/>
+                </p:nvSpPr>
+                <p:spPr>
+                  <a:xfrm>
+                    <a:off x="6077321" y="1948123"/>
+                    <a:ext cx="45719" cy="46521"/>
+                  </a:xfrm>
+                  <a:prstGeom prst="ellipse">
+                    <a:avLst/>
+                  </a:prstGeom>
+                  <a:solidFill>
+                    <a:srgbClr val="E6F5C9"/>
+                  </a:solidFill>
+                  <a:ln>
+                    <a:solidFill>
+                      <a:schemeClr val="tx1">
+                        <a:lumMod val="75000"/>
+                        <a:lumOff val="25000"/>
+                      </a:schemeClr>
+                    </a:solidFill>
+                  </a:ln>
+                </p:spPr>
+                <p:style>
+                  <a:lnRef idx="2">
+                    <a:schemeClr val="accent1">
+                      <a:shade val="50000"/>
+                    </a:schemeClr>
+                  </a:lnRef>
+                  <a:fillRef idx="1">
+                    <a:schemeClr val="accent1"/>
+                  </a:fillRef>
+                  <a:effectRef idx="0">
+                    <a:schemeClr val="accent1"/>
+                  </a:effectRef>
+                  <a:fontRef idx="minor">
+                    <a:schemeClr val="lt1"/>
+                  </a:fontRef>
+                </p:style>
+                <p:txBody>
+                  <a:bodyPr rtlCol="0" anchor="ctr"/>
+                  <a:lstStyle/>
+                  <a:p>
+                    <a:pPr algn="ctr"/>
+                    <a:endParaRPr lang="en-US"/>
+                  </a:p>
+                </p:txBody>
+              </p:sp>
+              <p:sp>
+                <p:nvSpPr>
+                  <p:cNvPr id="93" name="Oval 92">
+                    <a:extLst>
+                      <a:ext uri="{FF2B5EF4-FFF2-40B4-BE49-F238E27FC236}">
+                        <a16:creationId xmlns:a16="http://schemas.microsoft.com/office/drawing/2014/main" id="{58A27984-5A59-CD4E-A94E-93941D58AC14}"/>
+                      </a:ext>
+                    </a:extLst>
+                  </p:cNvPr>
+                  <p:cNvSpPr/>
+                  <p:nvPr/>
+                </p:nvSpPr>
+                <p:spPr>
+                  <a:xfrm>
+                    <a:off x="6237940" y="1853606"/>
+                    <a:ext cx="45719" cy="46521"/>
+                  </a:xfrm>
+                  <a:prstGeom prst="ellipse">
+                    <a:avLst/>
+                  </a:prstGeom>
+                  <a:solidFill>
+                    <a:srgbClr val="E6F5C9"/>
+                  </a:solidFill>
+                  <a:ln>
+                    <a:solidFill>
+                      <a:schemeClr val="tx1">
+                        <a:lumMod val="75000"/>
+                        <a:lumOff val="25000"/>
+                      </a:schemeClr>
+                    </a:solidFill>
+                  </a:ln>
+                </p:spPr>
+                <p:style>
+                  <a:lnRef idx="2">
+                    <a:schemeClr val="accent1">
+                      <a:shade val="50000"/>
+                    </a:schemeClr>
+                  </a:lnRef>
+                  <a:fillRef idx="1">
+                    <a:schemeClr val="accent1"/>
+                  </a:fillRef>
+                  <a:effectRef idx="0">
+                    <a:schemeClr val="accent1"/>
+                  </a:effectRef>
+                  <a:fontRef idx="minor">
+                    <a:schemeClr val="lt1"/>
+                  </a:fontRef>
+                </p:style>
+                <p:txBody>
+                  <a:bodyPr rtlCol="0" anchor="ctr"/>
+                  <a:lstStyle/>
+                  <a:p>
+                    <a:pPr algn="ctr"/>
+                    <a:endParaRPr lang="en-US"/>
+                  </a:p>
+                </p:txBody>
+              </p:sp>
+            </p:grpSp>
+          </p:grpSp>
+          <p:sp>
+            <p:nvSpPr>
+              <p:cNvPr id="295" name="TextBox 294">
+                <a:extLst>
+                  <a:ext uri="{FF2B5EF4-FFF2-40B4-BE49-F238E27FC236}">
+                    <a16:creationId xmlns:a16="http://schemas.microsoft.com/office/drawing/2014/main" id="{4C234910-D725-6B4A-A7A6-D9F1A72EA648}"/>
+                  </a:ext>
+                </a:extLst>
+              </p:cNvPr>
+              <p:cNvSpPr txBox="1"/>
+              <p:nvPr/>
+            </p:nvSpPr>
+            <p:spPr>
+              <a:xfrm>
+                <a:off x="5675394" y="688955"/>
+                <a:ext cx="357790" cy="276999"/>
+              </a:xfrm>
+              <a:prstGeom prst="rect">
+                <a:avLst/>
+              </a:prstGeom>
+              <a:noFill/>
+            </p:spPr>
+            <p:txBody>
+              <a:bodyPr wrap="none" rtlCol="0">
+                <a:spAutoFit/>
+              </a:bodyPr>
+              <a:lstStyle/>
+              <a:p>
+                <a:r>
+                  <a:rPr lang="en-US" sz="1200" dirty="0"/>
+                  <a:t>(b)</a:t>
+                </a:r>
+              </a:p>
+            </p:txBody>
+          </p:sp>
+        </p:grpSp>
+        <p:grpSp>
+          <p:nvGrpSpPr>
+            <p:cNvPr id="8" name="Group 7">
+              <a:extLst>
+                <a:ext uri="{FF2B5EF4-FFF2-40B4-BE49-F238E27FC236}">
+                  <a16:creationId xmlns:a16="http://schemas.microsoft.com/office/drawing/2014/main" id="{8A875532-D4D7-F24D-A97B-BB125F19F0B7}"/>
+                </a:ext>
+              </a:extLst>
+            </p:cNvPr>
+            <p:cNvGrpSpPr/>
+            <p:nvPr/>
+          </p:nvGrpSpPr>
+          <p:grpSpPr>
+            <a:xfrm>
+              <a:off x="6307862" y="584507"/>
+              <a:ext cx="2476949" cy="1994525"/>
+              <a:chOff x="1091181" y="2707765"/>
+              <a:chExt cx="2476949" cy="1994525"/>
+            </a:xfrm>
+          </p:grpSpPr>
+          <p:grpSp>
+            <p:nvGrpSpPr>
+              <p:cNvPr id="219" name="Group 218">
+                <a:extLst>
+                  <a:ext uri="{FF2B5EF4-FFF2-40B4-BE49-F238E27FC236}">
+                    <a16:creationId xmlns:a16="http://schemas.microsoft.com/office/drawing/2014/main" id="{0AF81FF3-CCE0-B84D-BB69-D19CE0586C8B}"/>
+                  </a:ext>
+                </a:extLst>
+              </p:cNvPr>
+              <p:cNvGrpSpPr/>
+              <p:nvPr/>
+            </p:nvGrpSpPr>
+            <p:grpSpPr>
+              <a:xfrm>
+                <a:off x="1091181" y="2707765"/>
+                <a:ext cx="2476949" cy="1994525"/>
+                <a:chOff x="8008786" y="600985"/>
+                <a:chExt cx="2476949" cy="1994525"/>
+              </a:xfrm>
+            </p:grpSpPr>
+            <p:sp>
+              <p:nvSpPr>
+                <p:cNvPr id="160" name="Freeform 159">
+                  <a:extLst>
+                    <a:ext uri="{FF2B5EF4-FFF2-40B4-BE49-F238E27FC236}">
+                      <a16:creationId xmlns:a16="http://schemas.microsoft.com/office/drawing/2014/main" id="{582AE607-47C7-7043-A1E8-4D1036C25DB8}"/>
+                    </a:ext>
+                  </a:extLst>
+                </p:cNvPr>
+                <p:cNvSpPr/>
+                <p:nvPr/>
+              </p:nvSpPr>
+              <p:spPr>
+                <a:xfrm>
+                  <a:off x="8695024" y="745749"/>
+                  <a:ext cx="1650249" cy="1341841"/>
+                </a:xfrm>
+                <a:custGeom>
+                  <a:avLst/>
+                  <a:gdLst>
+                    <a:gd name="connsiteX0" fmla="*/ 0 w 1650249"/>
+                    <a:gd name="connsiteY0" fmla="*/ 0 h 1349882"/>
+                    <a:gd name="connsiteX1" fmla="*/ 189373 w 1650249"/>
+                    <a:gd name="connsiteY1" fmla="*/ 584350 h 1349882"/>
+                    <a:gd name="connsiteX2" fmla="*/ 551887 w 1650249"/>
+                    <a:gd name="connsiteY2" fmla="*/ 990149 h 1349882"/>
+                    <a:gd name="connsiteX3" fmla="*/ 1358074 w 1650249"/>
+                    <a:gd name="connsiteY3" fmla="*/ 1303967 h 1349882"/>
+                    <a:gd name="connsiteX4" fmla="*/ 1650249 w 1650249"/>
+                    <a:gd name="connsiteY4" fmla="*/ 1341841 h 1349882"/>
+                    <a:gd name="connsiteX0" fmla="*/ 0 w 1650249"/>
+                    <a:gd name="connsiteY0" fmla="*/ 0 h 1341841"/>
+                    <a:gd name="connsiteX1" fmla="*/ 189373 w 1650249"/>
+                    <a:gd name="connsiteY1" fmla="*/ 584350 h 1341841"/>
+                    <a:gd name="connsiteX2" fmla="*/ 551887 w 1650249"/>
+                    <a:gd name="connsiteY2" fmla="*/ 990149 h 1341841"/>
+                    <a:gd name="connsiteX3" fmla="*/ 1358074 w 1650249"/>
+                    <a:gd name="connsiteY3" fmla="*/ 1303967 h 1341841"/>
+                    <a:gd name="connsiteX4" fmla="*/ 1650249 w 1650249"/>
+                    <a:gd name="connsiteY4" fmla="*/ 1341841 h 1341841"/>
+                    <a:gd name="connsiteX0" fmla="*/ 0 w 1650249"/>
+                    <a:gd name="connsiteY0" fmla="*/ 0 h 1341841"/>
+                    <a:gd name="connsiteX1" fmla="*/ 189373 w 1650249"/>
+                    <a:gd name="connsiteY1" fmla="*/ 584350 h 1341841"/>
+                    <a:gd name="connsiteX2" fmla="*/ 551887 w 1650249"/>
+                    <a:gd name="connsiteY2" fmla="*/ 990149 h 1341841"/>
+                    <a:gd name="connsiteX3" fmla="*/ 1358074 w 1650249"/>
+                    <a:gd name="connsiteY3" fmla="*/ 1303967 h 1341841"/>
+                    <a:gd name="connsiteX4" fmla="*/ 1650249 w 1650249"/>
+                    <a:gd name="connsiteY4" fmla="*/ 1341841 h 1341841"/>
+                    <a:gd name="connsiteX0" fmla="*/ 0 w 1650249"/>
+                    <a:gd name="connsiteY0" fmla="*/ 0 h 1341841"/>
+                    <a:gd name="connsiteX1" fmla="*/ 189373 w 1650249"/>
+                    <a:gd name="connsiteY1" fmla="*/ 584350 h 1341841"/>
+                    <a:gd name="connsiteX2" fmla="*/ 551887 w 1650249"/>
+                    <a:gd name="connsiteY2" fmla="*/ 990149 h 1341841"/>
+                    <a:gd name="connsiteX3" fmla="*/ 1358074 w 1650249"/>
+                    <a:gd name="connsiteY3" fmla="*/ 1303967 h 1341841"/>
+                    <a:gd name="connsiteX4" fmla="*/ 1650249 w 1650249"/>
+                    <a:gd name="connsiteY4" fmla="*/ 1341841 h 1341841"/>
+                    <a:gd name="connsiteX0" fmla="*/ 0 w 1650249"/>
+                    <a:gd name="connsiteY0" fmla="*/ 0 h 1341841"/>
+                    <a:gd name="connsiteX1" fmla="*/ 189373 w 1650249"/>
+                    <a:gd name="connsiteY1" fmla="*/ 584350 h 1341841"/>
+                    <a:gd name="connsiteX2" fmla="*/ 551887 w 1650249"/>
+                    <a:gd name="connsiteY2" fmla="*/ 990149 h 1341841"/>
+                    <a:gd name="connsiteX3" fmla="*/ 1343265 w 1650249"/>
+                    <a:gd name="connsiteY3" fmla="*/ 1303967 h 1341841"/>
+                    <a:gd name="connsiteX4" fmla="*/ 1650249 w 1650249"/>
+                    <a:gd name="connsiteY4" fmla="*/ 1341841 h 1341841"/>
+                    <a:gd name="connsiteX0" fmla="*/ 0 w 1650249"/>
+                    <a:gd name="connsiteY0" fmla="*/ 0 h 1341841"/>
+                    <a:gd name="connsiteX1" fmla="*/ 189373 w 1650249"/>
+                    <a:gd name="connsiteY1" fmla="*/ 584350 h 1341841"/>
+                    <a:gd name="connsiteX2" fmla="*/ 551887 w 1650249"/>
+                    <a:gd name="connsiteY2" fmla="*/ 990149 h 1341841"/>
+                    <a:gd name="connsiteX3" fmla="*/ 1343265 w 1650249"/>
+                    <a:gd name="connsiteY3" fmla="*/ 1303967 h 1341841"/>
+                    <a:gd name="connsiteX4" fmla="*/ 1650249 w 1650249"/>
+                    <a:gd name="connsiteY4" fmla="*/ 1341841 h 1341841"/>
+                    <a:gd name="connsiteX0" fmla="*/ 0 w 1650249"/>
+                    <a:gd name="connsiteY0" fmla="*/ 0 h 1341841"/>
+                    <a:gd name="connsiteX1" fmla="*/ 189373 w 1650249"/>
+                    <a:gd name="connsiteY1" fmla="*/ 584350 h 1341841"/>
+                    <a:gd name="connsiteX2" fmla="*/ 551887 w 1650249"/>
+                    <a:gd name="connsiteY2" fmla="*/ 990149 h 1341841"/>
+                    <a:gd name="connsiteX3" fmla="*/ 1343265 w 1650249"/>
+                    <a:gd name="connsiteY3" fmla="*/ 1303967 h 1341841"/>
+                    <a:gd name="connsiteX4" fmla="*/ 1650249 w 1650249"/>
+                    <a:gd name="connsiteY4" fmla="*/ 1341841 h 1341841"/>
+                    <a:gd name="connsiteX0" fmla="*/ 0 w 1650249"/>
+                    <a:gd name="connsiteY0" fmla="*/ 0 h 1341841"/>
+                    <a:gd name="connsiteX1" fmla="*/ 189373 w 1650249"/>
+                    <a:gd name="connsiteY1" fmla="*/ 584350 h 1341841"/>
+                    <a:gd name="connsiteX2" fmla="*/ 551887 w 1650249"/>
+                    <a:gd name="connsiteY2" fmla="*/ 990149 h 1341841"/>
+                    <a:gd name="connsiteX3" fmla="*/ 1343265 w 1650249"/>
+                    <a:gd name="connsiteY3" fmla="*/ 1303967 h 1341841"/>
+                    <a:gd name="connsiteX4" fmla="*/ 1650249 w 1650249"/>
+                    <a:gd name="connsiteY4" fmla="*/ 1341841 h 1341841"/>
+                    <a:gd name="connsiteX0" fmla="*/ 0 w 1650249"/>
+                    <a:gd name="connsiteY0" fmla="*/ 0 h 1341841"/>
+                    <a:gd name="connsiteX1" fmla="*/ 189373 w 1650249"/>
+                    <a:gd name="connsiteY1" fmla="*/ 584350 h 1341841"/>
+                    <a:gd name="connsiteX2" fmla="*/ 551887 w 1650249"/>
+                    <a:gd name="connsiteY2" fmla="*/ 990149 h 1341841"/>
+                    <a:gd name="connsiteX3" fmla="*/ 1343265 w 1650249"/>
+                    <a:gd name="connsiteY3" fmla="*/ 1303967 h 1341841"/>
+                    <a:gd name="connsiteX4" fmla="*/ 1650249 w 1650249"/>
+                    <a:gd name="connsiteY4" fmla="*/ 1341841 h 1341841"/>
+                    <a:gd name="connsiteX0" fmla="*/ 0 w 1650249"/>
+                    <a:gd name="connsiteY0" fmla="*/ 0 h 1341841"/>
+                    <a:gd name="connsiteX1" fmla="*/ 189373 w 1650249"/>
+                    <a:gd name="connsiteY1" fmla="*/ 584350 h 1341841"/>
+                    <a:gd name="connsiteX2" fmla="*/ 551887 w 1650249"/>
+                    <a:gd name="connsiteY2" fmla="*/ 990149 h 1341841"/>
+                    <a:gd name="connsiteX3" fmla="*/ 1343265 w 1650249"/>
+                    <a:gd name="connsiteY3" fmla="*/ 1303967 h 1341841"/>
+                    <a:gd name="connsiteX4" fmla="*/ 1650249 w 1650249"/>
+                    <a:gd name="connsiteY4" fmla="*/ 1341841 h 1341841"/>
+                    <a:gd name="connsiteX0" fmla="*/ 0 w 1650249"/>
+                    <a:gd name="connsiteY0" fmla="*/ 0 h 1341841"/>
+                    <a:gd name="connsiteX1" fmla="*/ 189373 w 1650249"/>
+                    <a:gd name="connsiteY1" fmla="*/ 584350 h 1341841"/>
+                    <a:gd name="connsiteX2" fmla="*/ 529675 w 1650249"/>
+                    <a:gd name="connsiteY2" fmla="*/ 975341 h 1341841"/>
+                    <a:gd name="connsiteX3" fmla="*/ 1343265 w 1650249"/>
+                    <a:gd name="connsiteY3" fmla="*/ 1303967 h 1341841"/>
+                    <a:gd name="connsiteX4" fmla="*/ 1650249 w 1650249"/>
+                    <a:gd name="connsiteY4" fmla="*/ 1341841 h 1341841"/>
+                    <a:gd name="connsiteX0" fmla="*/ 0 w 1650249"/>
+                    <a:gd name="connsiteY0" fmla="*/ 0 h 1341841"/>
+                    <a:gd name="connsiteX1" fmla="*/ 189373 w 1650249"/>
+                    <a:gd name="connsiteY1" fmla="*/ 584350 h 1341841"/>
+                    <a:gd name="connsiteX2" fmla="*/ 529675 w 1650249"/>
+                    <a:gd name="connsiteY2" fmla="*/ 975341 h 1341841"/>
+                    <a:gd name="connsiteX3" fmla="*/ 1358073 w 1650249"/>
+                    <a:gd name="connsiteY3" fmla="*/ 1307669 h 1341841"/>
+                    <a:gd name="connsiteX4" fmla="*/ 1650249 w 1650249"/>
+                    <a:gd name="connsiteY4" fmla="*/ 1341841 h 1341841"/>
+                    <a:gd name="connsiteX0" fmla="*/ 0 w 1650249"/>
+                    <a:gd name="connsiteY0" fmla="*/ 0 h 1341841"/>
+                    <a:gd name="connsiteX1" fmla="*/ 189373 w 1650249"/>
+                    <a:gd name="connsiteY1" fmla="*/ 584350 h 1341841"/>
+                    <a:gd name="connsiteX2" fmla="*/ 529675 w 1650249"/>
+                    <a:gd name="connsiteY2" fmla="*/ 975341 h 1341841"/>
+                    <a:gd name="connsiteX3" fmla="*/ 1358073 w 1650249"/>
+                    <a:gd name="connsiteY3" fmla="*/ 1307669 h 1341841"/>
+                    <a:gd name="connsiteX4" fmla="*/ 1650249 w 1650249"/>
+                    <a:gd name="connsiteY4" fmla="*/ 1341841 h 1341841"/>
+                    <a:gd name="connsiteX0" fmla="*/ 0 w 1650249"/>
+                    <a:gd name="connsiteY0" fmla="*/ 0 h 1341841"/>
+                    <a:gd name="connsiteX1" fmla="*/ 189373 w 1650249"/>
+                    <a:gd name="connsiteY1" fmla="*/ 584350 h 1341841"/>
+                    <a:gd name="connsiteX2" fmla="*/ 529675 w 1650249"/>
+                    <a:gd name="connsiteY2" fmla="*/ 975341 h 1341841"/>
+                    <a:gd name="connsiteX3" fmla="*/ 1358073 w 1650249"/>
+                    <a:gd name="connsiteY3" fmla="*/ 1307669 h 1341841"/>
+                    <a:gd name="connsiteX4" fmla="*/ 1650249 w 1650249"/>
+                    <a:gd name="connsiteY4" fmla="*/ 1341841 h 1341841"/>
+                    <a:gd name="connsiteX0" fmla="*/ 0 w 1650249"/>
+                    <a:gd name="connsiteY0" fmla="*/ 0 h 1341841"/>
+                    <a:gd name="connsiteX1" fmla="*/ 189373 w 1650249"/>
+                    <a:gd name="connsiteY1" fmla="*/ 584350 h 1341841"/>
+                    <a:gd name="connsiteX2" fmla="*/ 540781 w 1650249"/>
+                    <a:gd name="connsiteY2" fmla="*/ 979043 h 1341841"/>
+                    <a:gd name="connsiteX3" fmla="*/ 1358073 w 1650249"/>
+                    <a:gd name="connsiteY3" fmla="*/ 1307669 h 1341841"/>
+                    <a:gd name="connsiteX4" fmla="*/ 1650249 w 1650249"/>
+                    <a:gd name="connsiteY4" fmla="*/ 1341841 h 1341841"/>
+                    <a:gd name="connsiteX0" fmla="*/ 0 w 1650249"/>
+                    <a:gd name="connsiteY0" fmla="*/ 0 h 1341841"/>
+                    <a:gd name="connsiteX1" fmla="*/ 189373 w 1650249"/>
+                    <a:gd name="connsiteY1" fmla="*/ 584350 h 1341841"/>
+                    <a:gd name="connsiteX2" fmla="*/ 540781 w 1650249"/>
+                    <a:gd name="connsiteY2" fmla="*/ 979043 h 1341841"/>
+                    <a:gd name="connsiteX3" fmla="*/ 1358073 w 1650249"/>
+                    <a:gd name="connsiteY3" fmla="*/ 1307669 h 1341841"/>
+                    <a:gd name="connsiteX4" fmla="*/ 1650249 w 1650249"/>
+                    <a:gd name="connsiteY4" fmla="*/ 1341841 h 1341841"/>
+                  </a:gdLst>
+                  <a:ahLst/>
+                  <a:cxnLst>
+                    <a:cxn ang="0">
+                      <a:pos x="connsiteX0" y="connsiteY0"/>
+                    </a:cxn>
+                    <a:cxn ang="0">
+                      <a:pos x="connsiteX1" y="connsiteY1"/>
+                    </a:cxn>
+                    <a:cxn ang="0">
+                      <a:pos x="connsiteX2" y="connsiteY2"/>
+                    </a:cxn>
+                    <a:cxn ang="0">
+                      <a:pos x="connsiteX3" y="connsiteY3"/>
+                    </a:cxn>
+                    <a:cxn ang="0">
+                      <a:pos x="connsiteX4" y="connsiteY4"/>
+                    </a:cxn>
+                  </a:cxnLst>
+                  <a:rect l="l" t="t" r="r" b="b"/>
+                  <a:pathLst>
+                    <a:path w="1650249" h="1341841">
+                      <a:moveTo>
+                        <a:pt x="0" y="0"/>
+                      </a:moveTo>
+                      <a:cubicBezTo>
+                        <a:pt x="41292" y="154132"/>
+                        <a:pt x="99243" y="421176"/>
+                        <a:pt x="189373" y="584350"/>
+                      </a:cubicBezTo>
+                      <a:cubicBezTo>
+                        <a:pt x="279503" y="747524"/>
+                        <a:pt x="427442" y="895510"/>
+                        <a:pt x="540781" y="979043"/>
+                      </a:cubicBezTo>
+                      <a:cubicBezTo>
+                        <a:pt x="654120" y="1062576"/>
+                        <a:pt x="1134291" y="1267564"/>
+                        <a:pt x="1358073" y="1307669"/>
+                      </a:cubicBezTo>
+                      <a:cubicBezTo>
+                        <a:pt x="1500410" y="1332966"/>
+                        <a:pt x="1577181" y="1341105"/>
+                        <a:pt x="1650249" y="1341841"/>
+                      </a:cubicBezTo>
+                    </a:path>
+                  </a:pathLst>
+                </a:custGeom>
+                <a:noFill/>
+                <a:ln w="19050" cap="rnd">
+                  <a:solidFill>
+                    <a:schemeClr val="tx1"/>
+                  </a:solidFill>
+                  <a:prstDash val="sysDash"/>
+                </a:ln>
+              </p:spPr>
+              <p:style>
+                <a:lnRef idx="2">
+                  <a:schemeClr val="accent1">
+                    <a:shade val="50000"/>
+                  </a:schemeClr>
+                </a:lnRef>
+                <a:fillRef idx="1">
+                  <a:schemeClr val="accent1"/>
+                </a:fillRef>
+                <a:effectRef idx="0">
+                  <a:schemeClr val="accent1"/>
+                </a:effectRef>
+                <a:fontRef idx="minor">
+                  <a:schemeClr val="lt1"/>
+                </a:fontRef>
+              </p:style>
+              <p:txBody>
+                <a:bodyPr rtlCol="0" anchor="ctr"/>
+                <a:lstStyle/>
+                <a:p>
+                  <a:pPr algn="ctr"/>
+                  <a:endParaRPr lang="en-US" dirty="0"/>
+                </a:p>
+              </p:txBody>
+            </p:sp>
+            <p:grpSp>
+              <p:nvGrpSpPr>
+                <p:cNvPr id="161" name="Group 160">
+                  <a:extLst>
+                    <a:ext uri="{FF2B5EF4-FFF2-40B4-BE49-F238E27FC236}">
+                      <a16:creationId xmlns:a16="http://schemas.microsoft.com/office/drawing/2014/main" id="{5773517B-233D-A946-A499-A241D52F661C}"/>
+                    </a:ext>
+                  </a:extLst>
+                </p:cNvPr>
+                <p:cNvGrpSpPr/>
+                <p:nvPr/>
+              </p:nvGrpSpPr>
+              <p:grpSpPr>
+                <a:xfrm>
+                  <a:off x="8677658" y="1236252"/>
+                  <a:ext cx="226782" cy="300121"/>
+                  <a:chOff x="6318506" y="1172244"/>
+                  <a:chExt cx="226782" cy="300121"/>
+                </a:xfrm>
+              </p:grpSpPr>
+              <p:sp>
+                <p:nvSpPr>
+                  <p:cNvPr id="123" name="Oval 122">
+                    <a:extLst>
+                      <a:ext uri="{FF2B5EF4-FFF2-40B4-BE49-F238E27FC236}">
+                        <a16:creationId xmlns:a16="http://schemas.microsoft.com/office/drawing/2014/main" id="{EDF6E99E-4B67-7340-B025-8CFE8434B673}"/>
+                      </a:ext>
+                    </a:extLst>
+                  </p:cNvPr>
+                  <p:cNvSpPr/>
+                  <p:nvPr/>
+                </p:nvSpPr>
+                <p:spPr>
+                  <a:xfrm>
+                    <a:off x="6446725" y="1172244"/>
+                    <a:ext cx="45719" cy="46521"/>
+                  </a:xfrm>
+                  <a:prstGeom prst="ellipse">
+                    <a:avLst/>
+                  </a:prstGeom>
+                  <a:solidFill>
+                    <a:srgbClr val="FDCDAC">
+                      <a:alpha val="65882"/>
+                    </a:srgbClr>
+                  </a:solidFill>
+                  <a:ln>
+                    <a:solidFill>
+                      <a:srgbClr val="404040">
+                        <a:alpha val="65882"/>
+                      </a:srgbClr>
+                    </a:solidFill>
+                  </a:ln>
+                </p:spPr>
+                <p:style>
+                  <a:lnRef idx="2">
+                    <a:schemeClr val="accent1">
+                      <a:shade val="50000"/>
+                    </a:schemeClr>
+                  </a:lnRef>
+                  <a:fillRef idx="1">
+                    <a:schemeClr val="accent1"/>
+                  </a:fillRef>
+                  <a:effectRef idx="0">
+                    <a:schemeClr val="accent1"/>
+                  </a:effectRef>
+                  <a:fontRef idx="minor">
+                    <a:schemeClr val="lt1"/>
+                  </a:fontRef>
+                </p:style>
+                <p:txBody>
+                  <a:bodyPr rtlCol="0" anchor="ctr"/>
+                  <a:lstStyle/>
+                  <a:p>
+                    <a:pPr algn="ctr"/>
+                    <a:endParaRPr lang="en-US"/>
+                  </a:p>
+                </p:txBody>
+              </p:sp>
+              <p:sp>
+                <p:nvSpPr>
+                  <p:cNvPr id="124" name="Oval 123">
+                    <a:extLst>
+                      <a:ext uri="{FF2B5EF4-FFF2-40B4-BE49-F238E27FC236}">
+                        <a16:creationId xmlns:a16="http://schemas.microsoft.com/office/drawing/2014/main" id="{491779E1-6F99-A94A-A175-1336D962D659}"/>
+                      </a:ext>
+                    </a:extLst>
+                  </p:cNvPr>
+                  <p:cNvSpPr/>
+                  <p:nvPr/>
+                </p:nvSpPr>
+                <p:spPr>
+                  <a:xfrm>
+                    <a:off x="6456201" y="1298748"/>
+                    <a:ext cx="45719" cy="46521"/>
+                  </a:xfrm>
+                  <a:prstGeom prst="ellipse">
+                    <a:avLst/>
+                  </a:prstGeom>
+                  <a:solidFill>
+                    <a:srgbClr val="FDCDAC">
+                      <a:alpha val="65882"/>
+                    </a:srgbClr>
+                  </a:solidFill>
+                  <a:ln>
+                    <a:solidFill>
+                      <a:srgbClr val="404040">
+                        <a:alpha val="65882"/>
+                      </a:srgbClr>
+                    </a:solidFill>
+                  </a:ln>
+                </p:spPr>
+                <p:style>
+                  <a:lnRef idx="2">
+                    <a:schemeClr val="accent1">
+                      <a:shade val="50000"/>
+                    </a:schemeClr>
+                  </a:lnRef>
+                  <a:fillRef idx="1">
+                    <a:schemeClr val="accent1"/>
+                  </a:fillRef>
+                  <a:effectRef idx="0">
+                    <a:schemeClr val="accent1"/>
+                  </a:effectRef>
+                  <a:fontRef idx="minor">
+                    <a:schemeClr val="lt1"/>
+                  </a:fontRef>
+                </p:style>
+                <p:txBody>
+                  <a:bodyPr rtlCol="0" anchor="ctr"/>
+                  <a:lstStyle/>
+                  <a:p>
+                    <a:pPr algn="ctr"/>
+                    <a:endParaRPr lang="en-US"/>
+                  </a:p>
+                </p:txBody>
+              </p:sp>
+              <p:sp>
+                <p:nvSpPr>
+                  <p:cNvPr id="125" name="Oval 124">
+                    <a:extLst>
+                      <a:ext uri="{FF2B5EF4-FFF2-40B4-BE49-F238E27FC236}">
+                        <a16:creationId xmlns:a16="http://schemas.microsoft.com/office/drawing/2014/main" id="{7A9DFE1B-0C73-E84F-B7E4-CA57913F61C8}"/>
+                      </a:ext>
+                    </a:extLst>
+                  </p:cNvPr>
+                  <p:cNvSpPr/>
+                  <p:nvPr/>
+                </p:nvSpPr>
+                <p:spPr>
+                  <a:xfrm>
+                    <a:off x="6389394" y="1367874"/>
+                    <a:ext cx="45719" cy="46521"/>
+                  </a:xfrm>
+                  <a:prstGeom prst="ellipse">
+                    <a:avLst/>
+                  </a:prstGeom>
+                  <a:solidFill>
+                    <a:srgbClr val="FDCDAC">
+                      <a:alpha val="65882"/>
+                    </a:srgbClr>
+                  </a:solidFill>
+                  <a:ln>
+                    <a:solidFill>
+                      <a:srgbClr val="404040">
+                        <a:alpha val="65882"/>
+                      </a:srgbClr>
+                    </a:solidFill>
+                  </a:ln>
+                </p:spPr>
+                <p:style>
+                  <a:lnRef idx="2">
+                    <a:schemeClr val="accent1">
+                      <a:shade val="50000"/>
+                    </a:schemeClr>
+                  </a:lnRef>
+                  <a:fillRef idx="1">
+                    <a:schemeClr val="accent1"/>
+                  </a:fillRef>
+                  <a:effectRef idx="0">
+                    <a:schemeClr val="accent1"/>
+                  </a:effectRef>
+                  <a:fontRef idx="minor">
+                    <a:schemeClr val="lt1"/>
+                  </a:fontRef>
+                </p:style>
+                <p:txBody>
+                  <a:bodyPr rtlCol="0" anchor="ctr"/>
+                  <a:lstStyle/>
+                  <a:p>
+                    <a:pPr algn="ctr"/>
+                    <a:endParaRPr lang="en-US"/>
+                  </a:p>
+                </p:txBody>
+              </p:sp>
+              <p:sp>
+                <p:nvSpPr>
+                  <p:cNvPr id="126" name="Oval 125">
+                    <a:extLst>
+                      <a:ext uri="{FF2B5EF4-FFF2-40B4-BE49-F238E27FC236}">
+                        <a16:creationId xmlns:a16="http://schemas.microsoft.com/office/drawing/2014/main" id="{70E4DA23-27CD-1041-9E34-49516FB85BBA}"/>
+                      </a:ext>
+                    </a:extLst>
+                  </p:cNvPr>
+                  <p:cNvSpPr/>
+                  <p:nvPr/>
+                </p:nvSpPr>
+                <p:spPr>
+                  <a:xfrm>
+                    <a:off x="6318506" y="1425844"/>
+                    <a:ext cx="45719" cy="46521"/>
+                  </a:xfrm>
+                  <a:prstGeom prst="ellipse">
+                    <a:avLst/>
+                  </a:prstGeom>
+                  <a:solidFill>
+                    <a:srgbClr val="FDCDAC">
+                      <a:alpha val="65882"/>
+                    </a:srgbClr>
+                  </a:solidFill>
+                  <a:ln>
+                    <a:solidFill>
+                      <a:srgbClr val="404040">
+                        <a:alpha val="65882"/>
+                      </a:srgbClr>
+                    </a:solidFill>
+                  </a:ln>
+                </p:spPr>
+                <p:style>
+                  <a:lnRef idx="2">
+                    <a:schemeClr val="accent1">
+                      <a:shade val="50000"/>
+                    </a:schemeClr>
+                  </a:lnRef>
+                  <a:fillRef idx="1">
+                    <a:schemeClr val="accent1"/>
+                  </a:fillRef>
+                  <a:effectRef idx="0">
+                    <a:schemeClr val="accent1"/>
+                  </a:effectRef>
+                  <a:fontRef idx="minor">
+                    <a:schemeClr val="lt1"/>
+                  </a:fontRef>
+                </p:style>
+                <p:txBody>
+                  <a:bodyPr rtlCol="0" anchor="ctr"/>
+                  <a:lstStyle/>
+                  <a:p>
+                    <a:pPr algn="ctr"/>
+                    <a:endParaRPr lang="en-US"/>
+                  </a:p>
+                </p:txBody>
+              </p:sp>
+              <p:sp>
+                <p:nvSpPr>
+                  <p:cNvPr id="127" name="Oval 126">
+                    <a:extLst>
+                      <a:ext uri="{FF2B5EF4-FFF2-40B4-BE49-F238E27FC236}">
+                        <a16:creationId xmlns:a16="http://schemas.microsoft.com/office/drawing/2014/main" id="{D56A6F92-7AE8-8842-ABAF-89DE6BAAE2CA}"/>
+                      </a:ext>
+                    </a:extLst>
+                  </p:cNvPr>
+                  <p:cNvSpPr/>
+                  <p:nvPr/>
+                </p:nvSpPr>
+                <p:spPr>
+                  <a:xfrm>
+                    <a:off x="6499569" y="1235496"/>
+                    <a:ext cx="45719" cy="46521"/>
+                  </a:xfrm>
+                  <a:prstGeom prst="ellipse">
+                    <a:avLst/>
+                  </a:prstGeom>
+                  <a:solidFill>
+                    <a:srgbClr val="D95F02"/>
+                  </a:solidFill>
+                  <a:ln>
+                    <a:solidFill>
+                      <a:schemeClr val="tx1"/>
+                    </a:solidFill>
+                  </a:ln>
+                </p:spPr>
+                <p:style>
+                  <a:lnRef idx="2">
+                    <a:schemeClr val="accent1">
+                      <a:shade val="50000"/>
+                    </a:schemeClr>
+                  </a:lnRef>
+                  <a:fillRef idx="1">
+                    <a:schemeClr val="accent1"/>
+                  </a:fillRef>
+                  <a:effectRef idx="0">
+                    <a:schemeClr val="accent1"/>
+                  </a:effectRef>
+                  <a:fontRef idx="minor">
+                    <a:schemeClr val="lt1"/>
+                  </a:fontRef>
+                </p:style>
+                <p:txBody>
+                  <a:bodyPr rtlCol="0" anchor="ctr"/>
+                  <a:lstStyle/>
+                  <a:p>
+                    <a:pPr algn="ctr"/>
+                    <a:endParaRPr lang="en-US"/>
+                  </a:p>
+                </p:txBody>
+              </p:sp>
+            </p:grpSp>
+            <p:grpSp>
+              <p:nvGrpSpPr>
+                <p:cNvPr id="128" name="Group 127">
+                  <a:extLst>
+                    <a:ext uri="{FF2B5EF4-FFF2-40B4-BE49-F238E27FC236}">
+                      <a16:creationId xmlns:a16="http://schemas.microsoft.com/office/drawing/2014/main" id="{319DBA23-409B-0C4E-A9B1-070F8A4C9586}"/>
+                    </a:ext>
+                  </a:extLst>
+                </p:cNvPr>
+                <p:cNvGrpSpPr/>
+                <p:nvPr/>
+              </p:nvGrpSpPr>
+              <p:grpSpPr>
+                <a:xfrm>
+                  <a:off x="8584197" y="795363"/>
+                  <a:ext cx="83819" cy="276365"/>
+                  <a:chOff x="4990616" y="588004"/>
+                  <a:chExt cx="83819" cy="276365"/>
+                </a:xfrm>
+                <a:solidFill>
+                  <a:srgbClr val="B3E2CD">
+                    <a:alpha val="65882"/>
+                  </a:srgbClr>
+                </a:solidFill>
+              </p:grpSpPr>
+              <p:sp>
+                <p:nvSpPr>
+                  <p:cNvPr id="129" name="Oval 128">
+                    <a:extLst>
+                      <a:ext uri="{FF2B5EF4-FFF2-40B4-BE49-F238E27FC236}">
+                        <a16:creationId xmlns:a16="http://schemas.microsoft.com/office/drawing/2014/main" id="{BFDCF937-794E-7145-9BB0-561D6855B5EF}"/>
+                      </a:ext>
+                    </a:extLst>
+                  </p:cNvPr>
+                  <p:cNvSpPr/>
+                  <p:nvPr/>
+                </p:nvSpPr>
+                <p:spPr>
+                  <a:xfrm>
+                    <a:off x="5028716" y="588004"/>
+                    <a:ext cx="45719" cy="46521"/>
+                  </a:xfrm>
+                  <a:prstGeom prst="ellipse">
+                    <a:avLst/>
+                  </a:prstGeom>
+                  <a:grpFill/>
+                  <a:ln>
+                    <a:solidFill>
+                      <a:srgbClr val="404040">
+                        <a:alpha val="65882"/>
+                      </a:srgbClr>
+                    </a:solidFill>
+                  </a:ln>
+                </p:spPr>
+                <p:style>
+                  <a:lnRef idx="2">
+                    <a:schemeClr val="accent1">
+                      <a:shade val="50000"/>
+                    </a:schemeClr>
+                  </a:lnRef>
+                  <a:fillRef idx="1">
+                    <a:schemeClr val="accent1"/>
+                  </a:fillRef>
+                  <a:effectRef idx="0">
+                    <a:schemeClr val="accent1"/>
+                  </a:effectRef>
+                  <a:fontRef idx="minor">
+                    <a:schemeClr val="lt1"/>
+                  </a:fontRef>
+                </p:style>
+                <p:txBody>
+                  <a:bodyPr rtlCol="0" anchor="ctr"/>
+                  <a:lstStyle/>
+                  <a:p>
+                    <a:pPr algn="ctr"/>
+                    <a:endParaRPr lang="en-US"/>
+                  </a:p>
+                </p:txBody>
+              </p:sp>
+              <p:sp>
+                <p:nvSpPr>
+                  <p:cNvPr id="130" name="Oval 129">
+                    <a:extLst>
+                      <a:ext uri="{FF2B5EF4-FFF2-40B4-BE49-F238E27FC236}">
+                        <a16:creationId xmlns:a16="http://schemas.microsoft.com/office/drawing/2014/main" id="{FFB7151F-2046-9649-81D7-92A67759A395}"/>
+                      </a:ext>
+                    </a:extLst>
+                  </p:cNvPr>
+                  <p:cNvSpPr/>
+                  <p:nvPr/>
+                </p:nvSpPr>
+                <p:spPr>
+                  <a:xfrm>
+                    <a:off x="4998427" y="651271"/>
+                    <a:ext cx="45719" cy="46521"/>
+                  </a:xfrm>
+                  <a:prstGeom prst="ellipse">
+                    <a:avLst/>
+                  </a:prstGeom>
+                  <a:grpFill/>
+                  <a:ln>
+                    <a:solidFill>
+                      <a:srgbClr val="404040">
+                        <a:alpha val="65882"/>
+                      </a:srgbClr>
+                    </a:solidFill>
+                  </a:ln>
+                </p:spPr>
+                <p:style>
+                  <a:lnRef idx="2">
+                    <a:schemeClr val="accent1">
+                      <a:shade val="50000"/>
+                    </a:schemeClr>
+                  </a:lnRef>
+                  <a:fillRef idx="1">
+                    <a:schemeClr val="accent1"/>
+                  </a:fillRef>
+                  <a:effectRef idx="0">
+                    <a:schemeClr val="accent1"/>
+                  </a:effectRef>
+                  <a:fontRef idx="minor">
+                    <a:schemeClr val="lt1"/>
+                  </a:fontRef>
+                </p:style>
+                <p:txBody>
+                  <a:bodyPr rtlCol="0" anchor="ctr"/>
+                  <a:lstStyle/>
+                  <a:p>
+                    <a:pPr algn="ctr"/>
+                    <a:endParaRPr lang="en-US"/>
+                  </a:p>
+                </p:txBody>
+              </p:sp>
+              <p:sp>
+                <p:nvSpPr>
+                  <p:cNvPr id="131" name="Oval 130">
+                    <a:extLst>
+                      <a:ext uri="{FF2B5EF4-FFF2-40B4-BE49-F238E27FC236}">
+                        <a16:creationId xmlns:a16="http://schemas.microsoft.com/office/drawing/2014/main" id="{D2C245C5-35FF-FB49-A2BB-17B29122E85B}"/>
+                      </a:ext>
+                    </a:extLst>
+                  </p:cNvPr>
+                  <p:cNvSpPr/>
+                  <p:nvPr/>
+                </p:nvSpPr>
+                <p:spPr>
+                  <a:xfrm>
+                    <a:off x="5028716" y="711829"/>
+                    <a:ext cx="45719" cy="46521"/>
+                  </a:xfrm>
+                  <a:prstGeom prst="ellipse">
+                    <a:avLst/>
+                  </a:prstGeom>
+                  <a:grpFill/>
+                  <a:ln>
+                    <a:solidFill>
+                      <a:srgbClr val="404040">
+                        <a:alpha val="65882"/>
+                      </a:srgbClr>
+                    </a:solidFill>
+                  </a:ln>
+                </p:spPr>
+                <p:style>
+                  <a:lnRef idx="2">
+                    <a:schemeClr val="accent1">
+                      <a:shade val="50000"/>
+                    </a:schemeClr>
+                  </a:lnRef>
+                  <a:fillRef idx="1">
+                    <a:schemeClr val="accent1"/>
+                  </a:fillRef>
+                  <a:effectRef idx="0">
+                    <a:schemeClr val="accent1"/>
+                  </a:effectRef>
+                  <a:fontRef idx="minor">
+                    <a:schemeClr val="lt1"/>
+                  </a:fontRef>
+                </p:style>
+                <p:txBody>
+                  <a:bodyPr rtlCol="0" anchor="ctr"/>
+                  <a:lstStyle/>
+                  <a:p>
+                    <a:pPr algn="ctr"/>
+                    <a:endParaRPr lang="en-US" dirty="0"/>
+                  </a:p>
+                </p:txBody>
+              </p:sp>
+              <p:sp>
+                <p:nvSpPr>
+                  <p:cNvPr id="132" name="Oval 131">
+                    <a:extLst>
+                      <a:ext uri="{FF2B5EF4-FFF2-40B4-BE49-F238E27FC236}">
+                        <a16:creationId xmlns:a16="http://schemas.microsoft.com/office/drawing/2014/main" id="{1B90BE98-4478-5B4D-90D8-456F161D7466}"/>
+                      </a:ext>
+                    </a:extLst>
+                  </p:cNvPr>
+                  <p:cNvSpPr/>
+                  <p:nvPr/>
+                </p:nvSpPr>
+                <p:spPr>
+                  <a:xfrm>
+                    <a:off x="4990616" y="762629"/>
+                    <a:ext cx="45719" cy="46521"/>
+                  </a:xfrm>
+                  <a:prstGeom prst="ellipse">
+                    <a:avLst/>
+                  </a:prstGeom>
+                  <a:grpFill/>
+                  <a:ln>
+                    <a:solidFill>
+                      <a:srgbClr val="404040">
+                        <a:alpha val="65882"/>
+                      </a:srgbClr>
+                    </a:solidFill>
+                  </a:ln>
+                </p:spPr>
+                <p:style>
+                  <a:lnRef idx="2">
+                    <a:schemeClr val="accent1">
+                      <a:shade val="50000"/>
+                    </a:schemeClr>
+                  </a:lnRef>
+                  <a:fillRef idx="1">
+                    <a:schemeClr val="accent1"/>
+                  </a:fillRef>
+                  <a:effectRef idx="0">
+                    <a:schemeClr val="accent1"/>
+                  </a:effectRef>
+                  <a:fontRef idx="minor">
+                    <a:schemeClr val="lt1"/>
+                  </a:fontRef>
+                </p:style>
+                <p:txBody>
+                  <a:bodyPr rtlCol="0" anchor="ctr"/>
+                  <a:lstStyle/>
+                  <a:p>
+                    <a:pPr algn="ctr"/>
+                    <a:endParaRPr lang="en-US" dirty="0"/>
+                  </a:p>
+                </p:txBody>
+              </p:sp>
+              <p:sp>
+                <p:nvSpPr>
+                  <p:cNvPr id="133" name="Oval 132">
+                    <a:extLst>
+                      <a:ext uri="{FF2B5EF4-FFF2-40B4-BE49-F238E27FC236}">
+                        <a16:creationId xmlns:a16="http://schemas.microsoft.com/office/drawing/2014/main" id="{99A6246C-7DAF-774A-B0EB-82799A61C4ED}"/>
+                      </a:ext>
+                    </a:extLst>
+                  </p:cNvPr>
+                  <p:cNvSpPr/>
+                  <p:nvPr/>
+                </p:nvSpPr>
+                <p:spPr>
+                  <a:xfrm>
+                    <a:off x="5022706" y="817848"/>
+                    <a:ext cx="45719" cy="46521"/>
+                  </a:xfrm>
+                  <a:prstGeom prst="ellipse">
+                    <a:avLst/>
+                  </a:prstGeom>
+                  <a:grpFill/>
+                  <a:ln>
+                    <a:solidFill>
+                      <a:srgbClr val="404040">
+                        <a:alpha val="65882"/>
+                      </a:srgbClr>
+                    </a:solidFill>
+                  </a:ln>
+                </p:spPr>
+                <p:style>
+                  <a:lnRef idx="2">
+                    <a:schemeClr val="accent1">
+                      <a:shade val="50000"/>
+                    </a:schemeClr>
+                  </a:lnRef>
+                  <a:fillRef idx="1">
+                    <a:schemeClr val="accent1"/>
+                  </a:fillRef>
+                  <a:effectRef idx="0">
+                    <a:schemeClr val="accent1"/>
+                  </a:effectRef>
+                  <a:fontRef idx="minor">
+                    <a:schemeClr val="lt1"/>
+                  </a:fontRef>
+                </p:style>
+                <p:txBody>
+                  <a:bodyPr rtlCol="0" anchor="ctr"/>
+                  <a:lstStyle/>
+                  <a:p>
+                    <a:pPr algn="ctr"/>
+                    <a:endParaRPr lang="en-US" dirty="0"/>
+                  </a:p>
+                </p:txBody>
+              </p:sp>
+            </p:grpSp>
+            <p:grpSp>
+              <p:nvGrpSpPr>
+                <p:cNvPr id="134" name="Group 133">
+                  <a:extLst>
+                    <a:ext uri="{FF2B5EF4-FFF2-40B4-BE49-F238E27FC236}">
+                      <a16:creationId xmlns:a16="http://schemas.microsoft.com/office/drawing/2014/main" id="{E7862E4D-D657-BB4F-94A1-598EA1FDFF5D}"/>
+                    </a:ext>
+                  </a:extLst>
+                </p:cNvPr>
+                <p:cNvGrpSpPr/>
+                <p:nvPr/>
+              </p:nvGrpSpPr>
+              <p:grpSpPr>
+                <a:xfrm>
+                  <a:off x="8008786" y="600985"/>
+                  <a:ext cx="2476949" cy="1994525"/>
+                  <a:chOff x="1050780" y="1385514"/>
+                  <a:chExt cx="610000" cy="491193"/>
+                </a:xfrm>
+              </p:grpSpPr>
+              <p:grpSp>
+                <p:nvGrpSpPr>
+                  <p:cNvPr id="135" name="Group 134">
+                    <a:extLst>
+                      <a:ext uri="{FF2B5EF4-FFF2-40B4-BE49-F238E27FC236}">
+                        <a16:creationId xmlns:a16="http://schemas.microsoft.com/office/drawing/2014/main" id="{271BF8F7-5A92-AE4A-B6BF-AADC34DEBE9D}"/>
+                      </a:ext>
+                    </a:extLst>
+                  </p:cNvPr>
+                  <p:cNvGrpSpPr/>
+                  <p:nvPr/>
+                </p:nvGrpSpPr>
+                <p:grpSpPr>
+                  <a:xfrm>
+                    <a:off x="1099395" y="1450021"/>
+                    <a:ext cx="479165" cy="398194"/>
+                    <a:chOff x="1931509" y="1341807"/>
+                    <a:chExt cx="479165" cy="398194"/>
+                  </a:xfrm>
+                </p:grpSpPr>
+                <p:cxnSp>
+                  <p:nvCxnSpPr>
+                    <p:cNvPr id="138" name="Straight Connector 137">
+                      <a:extLst>
+                        <a:ext uri="{FF2B5EF4-FFF2-40B4-BE49-F238E27FC236}">
+                          <a16:creationId xmlns:a16="http://schemas.microsoft.com/office/drawing/2014/main" id="{3DF0E465-2B7E-7B44-BF96-B30BABB6B178}"/>
+                        </a:ext>
+                      </a:extLst>
+                    </p:cNvPr>
+                    <p:cNvCxnSpPr>
+                      <a:cxnSpLocks/>
+                    </p:cNvCxnSpPr>
+                    <p:nvPr/>
+                  </p:nvCxnSpPr>
+                  <p:spPr>
+                    <a:xfrm flipV="1">
+                      <a:off x="1931509" y="1341807"/>
+                      <a:ext cx="0" cy="398193"/>
+                    </a:xfrm>
+                    <a:prstGeom prst="line">
+                      <a:avLst/>
+                    </a:prstGeom>
+                    <a:ln w="9525">
+                      <a:solidFill>
+                        <a:schemeClr val="tx1"/>
+                      </a:solidFill>
+                    </a:ln>
+                  </p:spPr>
+                  <p:style>
+                    <a:lnRef idx="1">
+                      <a:schemeClr val="accent1"/>
+                    </a:lnRef>
+                    <a:fillRef idx="0">
+                      <a:schemeClr val="accent1"/>
+                    </a:fillRef>
+                    <a:effectRef idx="0">
+                      <a:schemeClr val="accent1"/>
+                    </a:effectRef>
+                    <a:fontRef idx="minor">
+                      <a:schemeClr val="tx1"/>
+                    </a:fontRef>
+                  </p:style>
+                </p:cxnSp>
+                <p:cxnSp>
+                  <p:nvCxnSpPr>
+                    <p:cNvPr id="139" name="Straight Connector 138">
+                      <a:extLst>
+                        <a:ext uri="{FF2B5EF4-FFF2-40B4-BE49-F238E27FC236}">
+                          <a16:creationId xmlns:a16="http://schemas.microsoft.com/office/drawing/2014/main" id="{C14CDBD3-9836-8A46-A0F9-2C2F489C8A42}"/>
+                        </a:ext>
+                      </a:extLst>
+                    </p:cNvPr>
+                    <p:cNvCxnSpPr>
+                      <a:cxnSpLocks/>
+                    </p:cNvCxnSpPr>
+                    <p:nvPr/>
+                  </p:nvCxnSpPr>
+                  <p:spPr>
+                    <a:xfrm flipH="1">
+                      <a:off x="1931587" y="1740000"/>
+                      <a:ext cx="479087" cy="1"/>
+                    </a:xfrm>
+                    <a:prstGeom prst="line">
+                      <a:avLst/>
+                    </a:prstGeom>
+                    <a:ln w="9525">
+                      <a:solidFill>
+                        <a:schemeClr val="tx1"/>
+                      </a:solidFill>
+                    </a:ln>
+                  </p:spPr>
+                  <p:style>
+                    <a:lnRef idx="1">
+                      <a:schemeClr val="accent1"/>
+                    </a:lnRef>
+                    <a:fillRef idx="0">
+                      <a:schemeClr val="accent1"/>
+                    </a:fillRef>
+                    <a:effectRef idx="0">
+                      <a:schemeClr val="accent1"/>
+                    </a:effectRef>
+                    <a:fontRef idx="minor">
+                      <a:schemeClr val="tx1"/>
+                    </a:fontRef>
+                  </p:style>
+                </p:cxnSp>
+              </p:grpSp>
+              <p:sp>
+                <p:nvSpPr>
+                  <p:cNvPr id="136" name="TextBox 135">
+                    <a:extLst>
+                      <a:ext uri="{FF2B5EF4-FFF2-40B4-BE49-F238E27FC236}">
+                        <a16:creationId xmlns:a16="http://schemas.microsoft.com/office/drawing/2014/main" id="{443EAA29-440C-DB4A-8422-EF378CAB4D79}"/>
+                      </a:ext>
+                    </a:extLst>
+                  </p:cNvPr>
+                  <p:cNvSpPr txBox="1"/>
+                  <p:nvPr/>
+                </p:nvSpPr>
+                <p:spPr>
+                  <a:xfrm>
+                    <a:off x="1578560" y="1816070"/>
+                    <a:ext cx="82220" cy="60637"/>
+                  </a:xfrm>
+                  <a:prstGeom prst="rect">
+                    <a:avLst/>
+                  </a:prstGeom>
+                  <a:noFill/>
+                </p:spPr>
+                <p:txBody>
+                  <a:bodyPr wrap="square" rtlCol="0" anchor="ctr">
+                    <a:spAutoFit/>
+                  </a:bodyPr>
+                  <a:lstStyle/>
+                  <a:p>
+                    <a:pPr algn="ctr"/>
+                    <a:r>
+                      <a:rPr lang="en-US" sz="1200" b="1" dirty="0"/>
+                      <a:t>W</a:t>
+                    </a:r>
+                  </a:p>
+                </p:txBody>
+              </p:sp>
+              <p:sp>
+                <p:nvSpPr>
+                  <p:cNvPr id="137" name="TextBox 136">
+                    <a:extLst>
+                      <a:ext uri="{FF2B5EF4-FFF2-40B4-BE49-F238E27FC236}">
+                        <a16:creationId xmlns:a16="http://schemas.microsoft.com/office/drawing/2014/main" id="{058D64E1-0805-204F-8CD3-B3EEBE0ABCD2}"/>
+                      </a:ext>
+                    </a:extLst>
+                  </p:cNvPr>
+                  <p:cNvSpPr txBox="1"/>
+                  <p:nvPr/>
+                </p:nvSpPr>
+                <p:spPr>
+                  <a:xfrm>
+                    <a:off x="1050780" y="1385514"/>
+                    <a:ext cx="97221" cy="60637"/>
+                  </a:xfrm>
+                  <a:prstGeom prst="rect">
+                    <a:avLst/>
+                  </a:prstGeom>
+                  <a:noFill/>
+                </p:spPr>
+                <p:txBody>
+                  <a:bodyPr wrap="square" rtlCol="0" anchor="ctr">
+                    <a:spAutoFit/>
+                  </a:bodyPr>
+                  <a:lstStyle/>
+                  <a:p>
+                    <a:pPr algn="ctr"/>
+                    <a:r>
+                      <a:rPr lang="en-US" sz="1200" b="1" dirty="0"/>
+                      <a:t>%N</a:t>
+                    </a:r>
+                  </a:p>
+                </p:txBody>
+              </p:sp>
+            </p:grpSp>
+            <p:grpSp>
+              <p:nvGrpSpPr>
+                <p:cNvPr id="163" name="Group 162">
+                  <a:extLst>
+                    <a:ext uri="{FF2B5EF4-FFF2-40B4-BE49-F238E27FC236}">
+                      <a16:creationId xmlns:a16="http://schemas.microsoft.com/office/drawing/2014/main" id="{B93ED740-552F-9C43-BF12-5B95DE0FF91F}"/>
+                    </a:ext>
+                  </a:extLst>
+                </p:cNvPr>
+                <p:cNvGrpSpPr/>
+                <p:nvPr/>
+              </p:nvGrpSpPr>
+              <p:grpSpPr>
+                <a:xfrm>
+                  <a:off x="8997966" y="1408621"/>
+                  <a:ext cx="263556" cy="499094"/>
+                  <a:chOff x="6638814" y="1344613"/>
+                  <a:chExt cx="263556" cy="499094"/>
+                </a:xfrm>
+              </p:grpSpPr>
+              <p:sp>
+                <p:nvSpPr>
+                  <p:cNvPr id="141" name="Oval 140">
+                    <a:extLst>
+                      <a:ext uri="{FF2B5EF4-FFF2-40B4-BE49-F238E27FC236}">
+                        <a16:creationId xmlns:a16="http://schemas.microsoft.com/office/drawing/2014/main" id="{7A3B4921-4BB2-7D43-ABB1-F3C3219315FA}"/>
+                      </a:ext>
+                    </a:extLst>
+                  </p:cNvPr>
+                  <p:cNvSpPr/>
+                  <p:nvPr/>
+                </p:nvSpPr>
+                <p:spPr>
+                  <a:xfrm>
+                    <a:off x="6844908" y="1344613"/>
+                    <a:ext cx="45719" cy="46521"/>
+                  </a:xfrm>
+                  <a:prstGeom prst="ellipse">
+                    <a:avLst/>
+                  </a:prstGeom>
+                  <a:solidFill>
+                    <a:srgbClr val="CBD5E8">
+                      <a:alpha val="65882"/>
+                    </a:srgbClr>
+                  </a:solidFill>
+                  <a:ln>
+                    <a:solidFill>
+                      <a:srgbClr val="404040">
+                        <a:alpha val="65882"/>
+                      </a:srgbClr>
+                    </a:solidFill>
+                  </a:ln>
+                </p:spPr>
+                <p:style>
+                  <a:lnRef idx="2">
+                    <a:schemeClr val="accent1">
+                      <a:shade val="50000"/>
+                    </a:schemeClr>
+                  </a:lnRef>
+                  <a:fillRef idx="1">
+                    <a:schemeClr val="accent1"/>
+                  </a:fillRef>
+                  <a:effectRef idx="0">
+                    <a:schemeClr val="accent1"/>
+                  </a:effectRef>
+                  <a:fontRef idx="minor">
+                    <a:schemeClr val="lt1"/>
+                  </a:fontRef>
+                </p:style>
+                <p:txBody>
+                  <a:bodyPr rtlCol="0" anchor="ctr"/>
+                  <a:lstStyle/>
+                  <a:p>
+                    <a:pPr algn="ctr"/>
+                    <a:endParaRPr lang="en-US"/>
+                  </a:p>
+                </p:txBody>
+              </p:sp>
+              <p:sp>
+                <p:nvSpPr>
+                  <p:cNvPr id="142" name="Oval 141">
+                    <a:extLst>
+                      <a:ext uri="{FF2B5EF4-FFF2-40B4-BE49-F238E27FC236}">
+                        <a16:creationId xmlns:a16="http://schemas.microsoft.com/office/drawing/2014/main" id="{7118F3E2-0617-5643-86B9-A3D9967418DC}"/>
+                      </a:ext>
+                    </a:extLst>
+                  </p:cNvPr>
+                  <p:cNvSpPr/>
+                  <p:nvPr/>
+                </p:nvSpPr>
+                <p:spPr>
+                  <a:xfrm>
+                    <a:off x="6827991" y="1496551"/>
+                    <a:ext cx="45719" cy="46521"/>
+                  </a:xfrm>
+                  <a:prstGeom prst="ellipse">
+                    <a:avLst/>
+                  </a:prstGeom>
+                  <a:solidFill>
+                    <a:srgbClr val="CBD5E8">
+                      <a:alpha val="65882"/>
+                    </a:srgbClr>
+                  </a:solidFill>
+                  <a:ln>
+                    <a:solidFill>
+                      <a:srgbClr val="404040">
+                        <a:alpha val="65882"/>
+                      </a:srgbClr>
+                    </a:solidFill>
+                  </a:ln>
+                </p:spPr>
+                <p:style>
+                  <a:lnRef idx="2">
+                    <a:schemeClr val="accent1">
+                      <a:shade val="50000"/>
+                    </a:schemeClr>
+                  </a:lnRef>
+                  <a:fillRef idx="1">
+                    <a:schemeClr val="accent1"/>
+                  </a:fillRef>
+                  <a:effectRef idx="0">
+                    <a:schemeClr val="accent1"/>
+                  </a:effectRef>
+                  <a:fontRef idx="minor">
+                    <a:schemeClr val="lt1"/>
+                  </a:fontRef>
+                </p:style>
+                <p:txBody>
+                  <a:bodyPr rtlCol="0" anchor="ctr"/>
+                  <a:lstStyle/>
+                  <a:p>
+                    <a:pPr algn="ctr"/>
+                    <a:endParaRPr lang="en-US"/>
+                  </a:p>
+                </p:txBody>
+              </p:sp>
+              <p:sp>
+                <p:nvSpPr>
+                  <p:cNvPr id="143" name="Oval 142">
+                    <a:extLst>
+                      <a:ext uri="{FF2B5EF4-FFF2-40B4-BE49-F238E27FC236}">
+                        <a16:creationId xmlns:a16="http://schemas.microsoft.com/office/drawing/2014/main" id="{B193DF60-6CA4-4947-8577-07044457ACE2}"/>
+                      </a:ext>
+                    </a:extLst>
+                  </p:cNvPr>
+                  <p:cNvSpPr/>
+                  <p:nvPr/>
+                </p:nvSpPr>
+                <p:spPr>
+                  <a:xfrm>
+                    <a:off x="6856651" y="1635238"/>
+                    <a:ext cx="45719" cy="46521"/>
+                  </a:xfrm>
+                  <a:prstGeom prst="ellipse">
+                    <a:avLst/>
+                  </a:prstGeom>
+                  <a:solidFill>
+                    <a:srgbClr val="7570B3"/>
+                  </a:solidFill>
+                  <a:ln>
+                    <a:solidFill>
+                      <a:schemeClr val="tx1"/>
+                    </a:solidFill>
+                  </a:ln>
+                </p:spPr>
+                <p:style>
+                  <a:lnRef idx="2">
+                    <a:schemeClr val="accent1">
+                      <a:shade val="50000"/>
+                    </a:schemeClr>
+                  </a:lnRef>
+                  <a:fillRef idx="1">
+                    <a:schemeClr val="accent1"/>
+                  </a:fillRef>
+                  <a:effectRef idx="0">
+                    <a:schemeClr val="accent1"/>
+                  </a:effectRef>
+                  <a:fontRef idx="minor">
+                    <a:schemeClr val="lt1"/>
+                  </a:fontRef>
+                </p:style>
+                <p:txBody>
+                  <a:bodyPr rtlCol="0" anchor="ctr"/>
+                  <a:lstStyle/>
+                  <a:p>
+                    <a:pPr algn="ctr"/>
+                    <a:endParaRPr lang="en-US"/>
+                  </a:p>
+                </p:txBody>
+              </p:sp>
+              <p:sp>
+                <p:nvSpPr>
+                  <p:cNvPr id="144" name="Oval 143">
+                    <a:extLst>
+                      <a:ext uri="{FF2B5EF4-FFF2-40B4-BE49-F238E27FC236}">
+                        <a16:creationId xmlns:a16="http://schemas.microsoft.com/office/drawing/2014/main" id="{F34886CC-E81F-984B-BEE4-34C41E548C80}"/>
+                      </a:ext>
+                    </a:extLst>
+                  </p:cNvPr>
+                  <p:cNvSpPr/>
+                  <p:nvPr/>
+                </p:nvSpPr>
+                <p:spPr>
+                  <a:xfrm>
+                    <a:off x="6760126" y="1713815"/>
+                    <a:ext cx="45719" cy="46521"/>
+                  </a:xfrm>
+                  <a:prstGeom prst="ellipse">
+                    <a:avLst/>
+                  </a:prstGeom>
+                  <a:solidFill>
+                    <a:srgbClr val="CBD5E8">
+                      <a:alpha val="65882"/>
+                    </a:srgbClr>
+                  </a:solidFill>
+                  <a:ln>
+                    <a:solidFill>
+                      <a:srgbClr val="404040">
+                        <a:alpha val="65882"/>
+                      </a:srgbClr>
+                    </a:solidFill>
+                  </a:ln>
+                </p:spPr>
+                <p:style>
+                  <a:lnRef idx="2">
+                    <a:schemeClr val="accent1">
+                      <a:shade val="50000"/>
+                    </a:schemeClr>
+                  </a:lnRef>
+                  <a:fillRef idx="1">
+                    <a:schemeClr val="accent1"/>
+                  </a:fillRef>
+                  <a:effectRef idx="0">
+                    <a:schemeClr val="accent1"/>
+                  </a:effectRef>
+                  <a:fontRef idx="minor">
+                    <a:schemeClr val="lt1"/>
+                  </a:fontRef>
+                </p:style>
+                <p:txBody>
+                  <a:bodyPr rtlCol="0" anchor="ctr"/>
+                  <a:lstStyle/>
+                  <a:p>
+                    <a:pPr algn="ctr"/>
+                    <a:endParaRPr lang="en-US"/>
+                  </a:p>
+                </p:txBody>
+              </p:sp>
+              <p:sp>
+                <p:nvSpPr>
+                  <p:cNvPr id="145" name="Oval 144">
+                    <a:extLst>
+                      <a:ext uri="{FF2B5EF4-FFF2-40B4-BE49-F238E27FC236}">
+                        <a16:creationId xmlns:a16="http://schemas.microsoft.com/office/drawing/2014/main" id="{6F30F920-53A4-E947-AF90-E2FEBD16093B}"/>
+                      </a:ext>
+                    </a:extLst>
+                  </p:cNvPr>
+                  <p:cNvSpPr/>
+                  <p:nvPr/>
+                </p:nvSpPr>
+                <p:spPr>
+                  <a:xfrm>
+                    <a:off x="6638814" y="1797186"/>
+                    <a:ext cx="45719" cy="46521"/>
+                  </a:xfrm>
+                  <a:prstGeom prst="ellipse">
+                    <a:avLst/>
+                  </a:prstGeom>
+                  <a:solidFill>
+                    <a:srgbClr val="CBD5E8">
+                      <a:alpha val="65882"/>
+                    </a:srgbClr>
+                  </a:solidFill>
+                  <a:ln>
+                    <a:solidFill>
+                      <a:srgbClr val="404040">
+                        <a:alpha val="65882"/>
+                      </a:srgbClr>
+                    </a:solidFill>
+                  </a:ln>
+                </p:spPr>
+                <p:style>
+                  <a:lnRef idx="2">
+                    <a:schemeClr val="accent1">
+                      <a:shade val="50000"/>
+                    </a:schemeClr>
+                  </a:lnRef>
+                  <a:fillRef idx="1">
+                    <a:schemeClr val="accent1"/>
+                  </a:fillRef>
+                  <a:effectRef idx="0">
+                    <a:schemeClr val="accent1"/>
+                  </a:effectRef>
+                  <a:fontRef idx="minor">
+                    <a:schemeClr val="lt1"/>
+                  </a:fontRef>
+                </p:style>
+                <p:txBody>
+                  <a:bodyPr rtlCol="0" anchor="ctr"/>
+                  <a:lstStyle/>
+                  <a:p>
+                    <a:pPr algn="ctr"/>
+                    <a:endParaRPr lang="en-US"/>
+                  </a:p>
+                </p:txBody>
+              </p:sp>
+            </p:grpSp>
+            <p:grpSp>
+              <p:nvGrpSpPr>
+                <p:cNvPr id="146" name="Group 145">
+                  <a:extLst>
+                    <a:ext uri="{FF2B5EF4-FFF2-40B4-BE49-F238E27FC236}">
+                      <a16:creationId xmlns:a16="http://schemas.microsoft.com/office/drawing/2014/main" id="{AEFB2040-D34F-5D42-8529-E73C4E2A5530}"/>
+                    </a:ext>
+                  </a:extLst>
+                </p:cNvPr>
+                <p:cNvGrpSpPr/>
+                <p:nvPr/>
+              </p:nvGrpSpPr>
+              <p:grpSpPr>
+                <a:xfrm>
+                  <a:off x="9627558" y="1386528"/>
+                  <a:ext cx="80449" cy="437816"/>
+                  <a:chOff x="6024335" y="1161032"/>
+                  <a:chExt cx="80449" cy="437816"/>
+                </a:xfrm>
+                <a:solidFill>
+                  <a:srgbClr val="F4CAE4">
+                    <a:alpha val="65882"/>
+                  </a:srgbClr>
+                </a:solidFill>
+              </p:grpSpPr>
+              <p:sp>
+                <p:nvSpPr>
+                  <p:cNvPr id="147" name="Oval 146">
+                    <a:extLst>
+                      <a:ext uri="{FF2B5EF4-FFF2-40B4-BE49-F238E27FC236}">
+                        <a16:creationId xmlns:a16="http://schemas.microsoft.com/office/drawing/2014/main" id="{315B3A8E-460E-5D4C-BADC-0EAE01FBEAE1}"/>
+                      </a:ext>
+                    </a:extLst>
+                  </p:cNvPr>
+                  <p:cNvSpPr/>
+                  <p:nvPr/>
+                </p:nvSpPr>
+                <p:spPr>
+                  <a:xfrm>
+                    <a:off x="6026590" y="1161032"/>
+                    <a:ext cx="45719" cy="46521"/>
+                  </a:xfrm>
+                  <a:prstGeom prst="ellipse">
+                    <a:avLst/>
+                  </a:prstGeom>
+                  <a:grpFill/>
+                  <a:ln>
+                    <a:solidFill>
+                      <a:srgbClr val="404040">
+                        <a:alpha val="65882"/>
+                      </a:srgbClr>
+                    </a:solidFill>
+                  </a:ln>
+                </p:spPr>
+                <p:style>
+                  <a:lnRef idx="2">
+                    <a:schemeClr val="accent1">
+                      <a:shade val="50000"/>
+                    </a:schemeClr>
+                  </a:lnRef>
+                  <a:fillRef idx="1">
+                    <a:schemeClr val="accent1"/>
+                  </a:fillRef>
+                  <a:effectRef idx="0">
+                    <a:schemeClr val="accent1"/>
+                  </a:effectRef>
+                  <a:fontRef idx="minor">
+                    <a:schemeClr val="lt1"/>
+                  </a:fontRef>
+                </p:style>
+                <p:txBody>
+                  <a:bodyPr rtlCol="0" anchor="ctr"/>
+                  <a:lstStyle/>
+                  <a:p>
+                    <a:pPr algn="ctr"/>
+                    <a:endParaRPr lang="en-US"/>
+                  </a:p>
+                </p:txBody>
+              </p:sp>
+              <p:sp>
+                <p:nvSpPr>
+                  <p:cNvPr id="148" name="Oval 147">
+                    <a:extLst>
+                      <a:ext uri="{FF2B5EF4-FFF2-40B4-BE49-F238E27FC236}">
+                        <a16:creationId xmlns:a16="http://schemas.microsoft.com/office/drawing/2014/main" id="{FAF23B2E-9EA3-1B4B-9057-32562D5F15DE}"/>
+                      </a:ext>
+                    </a:extLst>
+                  </p:cNvPr>
+                  <p:cNvSpPr/>
+                  <p:nvPr/>
+                </p:nvSpPr>
+                <p:spPr>
+                  <a:xfrm>
+                    <a:off x="6059065" y="1284654"/>
+                    <a:ext cx="45719" cy="46521"/>
+                  </a:xfrm>
+                  <a:prstGeom prst="ellipse">
+                    <a:avLst/>
+                  </a:prstGeom>
+                  <a:grpFill/>
+                  <a:ln>
+                    <a:solidFill>
+                      <a:srgbClr val="404040">
+                        <a:alpha val="65882"/>
+                      </a:srgbClr>
+                    </a:solidFill>
+                  </a:ln>
+                </p:spPr>
+                <p:style>
+                  <a:lnRef idx="2">
+                    <a:schemeClr val="accent1">
+                      <a:shade val="50000"/>
+                    </a:schemeClr>
+                  </a:lnRef>
+                  <a:fillRef idx="1">
+                    <a:schemeClr val="accent1"/>
+                  </a:fillRef>
+                  <a:effectRef idx="0">
+                    <a:schemeClr val="accent1"/>
+                  </a:effectRef>
+                  <a:fontRef idx="minor">
+                    <a:schemeClr val="lt1"/>
+                  </a:fontRef>
+                </p:style>
+                <p:txBody>
+                  <a:bodyPr rtlCol="0" anchor="ctr"/>
+                  <a:lstStyle/>
+                  <a:p>
+                    <a:pPr algn="ctr"/>
+                    <a:endParaRPr lang="en-US"/>
+                  </a:p>
+                </p:txBody>
+              </p:sp>
+              <p:sp>
+                <p:nvSpPr>
+                  <p:cNvPr id="149" name="Oval 148">
+                    <a:extLst>
+                      <a:ext uri="{FF2B5EF4-FFF2-40B4-BE49-F238E27FC236}">
+                        <a16:creationId xmlns:a16="http://schemas.microsoft.com/office/drawing/2014/main" id="{FA392E0A-F5C7-AB4D-8D8A-99604B3BCB19}"/>
+                      </a:ext>
+                    </a:extLst>
+                  </p:cNvPr>
+                  <p:cNvSpPr/>
+                  <p:nvPr/>
+                </p:nvSpPr>
+                <p:spPr>
+                  <a:xfrm>
+                    <a:off x="6024335" y="1375003"/>
+                    <a:ext cx="45719" cy="46521"/>
+                  </a:xfrm>
+                  <a:prstGeom prst="ellipse">
+                    <a:avLst/>
+                  </a:prstGeom>
+                  <a:grpFill/>
+                  <a:ln>
+                    <a:solidFill>
+                      <a:srgbClr val="404040">
+                        <a:alpha val="65882"/>
+                      </a:srgbClr>
+                    </a:solidFill>
+                  </a:ln>
+                </p:spPr>
+                <p:style>
+                  <a:lnRef idx="2">
+                    <a:schemeClr val="accent1">
+                      <a:shade val="50000"/>
+                    </a:schemeClr>
+                  </a:lnRef>
+                  <a:fillRef idx="1">
+                    <a:schemeClr val="accent1"/>
+                  </a:fillRef>
+                  <a:effectRef idx="0">
+                    <a:schemeClr val="accent1"/>
+                  </a:effectRef>
+                  <a:fontRef idx="minor">
+                    <a:schemeClr val="lt1"/>
+                  </a:fontRef>
+                </p:style>
+                <p:txBody>
+                  <a:bodyPr rtlCol="0" anchor="ctr"/>
+                  <a:lstStyle/>
+                  <a:p>
+                    <a:pPr algn="ctr"/>
+                    <a:endParaRPr lang="en-US"/>
+                  </a:p>
+                </p:txBody>
+              </p:sp>
+              <p:sp>
+                <p:nvSpPr>
+                  <p:cNvPr id="150" name="Oval 149">
+                    <a:extLst>
+                      <a:ext uri="{FF2B5EF4-FFF2-40B4-BE49-F238E27FC236}">
+                        <a16:creationId xmlns:a16="http://schemas.microsoft.com/office/drawing/2014/main" id="{7BAA9AD7-8DB8-F947-A933-2794FF1D1278}"/>
+                      </a:ext>
+                    </a:extLst>
+                  </p:cNvPr>
+                  <p:cNvSpPr/>
+                  <p:nvPr/>
+                </p:nvSpPr>
+                <p:spPr>
+                  <a:xfrm>
+                    <a:off x="6059065" y="1468995"/>
+                    <a:ext cx="45719" cy="46521"/>
+                  </a:xfrm>
+                  <a:prstGeom prst="ellipse">
+                    <a:avLst/>
+                  </a:prstGeom>
+                  <a:grpFill/>
+                  <a:ln>
+                    <a:solidFill>
+                      <a:srgbClr val="404040">
+                        <a:alpha val="65882"/>
+                      </a:srgbClr>
+                    </a:solidFill>
+                  </a:ln>
+                </p:spPr>
+                <p:style>
+                  <a:lnRef idx="2">
+                    <a:schemeClr val="accent1">
+                      <a:shade val="50000"/>
+                    </a:schemeClr>
+                  </a:lnRef>
+                  <a:fillRef idx="1">
+                    <a:schemeClr val="accent1"/>
+                  </a:fillRef>
+                  <a:effectRef idx="0">
+                    <a:schemeClr val="accent1"/>
+                  </a:effectRef>
+                  <a:fontRef idx="minor">
+                    <a:schemeClr val="lt1"/>
+                  </a:fontRef>
+                </p:style>
+                <p:txBody>
+                  <a:bodyPr rtlCol="0" anchor="ctr"/>
+                  <a:lstStyle/>
+                  <a:p>
+                    <a:pPr algn="ctr"/>
+                    <a:endParaRPr lang="en-US"/>
+                  </a:p>
+                </p:txBody>
+              </p:sp>
+              <p:sp>
+                <p:nvSpPr>
+                  <p:cNvPr id="151" name="Oval 150">
+                    <a:extLst>
+                      <a:ext uri="{FF2B5EF4-FFF2-40B4-BE49-F238E27FC236}">
+                        <a16:creationId xmlns:a16="http://schemas.microsoft.com/office/drawing/2014/main" id="{3432716E-40F6-1C41-946D-1D8F4D8CC7E7}"/>
+                      </a:ext>
+                    </a:extLst>
+                  </p:cNvPr>
+                  <p:cNvSpPr/>
+                  <p:nvPr/>
+                </p:nvSpPr>
+                <p:spPr>
+                  <a:xfrm>
+                    <a:off x="6027334" y="1552327"/>
+                    <a:ext cx="45719" cy="46521"/>
+                  </a:xfrm>
+                  <a:prstGeom prst="ellipse">
+                    <a:avLst/>
+                  </a:prstGeom>
+                  <a:grpFill/>
+                  <a:ln>
+                    <a:solidFill>
+                      <a:srgbClr val="404040">
+                        <a:alpha val="65882"/>
+                      </a:srgbClr>
+                    </a:solidFill>
+                  </a:ln>
+                </p:spPr>
+                <p:style>
+                  <a:lnRef idx="2">
+                    <a:schemeClr val="accent1">
+                      <a:shade val="50000"/>
+                    </a:schemeClr>
+                  </a:lnRef>
+                  <a:fillRef idx="1">
+                    <a:schemeClr val="accent1"/>
+                  </a:fillRef>
+                  <a:effectRef idx="0">
+                    <a:schemeClr val="accent1"/>
+                  </a:effectRef>
+                  <a:fontRef idx="minor">
+                    <a:schemeClr val="lt1"/>
+                  </a:fontRef>
+                </p:style>
+                <p:txBody>
+                  <a:bodyPr rtlCol="0" anchor="ctr"/>
+                  <a:lstStyle/>
+                  <a:p>
+                    <a:pPr algn="ctr"/>
+                    <a:endParaRPr lang="en-US"/>
+                  </a:p>
+                </p:txBody>
+              </p:sp>
+            </p:grpSp>
+            <p:grpSp>
+              <p:nvGrpSpPr>
+                <p:cNvPr id="162" name="Group 161">
+                  <a:extLst>
+                    <a:ext uri="{FF2B5EF4-FFF2-40B4-BE49-F238E27FC236}">
+                      <a16:creationId xmlns:a16="http://schemas.microsoft.com/office/drawing/2014/main" id="{2B81195D-927E-1140-9B4A-7F6B87C22FD0}"/>
+                    </a:ext>
+                  </a:extLst>
+                </p:cNvPr>
+                <p:cNvGrpSpPr/>
+                <p:nvPr/>
+              </p:nvGrpSpPr>
+              <p:grpSpPr>
+                <a:xfrm>
+                  <a:off x="9680544" y="2022263"/>
+                  <a:ext cx="389146" cy="197877"/>
+                  <a:chOff x="7321392" y="1958255"/>
+                  <a:chExt cx="389146" cy="197877"/>
+                </a:xfrm>
+              </p:grpSpPr>
+              <p:sp>
+                <p:nvSpPr>
+                  <p:cNvPr id="153" name="Oval 152">
+                    <a:extLst>
+                      <a:ext uri="{FF2B5EF4-FFF2-40B4-BE49-F238E27FC236}">
+                        <a16:creationId xmlns:a16="http://schemas.microsoft.com/office/drawing/2014/main" id="{0572FA94-2845-B74D-BFA8-1EE0E4B77275}"/>
+                      </a:ext>
+                    </a:extLst>
+                  </p:cNvPr>
+                  <p:cNvSpPr/>
+                  <p:nvPr/>
+                </p:nvSpPr>
+                <p:spPr>
+                  <a:xfrm>
+                    <a:off x="7664819" y="1958255"/>
+                    <a:ext cx="45719" cy="46521"/>
+                  </a:xfrm>
+                  <a:prstGeom prst="ellipse">
+                    <a:avLst/>
+                  </a:prstGeom>
+                  <a:solidFill>
+                    <a:srgbClr val="66A61E"/>
+                  </a:solidFill>
+                  <a:ln>
+                    <a:solidFill>
+                      <a:schemeClr val="tx1"/>
+                    </a:solidFill>
+                  </a:ln>
+                </p:spPr>
+                <p:style>
+                  <a:lnRef idx="2">
+                    <a:schemeClr val="accent1">
+                      <a:shade val="50000"/>
+                    </a:schemeClr>
+                  </a:lnRef>
+                  <a:fillRef idx="1">
+                    <a:schemeClr val="accent1"/>
+                  </a:fillRef>
+                  <a:effectRef idx="0">
+                    <a:schemeClr val="accent1"/>
+                  </a:effectRef>
+                  <a:fontRef idx="minor">
+                    <a:schemeClr val="lt1"/>
+                  </a:fontRef>
+                </p:style>
+                <p:txBody>
+                  <a:bodyPr rtlCol="0" anchor="ctr"/>
+                  <a:lstStyle/>
+                  <a:p>
+                    <a:pPr algn="ctr"/>
+                    <a:endParaRPr lang="en-US"/>
+                  </a:p>
+                </p:txBody>
+              </p:sp>
+              <p:sp>
+                <p:nvSpPr>
+                  <p:cNvPr id="154" name="Oval 153">
+                    <a:extLst>
+                      <a:ext uri="{FF2B5EF4-FFF2-40B4-BE49-F238E27FC236}">
+                        <a16:creationId xmlns:a16="http://schemas.microsoft.com/office/drawing/2014/main" id="{47A894EF-0ADF-5440-88F1-2EC9DCB69F39}"/>
+                      </a:ext>
+                    </a:extLst>
+                  </p:cNvPr>
+                  <p:cNvSpPr/>
+                  <p:nvPr/>
+                </p:nvSpPr>
+                <p:spPr>
+                  <a:xfrm>
+                    <a:off x="7548493" y="1997165"/>
+                    <a:ext cx="45719" cy="46521"/>
+                  </a:xfrm>
+                  <a:prstGeom prst="ellipse">
+                    <a:avLst/>
+                  </a:prstGeom>
+                  <a:solidFill>
+                    <a:srgbClr val="E6F5C9">
+                      <a:alpha val="65882"/>
+                    </a:srgbClr>
+                  </a:solidFill>
+                  <a:ln>
+                    <a:solidFill>
+                      <a:srgbClr val="404040">
+                        <a:alpha val="65882"/>
+                      </a:srgbClr>
+                    </a:solidFill>
+                  </a:ln>
+                </p:spPr>
+                <p:style>
+                  <a:lnRef idx="2">
+                    <a:schemeClr val="accent1">
+                      <a:shade val="50000"/>
+                    </a:schemeClr>
+                  </a:lnRef>
+                  <a:fillRef idx="1">
+                    <a:schemeClr val="accent1"/>
+                  </a:fillRef>
+                  <a:effectRef idx="0">
+                    <a:schemeClr val="accent1"/>
+                  </a:effectRef>
+                  <a:fontRef idx="minor">
+                    <a:schemeClr val="lt1"/>
+                  </a:fontRef>
+                </p:style>
+                <p:txBody>
+                  <a:bodyPr rtlCol="0" anchor="ctr"/>
+                  <a:lstStyle/>
+                  <a:p>
+                    <a:pPr algn="ctr"/>
+                    <a:endParaRPr lang="en-US"/>
+                  </a:p>
+                </p:txBody>
+              </p:sp>
+              <p:sp>
+                <p:nvSpPr>
+                  <p:cNvPr id="155" name="Oval 154">
+                    <a:extLst>
+                      <a:ext uri="{FF2B5EF4-FFF2-40B4-BE49-F238E27FC236}">
+                        <a16:creationId xmlns:a16="http://schemas.microsoft.com/office/drawing/2014/main" id="{A5041882-9815-E241-A050-6DB283E640FE}"/>
+                      </a:ext>
+                    </a:extLst>
+                  </p:cNvPr>
+                  <p:cNvSpPr/>
+                  <p:nvPr/>
+                </p:nvSpPr>
+                <p:spPr>
+                  <a:xfrm>
+                    <a:off x="7446708" y="2067511"/>
+                    <a:ext cx="45719" cy="46521"/>
+                  </a:xfrm>
+                  <a:prstGeom prst="ellipse">
+                    <a:avLst/>
+                  </a:prstGeom>
+                  <a:solidFill>
+                    <a:srgbClr val="E6F5C9">
+                      <a:alpha val="65882"/>
+                    </a:srgbClr>
+                  </a:solidFill>
+                  <a:ln>
+                    <a:solidFill>
+                      <a:srgbClr val="404040">
+                        <a:alpha val="65882"/>
+                      </a:srgbClr>
+                    </a:solidFill>
+                  </a:ln>
+                </p:spPr>
+                <p:style>
+                  <a:lnRef idx="2">
+                    <a:schemeClr val="accent1">
+                      <a:shade val="50000"/>
+                    </a:schemeClr>
+                  </a:lnRef>
+                  <a:fillRef idx="1">
+                    <a:schemeClr val="accent1"/>
+                  </a:fillRef>
+                  <a:effectRef idx="0">
+                    <a:schemeClr val="accent1"/>
+                  </a:effectRef>
+                  <a:fontRef idx="minor">
+                    <a:schemeClr val="lt1"/>
+                  </a:fontRef>
+                </p:style>
+                <p:txBody>
+                  <a:bodyPr rtlCol="0" anchor="ctr"/>
+                  <a:lstStyle/>
+                  <a:p>
+                    <a:pPr algn="ctr"/>
+                    <a:endParaRPr lang="en-US"/>
+                  </a:p>
+                </p:txBody>
+              </p:sp>
+              <p:sp>
+                <p:nvSpPr>
+                  <p:cNvPr id="156" name="Oval 155">
+                    <a:extLst>
+                      <a:ext uri="{FF2B5EF4-FFF2-40B4-BE49-F238E27FC236}">
+                        <a16:creationId xmlns:a16="http://schemas.microsoft.com/office/drawing/2014/main" id="{0EE1B7FB-9A77-0841-875F-0F1B0B0CFD23}"/>
+                      </a:ext>
+                    </a:extLst>
+                  </p:cNvPr>
+                  <p:cNvSpPr/>
+                  <p:nvPr/>
+                </p:nvSpPr>
+                <p:spPr>
+                  <a:xfrm>
+                    <a:off x="7321392" y="2109611"/>
+                    <a:ext cx="45719" cy="46521"/>
+                  </a:xfrm>
+                  <a:prstGeom prst="ellipse">
+                    <a:avLst/>
+                  </a:prstGeom>
+                  <a:solidFill>
+                    <a:srgbClr val="E6F5C9">
+                      <a:alpha val="65882"/>
+                    </a:srgbClr>
+                  </a:solidFill>
+                  <a:ln>
+                    <a:solidFill>
+                      <a:srgbClr val="404040">
+                        <a:alpha val="65882"/>
+                      </a:srgbClr>
+                    </a:solidFill>
+                  </a:ln>
+                </p:spPr>
+                <p:style>
+                  <a:lnRef idx="2">
+                    <a:schemeClr val="accent1">
+                      <a:shade val="50000"/>
+                    </a:schemeClr>
+                  </a:lnRef>
+                  <a:fillRef idx="1">
+                    <a:schemeClr val="accent1"/>
+                  </a:fillRef>
+                  <a:effectRef idx="0">
+                    <a:schemeClr val="accent1"/>
+                  </a:effectRef>
+                  <a:fontRef idx="minor">
+                    <a:schemeClr val="lt1"/>
+                  </a:fontRef>
+                </p:style>
+                <p:txBody>
+                  <a:bodyPr rtlCol="0" anchor="ctr"/>
+                  <a:lstStyle/>
+                  <a:p>
+                    <a:pPr algn="ctr"/>
+                    <a:endParaRPr lang="en-US"/>
+                  </a:p>
+                </p:txBody>
+              </p:sp>
+              <p:sp>
+                <p:nvSpPr>
+                  <p:cNvPr id="157" name="Oval 156">
+                    <a:extLst>
+                      <a:ext uri="{FF2B5EF4-FFF2-40B4-BE49-F238E27FC236}">
+                        <a16:creationId xmlns:a16="http://schemas.microsoft.com/office/drawing/2014/main" id="{0EBA5144-8616-0B42-A86B-1076F3A9E750}"/>
+                      </a:ext>
+                    </a:extLst>
+                  </p:cNvPr>
+                  <p:cNvSpPr/>
+                  <p:nvPr/>
+                </p:nvSpPr>
+                <p:spPr>
+                  <a:xfrm>
+                    <a:off x="7482011" y="2015094"/>
+                    <a:ext cx="45719" cy="46521"/>
+                  </a:xfrm>
+                  <a:prstGeom prst="ellipse">
+                    <a:avLst/>
+                  </a:prstGeom>
+                  <a:solidFill>
+                    <a:srgbClr val="E6F5C9">
+                      <a:alpha val="65882"/>
+                    </a:srgbClr>
+                  </a:solidFill>
+                  <a:ln>
+                    <a:solidFill>
+                      <a:srgbClr val="404040">
+                        <a:alpha val="65882"/>
+                      </a:srgbClr>
+                    </a:solidFill>
+                  </a:ln>
+                </p:spPr>
+                <p:style>
+                  <a:lnRef idx="2">
+                    <a:schemeClr val="accent1">
+                      <a:shade val="50000"/>
+                    </a:schemeClr>
+                  </a:lnRef>
+                  <a:fillRef idx="1">
+                    <a:schemeClr val="accent1"/>
+                  </a:fillRef>
+                  <a:effectRef idx="0">
+                    <a:schemeClr val="accent1"/>
+                  </a:effectRef>
+                  <a:fontRef idx="minor">
+                    <a:schemeClr val="lt1"/>
+                  </a:fontRef>
+                </p:style>
+                <p:txBody>
+                  <a:bodyPr rtlCol="0" anchor="ctr"/>
+                  <a:lstStyle/>
+                  <a:p>
+                    <a:pPr algn="ctr"/>
+                    <a:endParaRPr lang="en-US"/>
+                  </a:p>
+                </p:txBody>
+              </p:sp>
+            </p:grpSp>
+          </p:grpSp>
+          <p:sp>
+            <p:nvSpPr>
+              <p:cNvPr id="296" name="TextBox 295">
+                <a:extLst>
+                  <a:ext uri="{FF2B5EF4-FFF2-40B4-BE49-F238E27FC236}">
+                    <a16:creationId xmlns:a16="http://schemas.microsoft.com/office/drawing/2014/main" id="{67D6688A-5CC0-9548-A7A3-52E19004264E}"/>
+                  </a:ext>
+                </a:extLst>
+              </p:cNvPr>
+              <p:cNvSpPr txBox="1"/>
+              <p:nvPr/>
+            </p:nvSpPr>
+            <p:spPr>
+              <a:xfrm>
+                <a:off x="3049302" y="2811170"/>
+                <a:ext cx="351378" cy="276999"/>
+              </a:xfrm>
+              <a:prstGeom prst="rect">
+                <a:avLst/>
+              </a:prstGeom>
+              <a:noFill/>
+            </p:spPr>
+            <p:txBody>
+              <a:bodyPr wrap="none" rtlCol="0">
+                <a:spAutoFit/>
+              </a:bodyPr>
+              <a:lstStyle/>
+              <a:p>
+                <a:r>
+                  <a:rPr lang="en-US" sz="1200" dirty="0"/>
+                  <a:t>(c)</a:t>
+                </a:r>
+              </a:p>
+            </p:txBody>
+          </p:sp>
+        </p:grpSp>
+      </p:grpSp>
+    </p:spTree>
+    <p:extLst>
+      <p:ext uri="{BB962C8B-B14F-4D97-AF65-F5344CB8AC3E}">
+        <p14:creationId xmlns:p14="http://schemas.microsoft.com/office/powerpoint/2010/main" val="1251429136"/>
+      </p:ext>
+    </p:extLst>
+  </p:cSld>
+  <p:clrMapOvr>
+    <a:masterClrMapping/>
+  </p:clrMapOvr>
+</p:sld>
+</file>
+
+<file path=ppt/slides/slide3.xml><?xml version="1.0" encoding="utf-8"?>
+<p:sld xmlns:a="http://schemas.openxmlformats.org/drawingml/2006/main" xmlns:r="http://schemas.openxmlformats.org/officeDocument/2006/relationships" xmlns:p="http://schemas.openxmlformats.org/presentationml/2006/main">
+  <p:cSld>
+    <p:spTree>
+      <p:nvGrpSpPr>
+        <p:cNvPr id="1" name=""/>
+        <p:cNvGrpSpPr/>
+        <p:nvPr/>
+      </p:nvGrpSpPr>
+      <p:grpSpPr>
+        <a:xfrm>
+          <a:off x="0" y="0"/>
+          <a:ext cx="0" cy="0"/>
+          <a:chOff x="0" y="0"/>
+          <a:chExt cx="0" cy="0"/>
+        </a:xfrm>
+      </p:grpSpPr>
       <p:sp>
         <p:nvSpPr>
           <p:cNvPr id="20" name="TextBox 19">
@@ -13451,7 +19814,7 @@
 </p:sld>
 </file>
 
-<file path=ppt/slides/slide3.xml><?xml version="1.0" encoding="utf-8"?>
+<file path=ppt/slides/slide4.xml><?xml version="1.0" encoding="utf-8"?>
 <p:sld xmlns:a="http://schemas.openxmlformats.org/drawingml/2006/main" xmlns:r="http://schemas.openxmlformats.org/officeDocument/2006/relationships" xmlns:p="http://schemas.openxmlformats.org/presentationml/2006/main">
   <p:cSld>
     <p:spTree>
